--- a/figs/edit-figs.pptx
+++ b/figs/edit-figs.pptx
@@ -5,7 +5,7 @@
     <p:sldMasterId id="2147483648" r:id="rId1"/>
   </p:sldMasterIdLst>
   <p:notesMasterIdLst>
-    <p:notesMasterId r:id="rId9"/>
+    <p:notesMasterId r:id="rId12"/>
   </p:notesMasterIdLst>
   <p:sldIdLst>
     <p:sldId id="256" r:id="rId2"/>
@@ -13,8 +13,11 @@
     <p:sldId id="257" r:id="rId4"/>
     <p:sldId id="258" r:id="rId5"/>
     <p:sldId id="260" r:id="rId6"/>
-    <p:sldId id="262" r:id="rId7"/>
-    <p:sldId id="263" r:id="rId8"/>
+    <p:sldId id="266" r:id="rId7"/>
+    <p:sldId id="262" r:id="rId8"/>
+    <p:sldId id="264" r:id="rId9"/>
+    <p:sldId id="263" r:id="rId10"/>
+    <p:sldId id="265" r:id="rId11"/>
   </p:sldIdLst>
   <p:sldSz cx="12192000" cy="6858000"/>
   <p:notesSz cx="6858000" cy="9144000"/>
@@ -203,7 +206,7 @@
           <a:p>
             <a:fld id="{57A664DD-7A1A-BE49-ADAE-2848B0C85502}" type="datetimeFigureOut">
               <a:rPr lang="en-US" smtClean="0"/>
-              <a:t>7/29/17</a:t>
+              <a:t>9/19/17</a:t>
             </a:fld>
             <a:endParaRPr lang="en-US"/>
           </a:p>
@@ -686,7 +689,7 @@
           <a:p>
             <a:fld id="{9F30F933-5793-8A4F-B77B-35AB20188D4C}" type="datetimeFigureOut">
               <a:rPr lang="en-US" smtClean="0"/>
-              <a:t>7/29/17</a:t>
+              <a:t>9/19/17</a:t>
             </a:fld>
             <a:endParaRPr lang="en-US"/>
           </a:p>
@@ -856,7 +859,7 @@
           <a:p>
             <a:fld id="{9F30F933-5793-8A4F-B77B-35AB20188D4C}" type="datetimeFigureOut">
               <a:rPr lang="en-US" smtClean="0"/>
-              <a:t>7/29/17</a:t>
+              <a:t>9/19/17</a:t>
             </a:fld>
             <a:endParaRPr lang="en-US"/>
           </a:p>
@@ -1036,7 +1039,7 @@
           <a:p>
             <a:fld id="{9F30F933-5793-8A4F-B77B-35AB20188D4C}" type="datetimeFigureOut">
               <a:rPr lang="en-US" smtClean="0"/>
-              <a:t>7/29/17</a:t>
+              <a:t>9/19/17</a:t>
             </a:fld>
             <a:endParaRPr lang="en-US"/>
           </a:p>
@@ -1206,7 +1209,7 @@
           <a:p>
             <a:fld id="{9F30F933-5793-8A4F-B77B-35AB20188D4C}" type="datetimeFigureOut">
               <a:rPr lang="en-US" smtClean="0"/>
-              <a:t>7/29/17</a:t>
+              <a:t>9/19/17</a:t>
             </a:fld>
             <a:endParaRPr lang="en-US"/>
           </a:p>
@@ -1452,7 +1455,7 @@
           <a:p>
             <a:fld id="{9F30F933-5793-8A4F-B77B-35AB20188D4C}" type="datetimeFigureOut">
               <a:rPr lang="en-US" smtClean="0"/>
-              <a:t>7/29/17</a:t>
+              <a:t>9/19/17</a:t>
             </a:fld>
             <a:endParaRPr lang="en-US"/>
           </a:p>
@@ -1684,7 +1687,7 @@
           <a:p>
             <a:fld id="{9F30F933-5793-8A4F-B77B-35AB20188D4C}" type="datetimeFigureOut">
               <a:rPr lang="en-US" smtClean="0"/>
-              <a:t>7/29/17</a:t>
+              <a:t>9/19/17</a:t>
             </a:fld>
             <a:endParaRPr lang="en-US"/>
           </a:p>
@@ -2051,7 +2054,7 @@
           <a:p>
             <a:fld id="{9F30F933-5793-8A4F-B77B-35AB20188D4C}" type="datetimeFigureOut">
               <a:rPr lang="en-US" smtClean="0"/>
-              <a:t>7/29/17</a:t>
+              <a:t>9/19/17</a:t>
             </a:fld>
             <a:endParaRPr lang="en-US"/>
           </a:p>
@@ -2169,7 +2172,7 @@
           <a:p>
             <a:fld id="{9F30F933-5793-8A4F-B77B-35AB20188D4C}" type="datetimeFigureOut">
               <a:rPr lang="en-US" smtClean="0"/>
-              <a:t>7/29/17</a:t>
+              <a:t>9/19/17</a:t>
             </a:fld>
             <a:endParaRPr lang="en-US"/>
           </a:p>
@@ -2264,7 +2267,7 @@
           <a:p>
             <a:fld id="{9F30F933-5793-8A4F-B77B-35AB20188D4C}" type="datetimeFigureOut">
               <a:rPr lang="en-US" smtClean="0"/>
-              <a:t>7/29/17</a:t>
+              <a:t>9/19/17</a:t>
             </a:fld>
             <a:endParaRPr lang="en-US"/>
           </a:p>
@@ -2541,7 +2544,7 @@
           <a:p>
             <a:fld id="{9F30F933-5793-8A4F-B77B-35AB20188D4C}" type="datetimeFigureOut">
               <a:rPr lang="en-US" smtClean="0"/>
-              <a:t>7/29/17</a:t>
+              <a:t>9/19/17</a:t>
             </a:fld>
             <a:endParaRPr lang="en-US"/>
           </a:p>
@@ -2794,7 +2797,7 @@
           <a:p>
             <a:fld id="{9F30F933-5793-8A4F-B77B-35AB20188D4C}" type="datetimeFigureOut">
               <a:rPr lang="en-US" smtClean="0"/>
-              <a:t>7/29/17</a:t>
+              <a:t>9/19/17</a:t>
             </a:fld>
             <a:endParaRPr lang="en-US"/>
           </a:p>
@@ -3007,7 +3010,7 @@
           <a:p>
             <a:fld id="{9F30F933-5793-8A4F-B77B-35AB20188D4C}" type="datetimeFigureOut">
               <a:rPr lang="en-US" smtClean="0"/>
-              <a:t>7/29/17</a:t>
+              <a:t>9/19/17</a:t>
             </a:fld>
             <a:endParaRPr lang="en-US"/>
           </a:p>
@@ -3460,6 +3463,667 @@
   <p:clrMapOvr>
     <a:masterClrMapping/>
   </p:clrMapOvr>
+  <p:timing>
+    <p:tnLst>
+      <p:par>
+        <p:cTn id="1" dur="indefinite" restart="never" nodeType="tmRoot"/>
+      </p:par>
+    </p:tnLst>
+  </p:timing>
+</p:sld>
+</file>
+
+<file path=ppt/slides/slide10.xml><?xml version="1.0" encoding="utf-8"?>
+<p:sld xmlns:a="http://schemas.openxmlformats.org/drawingml/2006/main" xmlns:r="http://schemas.openxmlformats.org/officeDocument/2006/relationships" xmlns:p="http://schemas.openxmlformats.org/presentationml/2006/main">
+  <p:cSld>
+    <p:spTree>
+      <p:nvGrpSpPr>
+        <p:cNvPr id="1" name=""/>
+        <p:cNvGrpSpPr/>
+        <p:nvPr/>
+      </p:nvGrpSpPr>
+      <p:grpSpPr>
+        <a:xfrm>
+          <a:off x="0" y="0"/>
+          <a:ext cx="0" cy="0"/>
+          <a:chOff x="0" y="0"/>
+          <a:chExt cx="0" cy="0"/>
+        </a:xfrm>
+      </p:grpSpPr>
+      <p:grpSp>
+        <p:nvGrpSpPr>
+          <p:cNvPr id="2" name="Group 1"/>
+          <p:cNvGrpSpPr/>
+          <p:nvPr/>
+        </p:nvGrpSpPr>
+        <p:grpSpPr>
+          <a:xfrm>
+            <a:off x="104309" y="1124262"/>
+            <a:ext cx="13436021" cy="3927423"/>
+            <a:chOff x="104309" y="1124262"/>
+            <a:chExt cx="13436021" cy="3927423"/>
+          </a:xfrm>
+        </p:grpSpPr>
+        <p:sp>
+          <p:nvSpPr>
+            <p:cNvPr id="10" name="Rectangle 9"/>
+            <p:cNvSpPr/>
+            <p:nvPr/>
+          </p:nvSpPr>
+          <p:spPr>
+            <a:xfrm>
+              <a:off x="104309" y="1124262"/>
+              <a:ext cx="13433013" cy="3927423"/>
+            </a:xfrm>
+            <a:prstGeom prst="rect">
+              <a:avLst/>
+            </a:prstGeom>
+            <a:solidFill>
+              <a:schemeClr val="bg1"/>
+            </a:solidFill>
+            <a:ln>
+              <a:noFill/>
+            </a:ln>
+          </p:spPr>
+          <p:style>
+            <a:lnRef idx="2">
+              <a:schemeClr val="accent1">
+                <a:shade val="50000"/>
+              </a:schemeClr>
+            </a:lnRef>
+            <a:fillRef idx="1">
+              <a:schemeClr val="accent1"/>
+            </a:fillRef>
+            <a:effectRef idx="0">
+              <a:schemeClr val="accent1"/>
+            </a:effectRef>
+            <a:fontRef idx="minor">
+              <a:schemeClr val="lt1"/>
+            </a:fontRef>
+          </p:style>
+          <p:txBody>
+            <a:bodyPr rtlCol="0" anchor="ctr"/>
+            <a:lstStyle/>
+            <a:p>
+              <a:pPr algn="ctr"/>
+              <a:endParaRPr lang="en-US"/>
+            </a:p>
+          </p:txBody>
+        </p:sp>
+        <p:sp>
+          <p:nvSpPr>
+            <p:cNvPr id="6" name="TextBox 5"/>
+            <p:cNvSpPr txBox="1"/>
+            <p:nvPr/>
+          </p:nvSpPr>
+          <p:spPr>
+            <a:xfrm>
+              <a:off x="1604359" y="1373162"/>
+              <a:ext cx="2852064" cy="369332"/>
+            </a:xfrm>
+            <a:prstGeom prst="rect">
+              <a:avLst/>
+            </a:prstGeom>
+            <a:noFill/>
+          </p:spPr>
+          <p:txBody>
+            <a:bodyPr wrap="none" rtlCol="0">
+              <a:spAutoFit/>
+            </a:bodyPr>
+            <a:lstStyle/>
+            <a:p>
+              <a:pPr algn="ctr"/>
+              <a:r>
+                <a:rPr lang="en-US" dirty="0" smtClean="0">
+                  <a:latin typeface="Times New Roman" charset="0"/>
+                  <a:ea typeface="Times New Roman" charset="0"/>
+                  <a:cs typeface="Times New Roman" charset="0"/>
+                </a:rPr>
+                <a:t>Adversarial Dynamics Noise</a:t>
+              </a:r>
+              <a:endParaRPr lang="en-US" dirty="0">
+                <a:latin typeface="Times New Roman" charset="0"/>
+                <a:ea typeface="Times New Roman" charset="0"/>
+                <a:cs typeface="Times New Roman" charset="0"/>
+              </a:endParaRPr>
+            </a:p>
+          </p:txBody>
+        </p:sp>
+        <p:sp>
+          <p:nvSpPr>
+            <p:cNvPr id="7" name="TextBox 6"/>
+            <p:cNvSpPr txBox="1"/>
+            <p:nvPr/>
+          </p:nvSpPr>
+          <p:spPr>
+            <a:xfrm>
+              <a:off x="7055464" y="1373162"/>
+              <a:ext cx="2557110" cy="369332"/>
+            </a:xfrm>
+            <a:prstGeom prst="rect">
+              <a:avLst/>
+            </a:prstGeom>
+            <a:noFill/>
+          </p:spPr>
+          <p:txBody>
+            <a:bodyPr wrap="none" rtlCol="0">
+              <a:spAutoFit/>
+            </a:bodyPr>
+            <a:lstStyle/>
+            <a:p>
+              <a:pPr algn="ctr"/>
+              <a:r>
+                <a:rPr lang="en-US" dirty="0" smtClean="0">
+                  <a:latin typeface="Times New Roman" charset="0"/>
+                  <a:ea typeface="Times New Roman" charset="0"/>
+                  <a:cs typeface="Times New Roman" charset="0"/>
+                </a:rPr>
+                <a:t>Random Dynamics Noise</a:t>
+              </a:r>
+              <a:endParaRPr lang="en-US" dirty="0">
+                <a:latin typeface="Times New Roman" charset="0"/>
+                <a:ea typeface="Times New Roman" charset="0"/>
+                <a:cs typeface="Times New Roman" charset="0"/>
+              </a:endParaRPr>
+            </a:p>
+          </p:txBody>
+        </p:sp>
+        <p:pic>
+          <p:nvPicPr>
+            <p:cNvPr id="17" name="Picture 16"/>
+            <p:cNvPicPr>
+              <a:picLocks noChangeAspect="1"/>
+            </p:cNvPicPr>
+            <p:nvPr/>
+          </p:nvPicPr>
+          <p:blipFill rotWithShape="1">
+            <a:blip r:embed="rId2">
+              <a:extLst>
+                <a:ext uri="{28A0092B-C50C-407E-A947-70E740481C1C}">
+                  <a14:useLocalDpi xmlns:a14="http://schemas.microsoft.com/office/drawing/2010/main" val="0"/>
+                </a:ext>
+              </a:extLst>
+            </a:blip>
+            <a:srcRect l="6139" t="10788" r="5364" b="20276"/>
+            <a:stretch/>
+          </p:blipFill>
+          <p:spPr>
+            <a:xfrm>
+              <a:off x="435570" y="1703029"/>
+              <a:ext cx="5178963" cy="3025708"/>
+            </a:xfrm>
+            <a:prstGeom prst="rect">
+              <a:avLst/>
+            </a:prstGeom>
+          </p:spPr>
+        </p:pic>
+        <p:pic>
+          <p:nvPicPr>
+            <p:cNvPr id="9" name="Picture 8"/>
+            <p:cNvPicPr>
+              <a:picLocks noChangeAspect="1"/>
+            </p:cNvPicPr>
+            <p:nvPr/>
+          </p:nvPicPr>
+          <p:blipFill rotWithShape="1">
+            <a:blip r:embed="rId3">
+              <a:extLst>
+                <a:ext uri="{28A0092B-C50C-407E-A947-70E740481C1C}">
+                  <a14:useLocalDpi xmlns:a14="http://schemas.microsoft.com/office/drawing/2010/main" val="0"/>
+                </a:ext>
+              </a:extLst>
+            </a:blip>
+            <a:srcRect l="4568" t="10788" r="6342" b="20276"/>
+            <a:stretch/>
+          </p:blipFill>
+          <p:spPr>
+            <a:xfrm>
+              <a:off x="5727173" y="1703029"/>
+              <a:ext cx="5213685" cy="3025708"/>
+            </a:xfrm>
+            <a:prstGeom prst="rect">
+              <a:avLst/>
+            </a:prstGeom>
+          </p:spPr>
+        </p:pic>
+        <p:sp>
+          <p:nvSpPr>
+            <p:cNvPr id="16" name="TextBox 15"/>
+            <p:cNvSpPr txBox="1"/>
+            <p:nvPr/>
+          </p:nvSpPr>
+          <p:spPr>
+            <a:xfrm>
+              <a:off x="6141489" y="4118736"/>
+              <a:ext cx="425117" cy="338554"/>
+            </a:xfrm>
+            <a:prstGeom prst="rect">
+              <a:avLst/>
+            </a:prstGeom>
+            <a:noFill/>
+          </p:spPr>
+          <p:txBody>
+            <a:bodyPr wrap="none" rtlCol="0">
+              <a:spAutoFit/>
+            </a:bodyPr>
+            <a:lstStyle/>
+            <a:p>
+              <a:pPr algn="ctr"/>
+              <a:r>
+                <a:rPr lang="en-US" sz="1600" smtClean="0">
+                  <a:latin typeface="Times New Roman" charset="0"/>
+                  <a:ea typeface="Times New Roman" charset="0"/>
+                  <a:cs typeface="Times New Roman" charset="0"/>
+                </a:rPr>
+                <a:t>(b)</a:t>
+              </a:r>
+              <a:endParaRPr lang="en-US" sz="1600" dirty="0">
+                <a:latin typeface="Times New Roman" charset="0"/>
+                <a:ea typeface="Times New Roman" charset="0"/>
+                <a:cs typeface="Times New Roman" charset="0"/>
+              </a:endParaRPr>
+            </a:p>
+          </p:txBody>
+        </p:sp>
+        <p:sp>
+          <p:nvSpPr>
+            <p:cNvPr id="15" name="TextBox 14"/>
+            <p:cNvSpPr txBox="1"/>
+            <p:nvPr/>
+          </p:nvSpPr>
+          <p:spPr>
+            <a:xfrm>
+              <a:off x="842558" y="4118736"/>
+              <a:ext cx="413896" cy="338554"/>
+            </a:xfrm>
+            <a:prstGeom prst="rect">
+              <a:avLst/>
+            </a:prstGeom>
+            <a:noFill/>
+          </p:spPr>
+          <p:txBody>
+            <a:bodyPr wrap="none" rtlCol="0">
+              <a:spAutoFit/>
+            </a:bodyPr>
+            <a:lstStyle/>
+            <a:p>
+              <a:pPr algn="ctr"/>
+              <a:r>
+                <a:rPr lang="en-US" sz="1600" smtClean="0">
+                  <a:latin typeface="Times New Roman" charset="0"/>
+                  <a:ea typeface="Times New Roman" charset="0"/>
+                  <a:cs typeface="Times New Roman" charset="0"/>
+                </a:rPr>
+                <a:t>(a)</a:t>
+              </a:r>
+              <a:endParaRPr lang="en-US" sz="1600" dirty="0">
+                <a:latin typeface="Times New Roman" charset="0"/>
+                <a:ea typeface="Times New Roman" charset="0"/>
+                <a:cs typeface="Times New Roman" charset="0"/>
+              </a:endParaRPr>
+            </a:p>
+          </p:txBody>
+        </p:sp>
+        <p:sp>
+          <p:nvSpPr>
+            <p:cNvPr id="13" name="TextBox 12"/>
+            <p:cNvSpPr txBox="1"/>
+            <p:nvPr/>
+          </p:nvSpPr>
+          <p:spPr>
+            <a:xfrm rot="16200000">
+              <a:off x="4011758" y="3046606"/>
+              <a:ext cx="3245633" cy="338554"/>
+            </a:xfrm>
+            <a:prstGeom prst="rect">
+              <a:avLst/>
+            </a:prstGeom>
+            <a:solidFill>
+              <a:schemeClr val="bg1"/>
+            </a:solidFill>
+          </p:spPr>
+          <p:txBody>
+            <a:bodyPr wrap="none" rtlCol="0">
+              <a:spAutoFit/>
+            </a:bodyPr>
+            <a:lstStyle/>
+            <a:p>
+              <a:pPr algn="ctr"/>
+              <a:r>
+                <a:rPr lang="en-US" sz="1600" dirty="0" smtClean="0">
+                  <a:latin typeface="Times New Roman" charset="0"/>
+                  <a:ea typeface="Times New Roman" charset="0"/>
+                  <a:cs typeface="Times New Roman" charset="0"/>
+                </a:rPr>
+                <a:t>Avg. Performance Over 100 Rollouts</a:t>
+              </a:r>
+              <a:endParaRPr lang="en-US" sz="1600" dirty="0">
+                <a:latin typeface="Times New Roman" charset="0"/>
+                <a:ea typeface="Times New Roman" charset="0"/>
+                <a:cs typeface="Times New Roman" charset="0"/>
+              </a:endParaRPr>
+            </a:p>
+          </p:txBody>
+        </p:sp>
+        <p:sp>
+          <p:nvSpPr>
+            <p:cNvPr id="14" name="TextBox 13"/>
+            <p:cNvSpPr txBox="1"/>
+            <p:nvPr/>
+          </p:nvSpPr>
+          <p:spPr>
+            <a:xfrm rot="16200000">
+              <a:off x="-1317828" y="3046606"/>
+              <a:ext cx="3245633" cy="338554"/>
+            </a:xfrm>
+            <a:prstGeom prst="rect">
+              <a:avLst/>
+            </a:prstGeom>
+            <a:solidFill>
+              <a:schemeClr val="bg1"/>
+            </a:solidFill>
+          </p:spPr>
+          <p:txBody>
+            <a:bodyPr wrap="none" rtlCol="0">
+              <a:spAutoFit/>
+            </a:bodyPr>
+            <a:lstStyle/>
+            <a:p>
+              <a:pPr algn="ctr"/>
+              <a:r>
+                <a:rPr lang="en-US" sz="1600" dirty="0" smtClean="0">
+                  <a:latin typeface="Times New Roman" charset="0"/>
+                  <a:ea typeface="Times New Roman" charset="0"/>
+                  <a:cs typeface="Times New Roman" charset="0"/>
+                </a:rPr>
+                <a:t>Avg. Performance Over 100 Rollouts</a:t>
+              </a:r>
+              <a:endParaRPr lang="en-US" sz="1600" dirty="0">
+                <a:latin typeface="Times New Roman" charset="0"/>
+                <a:ea typeface="Times New Roman" charset="0"/>
+                <a:cs typeface="Times New Roman" charset="0"/>
+              </a:endParaRPr>
+            </a:p>
+          </p:txBody>
+        </p:sp>
+        <mc:AlternateContent xmlns:mc="http://schemas.openxmlformats.org/markup-compatibility/2006">
+          <mc:Choice xmlns:a14="http://schemas.microsoft.com/office/drawing/2010/main" Requires="a14">
+            <p:sp>
+              <p:nvSpPr>
+                <p:cNvPr id="12" name="TextBox 11"/>
+                <p:cNvSpPr txBox="1"/>
+                <p:nvPr/>
+              </p:nvSpPr>
+              <p:spPr>
+                <a:xfrm>
+                  <a:off x="1803323" y="4634985"/>
+                  <a:ext cx="2454133" cy="338554"/>
+                </a:xfrm>
+                <a:prstGeom prst="rect">
+                  <a:avLst/>
+                </a:prstGeom>
+                <a:noFill/>
+              </p:spPr>
+              <p:txBody>
+                <a:bodyPr wrap="none" rtlCol="0">
+                  <a:spAutoFit/>
+                </a:bodyPr>
+                <a:lstStyle/>
+                <a:p>
+                  <a:pPr algn="ctr"/>
+                  <a:r>
+                    <a:rPr lang="en-US" sz="1600" dirty="0" smtClean="0">
+                      <a:latin typeface="Times New Roman" charset="0"/>
+                      <a:ea typeface="Times New Roman" charset="0"/>
+                      <a:cs typeface="Times New Roman" charset="0"/>
+                    </a:rPr>
+                    <a:t>Perturbation Frequency (</a:t>
+                  </a:r>
+                  <a14:m>
+                    <m:oMath xmlns:m="http://schemas.openxmlformats.org/officeDocument/2006/math">
+                      <m:r>
+                        <a:rPr lang="en-US" sz="1600" b="0" i="1" smtClean="0">
+                          <a:latin typeface="Cambria Math" charset="0"/>
+                          <a:ea typeface="Times New Roman" charset="0"/>
+                          <a:cs typeface="Times New Roman" charset="0"/>
+                        </a:rPr>
+                        <m:t>𝜙</m:t>
+                      </m:r>
+                    </m:oMath>
+                  </a14:m>
+                  <a:r>
+                    <a:rPr lang="en-US" sz="1600" dirty="0" smtClean="0">
+                      <a:latin typeface="Times New Roman" charset="0"/>
+                      <a:ea typeface="Times New Roman" charset="0"/>
+                      <a:cs typeface="Times New Roman" charset="0"/>
+                    </a:rPr>
+                    <a:t>)</a:t>
+                  </a:r>
+                  <a:endParaRPr lang="en-US" sz="1600" dirty="0">
+                    <a:latin typeface="Times New Roman" charset="0"/>
+                    <a:ea typeface="Times New Roman" charset="0"/>
+                    <a:cs typeface="Times New Roman" charset="0"/>
+                  </a:endParaRPr>
+                </a:p>
+              </p:txBody>
+            </p:sp>
+          </mc:Choice>
+          <mc:Fallback>
+            <p:sp>
+              <p:nvSpPr>
+                <p:cNvPr id="12" name="TextBox 11"/>
+                <p:cNvSpPr txBox="1">
+                  <a:spLocks noRot="1" noChangeAspect="1" noMove="1" noResize="1" noEditPoints="1" noAdjustHandles="1" noChangeArrowheads="1" noChangeShapeType="1" noTextEdit="1"/>
+                </p:cNvSpPr>
+                <p:nvPr/>
+              </p:nvSpPr>
+              <p:spPr>
+                <a:xfrm>
+                  <a:off x="1803323" y="4634985"/>
+                  <a:ext cx="2454133" cy="338554"/>
+                </a:xfrm>
+                <a:prstGeom prst="rect">
+                  <a:avLst/>
+                </a:prstGeom>
+                <a:blipFill rotWithShape="0">
+                  <a:blip r:embed="rId4"/>
+                  <a:stretch>
+                    <a:fillRect l="-995" t="-5357" r="-746" b="-21429"/>
+                  </a:stretch>
+                </a:blipFill>
+              </p:spPr>
+              <p:txBody>
+                <a:bodyPr/>
+                <a:lstStyle/>
+                <a:p>
+                  <a:r>
+                    <a:rPr lang="en-US">
+                      <a:noFill/>
+                    </a:rPr>
+                    <a:t> </a:t>
+                  </a:r>
+                </a:p>
+              </p:txBody>
+            </p:sp>
+          </mc:Fallback>
+        </mc:AlternateContent>
+        <mc:AlternateContent xmlns:mc="http://schemas.openxmlformats.org/markup-compatibility/2006">
+          <mc:Choice xmlns:a14="http://schemas.microsoft.com/office/drawing/2010/main" Requires="a14">
+            <p:sp>
+              <p:nvSpPr>
+                <p:cNvPr id="11" name="TextBox 10"/>
+                <p:cNvSpPr txBox="1"/>
+                <p:nvPr/>
+              </p:nvSpPr>
+              <p:spPr>
+                <a:xfrm>
+                  <a:off x="7106950" y="4634985"/>
+                  <a:ext cx="2454133" cy="338554"/>
+                </a:xfrm>
+                <a:prstGeom prst="rect">
+                  <a:avLst/>
+                </a:prstGeom>
+                <a:noFill/>
+              </p:spPr>
+              <p:txBody>
+                <a:bodyPr wrap="none" rtlCol="0">
+                  <a:spAutoFit/>
+                </a:bodyPr>
+                <a:lstStyle/>
+                <a:p>
+                  <a:pPr algn="ctr"/>
+                  <a:r>
+                    <a:rPr lang="en-US" sz="1600" dirty="0" smtClean="0">
+                      <a:latin typeface="Times New Roman" charset="0"/>
+                      <a:ea typeface="Times New Roman" charset="0"/>
+                      <a:cs typeface="Times New Roman" charset="0"/>
+                    </a:rPr>
+                    <a:t>Perturbation Frequency (</a:t>
+                  </a:r>
+                  <a14:m>
+                    <m:oMath xmlns:m="http://schemas.openxmlformats.org/officeDocument/2006/math">
+                      <m:r>
+                        <a:rPr lang="en-US" sz="1600" b="0" i="1" smtClean="0">
+                          <a:latin typeface="Cambria Math" charset="0"/>
+                          <a:ea typeface="Times New Roman" charset="0"/>
+                          <a:cs typeface="Times New Roman" charset="0"/>
+                        </a:rPr>
+                        <m:t>𝜙</m:t>
+                      </m:r>
+                    </m:oMath>
+                  </a14:m>
+                  <a:r>
+                    <a:rPr lang="en-US" sz="1600" dirty="0" smtClean="0">
+                      <a:latin typeface="Times New Roman" charset="0"/>
+                      <a:ea typeface="Times New Roman" charset="0"/>
+                      <a:cs typeface="Times New Roman" charset="0"/>
+                    </a:rPr>
+                    <a:t>)</a:t>
+                  </a:r>
+                  <a:endParaRPr lang="en-US" sz="1600" dirty="0">
+                    <a:latin typeface="Times New Roman" charset="0"/>
+                    <a:ea typeface="Times New Roman" charset="0"/>
+                    <a:cs typeface="Times New Roman" charset="0"/>
+                  </a:endParaRPr>
+                </a:p>
+              </p:txBody>
+            </p:sp>
+          </mc:Choice>
+          <mc:Fallback>
+            <p:sp>
+              <p:nvSpPr>
+                <p:cNvPr id="11" name="TextBox 10"/>
+                <p:cNvSpPr txBox="1">
+                  <a:spLocks noRot="1" noChangeAspect="1" noMove="1" noResize="1" noEditPoints="1" noAdjustHandles="1" noChangeArrowheads="1" noChangeShapeType="1" noTextEdit="1"/>
+                </p:cNvSpPr>
+                <p:nvPr/>
+              </p:nvSpPr>
+              <p:spPr>
+                <a:xfrm>
+                  <a:off x="7106950" y="4634985"/>
+                  <a:ext cx="2454133" cy="338554"/>
+                </a:xfrm>
+                <a:prstGeom prst="rect">
+                  <a:avLst/>
+                </a:prstGeom>
+                <a:blipFill rotWithShape="0">
+                  <a:blip r:embed="rId4"/>
+                  <a:stretch>
+                    <a:fillRect l="-995" t="-5357" r="-746" b="-21429"/>
+                  </a:stretch>
+                </a:blipFill>
+              </p:spPr>
+              <p:txBody>
+                <a:bodyPr/>
+                <a:lstStyle/>
+                <a:p>
+                  <a:r>
+                    <a:rPr lang="en-US">
+                      <a:noFill/>
+                    </a:rPr>
+                    <a:t> </a:t>
+                  </a:r>
+                </a:p>
+              </p:txBody>
+            </p:sp>
+          </mc:Fallback>
+        </mc:AlternateContent>
+        <p:pic>
+          <p:nvPicPr>
+            <p:cNvPr id="4" name="Picture 3"/>
+            <p:cNvPicPr>
+              <a:picLocks noChangeAspect="1"/>
+            </p:cNvPicPr>
+            <p:nvPr/>
+          </p:nvPicPr>
+          <p:blipFill rotWithShape="1">
+            <a:blip r:embed="rId5">
+              <a:extLst>
+                <a:ext uri="{28A0092B-C50C-407E-A947-70E740481C1C}">
+                  <a14:useLocalDpi xmlns:a14="http://schemas.microsoft.com/office/drawing/2010/main" val="0"/>
+                </a:ext>
+              </a:extLst>
+            </a:blip>
+            <a:srcRect l="14923" t="83770" r="49099"/>
+            <a:stretch/>
+          </p:blipFill>
+          <p:spPr>
+            <a:xfrm>
+              <a:off x="10735018" y="2139843"/>
+              <a:ext cx="2802304" cy="948130"/>
+            </a:xfrm>
+            <a:prstGeom prst="rect">
+              <a:avLst/>
+            </a:prstGeom>
+          </p:spPr>
+        </p:pic>
+        <p:pic>
+          <p:nvPicPr>
+            <p:cNvPr id="5" name="Picture 4"/>
+            <p:cNvPicPr>
+              <a:picLocks noChangeAspect="1"/>
+            </p:cNvPicPr>
+            <p:nvPr/>
+          </p:nvPicPr>
+          <p:blipFill rotWithShape="1">
+            <a:blip r:embed="rId5">
+              <a:extLst>
+                <a:ext uri="{28A0092B-C50C-407E-A947-70E740481C1C}">
+                  <a14:useLocalDpi xmlns:a14="http://schemas.microsoft.com/office/drawing/2010/main" val="0"/>
+                </a:ext>
+              </a:extLst>
+            </a:blip>
+            <a:srcRect l="52322" t="83770" r="11702"/>
+            <a:stretch/>
+          </p:blipFill>
+          <p:spPr>
+            <a:xfrm>
+              <a:off x="10738026" y="2939580"/>
+              <a:ext cx="2802304" cy="948130"/>
+            </a:xfrm>
+            <a:prstGeom prst="rect">
+              <a:avLst/>
+            </a:prstGeom>
+          </p:spPr>
+        </p:pic>
+      </p:grpSp>
+    </p:spTree>
+    <p:extLst>
+      <p:ext uri="{BB962C8B-B14F-4D97-AF65-F5344CB8AC3E}">
+        <p14:creationId xmlns:p14="http://schemas.microsoft.com/office/powerpoint/2010/main" val="1582455290"/>
+      </p:ext>
+    </p:extLst>
+  </p:cSld>
+  <p:clrMapOvr>
+    <a:masterClrMapping/>
+  </p:clrMapOvr>
+  <p:timing>
+    <p:tnLst>
+      <p:par>
+        <p:cTn id="1" dur="indefinite" restart="never" nodeType="tmRoot"/>
+      </p:par>
+    </p:tnLst>
+  </p:timing>
 </p:sld>
 </file>
 
@@ -4587,6 +5251,13 @@
   <p:clrMapOvr>
     <a:masterClrMapping/>
   </p:clrMapOvr>
+  <p:timing>
+    <p:tnLst>
+      <p:par>
+        <p:cTn id="1" dur="indefinite" restart="never" nodeType="tmRoot"/>
+      </p:par>
+    </p:tnLst>
+  </p:timing>
 </p:sld>
 </file>
 
@@ -4866,10 +5537,1456 @@
   <p:clrMapOvr>
     <a:masterClrMapping/>
   </p:clrMapOvr>
+  <p:timing>
+    <p:tnLst>
+      <p:par>
+        <p:cTn id="1" dur="indefinite" restart="never" nodeType="tmRoot"/>
+      </p:par>
+    </p:tnLst>
+  </p:timing>
 </p:sld>
 </file>
 
 <file path=ppt/slides/slide5.xml><?xml version="1.0" encoding="utf-8"?>
+<p:sld xmlns:a="http://schemas.openxmlformats.org/drawingml/2006/main" xmlns:r="http://schemas.openxmlformats.org/officeDocument/2006/relationships" xmlns:p="http://schemas.openxmlformats.org/presentationml/2006/main">
+  <p:cSld>
+    <p:spTree>
+      <p:nvGrpSpPr>
+        <p:cNvPr id="1" name=""/>
+        <p:cNvGrpSpPr/>
+        <p:nvPr/>
+      </p:nvGrpSpPr>
+      <p:grpSpPr>
+        <a:xfrm>
+          <a:off x="0" y="0"/>
+          <a:ext cx="0" cy="0"/>
+          <a:chOff x="0" y="0"/>
+          <a:chExt cx="0" cy="0"/>
+        </a:xfrm>
+      </p:grpSpPr>
+      <p:grpSp>
+        <p:nvGrpSpPr>
+          <p:cNvPr id="9" name="Group 8"/>
+          <p:cNvGrpSpPr/>
+          <p:nvPr/>
+        </p:nvGrpSpPr>
+        <p:grpSpPr>
+          <a:xfrm>
+            <a:off x="104309" y="1124262"/>
+            <a:ext cx="13387895" cy="3927423"/>
+            <a:chOff x="104309" y="1124262"/>
+            <a:chExt cx="13387895" cy="3927423"/>
+          </a:xfrm>
+        </p:grpSpPr>
+        <p:sp>
+          <p:nvSpPr>
+            <p:cNvPr id="10" name="Rectangle 9"/>
+            <p:cNvSpPr/>
+            <p:nvPr/>
+          </p:nvSpPr>
+          <p:spPr>
+            <a:xfrm>
+              <a:off x="104309" y="1124262"/>
+              <a:ext cx="13387895" cy="3927423"/>
+            </a:xfrm>
+            <a:prstGeom prst="rect">
+              <a:avLst/>
+            </a:prstGeom>
+            <a:solidFill>
+              <a:schemeClr val="bg1"/>
+            </a:solidFill>
+            <a:ln>
+              <a:noFill/>
+            </a:ln>
+          </p:spPr>
+          <p:style>
+            <a:lnRef idx="2">
+              <a:schemeClr val="accent1">
+                <a:shade val="50000"/>
+              </a:schemeClr>
+            </a:lnRef>
+            <a:fillRef idx="1">
+              <a:schemeClr val="accent1"/>
+            </a:fillRef>
+            <a:effectRef idx="0">
+              <a:schemeClr val="accent1"/>
+            </a:effectRef>
+            <a:fontRef idx="minor">
+              <a:schemeClr val="lt1"/>
+            </a:fontRef>
+          </p:style>
+          <p:txBody>
+            <a:bodyPr rtlCol="0" anchor="ctr"/>
+            <a:lstStyle/>
+            <a:p>
+              <a:pPr algn="ctr"/>
+              <a:endParaRPr lang="en-US"/>
+            </a:p>
+          </p:txBody>
+        </p:sp>
+        <p:pic>
+          <p:nvPicPr>
+            <p:cNvPr id="3" name="Picture 2"/>
+            <p:cNvPicPr>
+              <a:picLocks noChangeAspect="1"/>
+            </p:cNvPicPr>
+            <p:nvPr/>
+          </p:nvPicPr>
+          <p:blipFill rotWithShape="1">
+            <a:blip r:embed="rId2">
+              <a:extLst>
+                <a:ext uri="{28A0092B-C50C-407E-A947-70E740481C1C}">
+                  <a14:useLocalDpi xmlns:a14="http://schemas.microsoft.com/office/drawing/2010/main" val="0"/>
+                </a:ext>
+              </a:extLst>
+            </a:blip>
+            <a:srcRect t="10518" b="20428"/>
+            <a:stretch/>
+          </p:blipFill>
+          <p:spPr>
+            <a:xfrm>
+              <a:off x="104309" y="1693565"/>
+              <a:ext cx="5852160" cy="3030836"/>
+            </a:xfrm>
+            <a:prstGeom prst="rect">
+              <a:avLst/>
+            </a:prstGeom>
+          </p:spPr>
+        </p:pic>
+        <p:pic>
+          <p:nvPicPr>
+            <p:cNvPr id="2" name="Picture 1"/>
+            <p:cNvPicPr>
+              <a:picLocks noChangeAspect="1"/>
+            </p:cNvPicPr>
+            <p:nvPr/>
+          </p:nvPicPr>
+          <p:blipFill rotWithShape="1">
+            <a:blip r:embed="rId3">
+              <a:extLst>
+                <a:ext uri="{28A0092B-C50C-407E-A947-70E740481C1C}">
+                  <a14:useLocalDpi xmlns:a14="http://schemas.microsoft.com/office/drawing/2010/main" val="0"/>
+                </a:ext>
+              </a:extLst>
+            </a:blip>
+            <a:srcRect t="10518" b="20428"/>
+            <a:stretch/>
+          </p:blipFill>
+          <p:spPr>
+            <a:xfrm>
+              <a:off x="5491183" y="1693565"/>
+              <a:ext cx="5852160" cy="3030836"/>
+            </a:xfrm>
+            <a:prstGeom prst="rect">
+              <a:avLst/>
+            </a:prstGeom>
+          </p:spPr>
+        </p:pic>
+        <p:pic>
+          <p:nvPicPr>
+            <p:cNvPr id="4" name="Picture 3"/>
+            <p:cNvPicPr>
+              <a:picLocks noChangeAspect="1"/>
+            </p:cNvPicPr>
+            <p:nvPr/>
+          </p:nvPicPr>
+          <p:blipFill rotWithShape="1">
+            <a:blip r:embed="rId2">
+              <a:extLst>
+                <a:ext uri="{28A0092B-C50C-407E-A947-70E740481C1C}">
+                  <a14:useLocalDpi xmlns:a14="http://schemas.microsoft.com/office/drawing/2010/main" val="0"/>
+                </a:ext>
+              </a:extLst>
+            </a:blip>
+            <a:srcRect l="14923" t="83770" r="51185" b="887"/>
+            <a:stretch/>
+          </p:blipFill>
+          <p:spPr>
+            <a:xfrm>
+              <a:off x="10751060" y="2070360"/>
+              <a:ext cx="2639820" cy="896360"/>
+            </a:xfrm>
+            <a:prstGeom prst="rect">
+              <a:avLst/>
+            </a:prstGeom>
+          </p:spPr>
+        </p:pic>
+        <p:pic>
+          <p:nvPicPr>
+            <p:cNvPr id="5" name="Picture 4"/>
+            <p:cNvPicPr>
+              <a:picLocks noChangeAspect="1"/>
+            </p:cNvPicPr>
+            <p:nvPr/>
+          </p:nvPicPr>
+          <p:blipFill rotWithShape="1">
+            <a:blip r:embed="rId2">
+              <a:extLst>
+                <a:ext uri="{28A0092B-C50C-407E-A947-70E740481C1C}">
+                  <a14:useLocalDpi xmlns:a14="http://schemas.microsoft.com/office/drawing/2010/main" val="0"/>
+                </a:ext>
+              </a:extLst>
+            </a:blip>
+            <a:srcRect l="52321" t="83770" r="13250" b="-33"/>
+            <a:stretch/>
+          </p:blipFill>
+          <p:spPr>
+            <a:xfrm>
+              <a:off x="10770110" y="2870096"/>
+              <a:ext cx="2681730" cy="950063"/>
+            </a:xfrm>
+            <a:prstGeom prst="rect">
+              <a:avLst/>
+            </a:prstGeom>
+          </p:spPr>
+        </p:pic>
+        <p:sp>
+          <p:nvSpPr>
+            <p:cNvPr id="6" name="TextBox 5"/>
+            <p:cNvSpPr txBox="1"/>
+            <p:nvPr/>
+          </p:nvSpPr>
+          <p:spPr>
+            <a:xfrm>
+              <a:off x="1719774" y="1393482"/>
+              <a:ext cx="2621230" cy="369332"/>
+            </a:xfrm>
+            <a:prstGeom prst="rect">
+              <a:avLst/>
+            </a:prstGeom>
+            <a:noFill/>
+          </p:spPr>
+          <p:txBody>
+            <a:bodyPr wrap="none" rtlCol="0">
+              <a:spAutoFit/>
+            </a:bodyPr>
+            <a:lstStyle/>
+            <a:p>
+              <a:pPr algn="ctr"/>
+              <a:r>
+                <a:rPr lang="en-US" dirty="0" smtClean="0">
+                  <a:latin typeface="Times New Roman" charset="0"/>
+                  <a:ea typeface="Times New Roman" charset="0"/>
+                  <a:cs typeface="Times New Roman" charset="0"/>
+                </a:rPr>
+                <a:t>Adversarial Process Noise</a:t>
+              </a:r>
+              <a:endParaRPr lang="en-US" dirty="0">
+                <a:latin typeface="Times New Roman" charset="0"/>
+                <a:ea typeface="Times New Roman" charset="0"/>
+                <a:cs typeface="Times New Roman" charset="0"/>
+              </a:endParaRPr>
+            </a:p>
+          </p:txBody>
+        </p:sp>
+        <p:sp>
+          <p:nvSpPr>
+            <p:cNvPr id="7" name="TextBox 6"/>
+            <p:cNvSpPr txBox="1"/>
+            <p:nvPr/>
+          </p:nvSpPr>
+          <p:spPr>
+            <a:xfrm>
+              <a:off x="7176745" y="1393482"/>
+              <a:ext cx="2314544" cy="369332"/>
+            </a:xfrm>
+            <a:prstGeom prst="rect">
+              <a:avLst/>
+            </a:prstGeom>
+            <a:noFill/>
+          </p:spPr>
+          <p:txBody>
+            <a:bodyPr wrap="none" rtlCol="0">
+              <a:spAutoFit/>
+            </a:bodyPr>
+            <a:lstStyle/>
+            <a:p>
+              <a:pPr algn="ctr"/>
+              <a:r>
+                <a:rPr lang="en-US" dirty="0" smtClean="0">
+                  <a:latin typeface="Times New Roman" charset="0"/>
+                  <a:ea typeface="Times New Roman" charset="0"/>
+                  <a:cs typeface="Times New Roman" charset="0"/>
+                </a:rPr>
+                <a:t>Random Process Noise</a:t>
+              </a:r>
+              <a:endParaRPr lang="en-US" dirty="0">
+                <a:latin typeface="Times New Roman" charset="0"/>
+                <a:ea typeface="Times New Roman" charset="0"/>
+                <a:cs typeface="Times New Roman" charset="0"/>
+              </a:endParaRPr>
+            </a:p>
+          </p:txBody>
+        </p:sp>
+        <p:sp>
+          <p:nvSpPr>
+            <p:cNvPr id="8" name="TextBox 7"/>
+            <p:cNvSpPr txBox="1"/>
+            <p:nvPr/>
+          </p:nvSpPr>
+          <p:spPr>
+            <a:xfrm>
+              <a:off x="4507084" y="1130597"/>
+              <a:ext cx="2340705" cy="430887"/>
+            </a:xfrm>
+            <a:prstGeom prst="rect">
+              <a:avLst/>
+            </a:prstGeom>
+            <a:noFill/>
+          </p:spPr>
+          <p:txBody>
+            <a:bodyPr wrap="none" rtlCol="0">
+              <a:spAutoFit/>
+            </a:bodyPr>
+            <a:lstStyle/>
+            <a:p>
+              <a:pPr algn="ctr"/>
+              <a:r>
+                <a:rPr lang="en-US" sz="2200" dirty="0" smtClean="0">
+                  <a:latin typeface="Times New Roman" charset="0"/>
+                  <a:ea typeface="Times New Roman" charset="0"/>
+                  <a:cs typeface="Times New Roman" charset="0"/>
+                </a:rPr>
+                <a:t>Inverted Pendulum</a:t>
+              </a:r>
+              <a:endParaRPr lang="en-US" sz="2200" dirty="0">
+                <a:latin typeface="Times New Roman" charset="0"/>
+                <a:ea typeface="Times New Roman" charset="0"/>
+                <a:cs typeface="Times New Roman" charset="0"/>
+              </a:endParaRPr>
+            </a:p>
+          </p:txBody>
+        </p:sp>
+        <mc:AlternateContent xmlns:mc="http://schemas.openxmlformats.org/markup-compatibility/2006" xmlns:a14="http://schemas.microsoft.com/office/drawing/2010/main">
+          <mc:Choice Requires="a14">
+            <p:sp>
+              <p:nvSpPr>
+                <p:cNvPr id="11" name="TextBox 10"/>
+                <p:cNvSpPr txBox="1"/>
+                <p:nvPr/>
+              </p:nvSpPr>
+              <p:spPr>
+                <a:xfrm>
+                  <a:off x="7106950" y="4634985"/>
+                  <a:ext cx="2454133" cy="338554"/>
+                </a:xfrm>
+                <a:prstGeom prst="rect">
+                  <a:avLst/>
+                </a:prstGeom>
+                <a:noFill/>
+              </p:spPr>
+              <p:txBody>
+                <a:bodyPr wrap="none" rtlCol="0">
+                  <a:spAutoFit/>
+                </a:bodyPr>
+                <a:lstStyle/>
+                <a:p>
+                  <a:pPr algn="ctr"/>
+                  <a:r>
+                    <a:rPr lang="en-US" sz="1600" dirty="0" smtClean="0">
+                      <a:latin typeface="Times New Roman" charset="0"/>
+                      <a:ea typeface="Times New Roman" charset="0"/>
+                      <a:cs typeface="Times New Roman" charset="0"/>
+                    </a:rPr>
+                    <a:t>Perturbation Frequency (</a:t>
+                  </a:r>
+                  <a14:m>
+                    <m:oMath xmlns:m="http://schemas.openxmlformats.org/officeDocument/2006/math">
+                      <m:r>
+                        <a:rPr lang="en-US" sz="1600" b="0" i="1" smtClean="0">
+                          <a:latin typeface="Cambria Math" charset="0"/>
+                          <a:ea typeface="Times New Roman" charset="0"/>
+                          <a:cs typeface="Times New Roman" charset="0"/>
+                        </a:rPr>
+                        <m:t>𝜙</m:t>
+                      </m:r>
+                    </m:oMath>
+                  </a14:m>
+                  <a:r>
+                    <a:rPr lang="en-US" sz="1600" dirty="0" smtClean="0">
+                      <a:latin typeface="Times New Roman" charset="0"/>
+                      <a:ea typeface="Times New Roman" charset="0"/>
+                      <a:cs typeface="Times New Roman" charset="0"/>
+                    </a:rPr>
+                    <a:t>)</a:t>
+                  </a:r>
+                  <a:endParaRPr lang="en-US" sz="1600" dirty="0">
+                    <a:latin typeface="Times New Roman" charset="0"/>
+                    <a:ea typeface="Times New Roman" charset="0"/>
+                    <a:cs typeface="Times New Roman" charset="0"/>
+                  </a:endParaRPr>
+                </a:p>
+              </p:txBody>
+            </p:sp>
+          </mc:Choice>
+          <mc:Fallback xmlns="">
+            <p:sp>
+              <p:nvSpPr>
+                <p:cNvPr id="11" name="TextBox 10"/>
+                <p:cNvSpPr txBox="1">
+                  <a:spLocks noRot="1" noChangeAspect="1" noMove="1" noResize="1" noEditPoints="1" noAdjustHandles="1" noChangeArrowheads="1" noChangeShapeType="1" noTextEdit="1"/>
+                </p:cNvSpPr>
+                <p:nvPr/>
+              </p:nvSpPr>
+              <p:spPr>
+                <a:xfrm>
+                  <a:off x="7106950" y="4634985"/>
+                  <a:ext cx="2454133" cy="338554"/>
+                </a:xfrm>
+                <a:prstGeom prst="rect">
+                  <a:avLst/>
+                </a:prstGeom>
+                <a:blipFill rotWithShape="0">
+                  <a:blip r:embed="rId4"/>
+                  <a:stretch>
+                    <a:fillRect l="-995" t="-5357" r="-746" b="-21429"/>
+                  </a:stretch>
+                </a:blipFill>
+              </p:spPr>
+              <p:txBody>
+                <a:bodyPr/>
+                <a:lstStyle/>
+                <a:p>
+                  <a:r>
+                    <a:rPr lang="en-US">
+                      <a:noFill/>
+                    </a:rPr>
+                    <a:t> </a:t>
+                  </a:r>
+                </a:p>
+              </p:txBody>
+            </p:sp>
+          </mc:Fallback>
+        </mc:AlternateContent>
+        <mc:AlternateContent xmlns:mc="http://schemas.openxmlformats.org/markup-compatibility/2006" xmlns:a14="http://schemas.microsoft.com/office/drawing/2010/main">
+          <mc:Choice Requires="a14">
+            <p:sp>
+              <p:nvSpPr>
+                <p:cNvPr id="12" name="TextBox 11"/>
+                <p:cNvSpPr txBox="1"/>
+                <p:nvPr/>
+              </p:nvSpPr>
+              <p:spPr>
+                <a:xfrm>
+                  <a:off x="1803323" y="4634985"/>
+                  <a:ext cx="2454133" cy="338554"/>
+                </a:xfrm>
+                <a:prstGeom prst="rect">
+                  <a:avLst/>
+                </a:prstGeom>
+                <a:noFill/>
+              </p:spPr>
+              <p:txBody>
+                <a:bodyPr wrap="none" rtlCol="0">
+                  <a:spAutoFit/>
+                </a:bodyPr>
+                <a:lstStyle/>
+                <a:p>
+                  <a:pPr algn="ctr"/>
+                  <a:r>
+                    <a:rPr lang="en-US" sz="1600" dirty="0" smtClean="0">
+                      <a:latin typeface="Times New Roman" charset="0"/>
+                      <a:ea typeface="Times New Roman" charset="0"/>
+                      <a:cs typeface="Times New Roman" charset="0"/>
+                    </a:rPr>
+                    <a:t>Perturbation Frequency (</a:t>
+                  </a:r>
+                  <a14:m>
+                    <m:oMath xmlns:m="http://schemas.openxmlformats.org/officeDocument/2006/math">
+                      <m:r>
+                        <a:rPr lang="en-US" sz="1600" b="0" i="1" smtClean="0">
+                          <a:latin typeface="Cambria Math" charset="0"/>
+                          <a:ea typeface="Times New Roman" charset="0"/>
+                          <a:cs typeface="Times New Roman" charset="0"/>
+                        </a:rPr>
+                        <m:t>𝜙</m:t>
+                      </m:r>
+                    </m:oMath>
+                  </a14:m>
+                  <a:r>
+                    <a:rPr lang="en-US" sz="1600" dirty="0" smtClean="0">
+                      <a:latin typeface="Times New Roman" charset="0"/>
+                      <a:ea typeface="Times New Roman" charset="0"/>
+                      <a:cs typeface="Times New Roman" charset="0"/>
+                    </a:rPr>
+                    <a:t>)</a:t>
+                  </a:r>
+                  <a:endParaRPr lang="en-US" sz="1600" dirty="0">
+                    <a:latin typeface="Times New Roman" charset="0"/>
+                    <a:ea typeface="Times New Roman" charset="0"/>
+                    <a:cs typeface="Times New Roman" charset="0"/>
+                  </a:endParaRPr>
+                </a:p>
+              </p:txBody>
+            </p:sp>
+          </mc:Choice>
+          <mc:Fallback xmlns="">
+            <p:sp>
+              <p:nvSpPr>
+                <p:cNvPr id="12" name="TextBox 11"/>
+                <p:cNvSpPr txBox="1">
+                  <a:spLocks noRot="1" noChangeAspect="1" noMove="1" noResize="1" noEditPoints="1" noAdjustHandles="1" noChangeArrowheads="1" noChangeShapeType="1" noTextEdit="1"/>
+                </p:cNvSpPr>
+                <p:nvPr/>
+              </p:nvSpPr>
+              <p:spPr>
+                <a:xfrm>
+                  <a:off x="1803323" y="4634985"/>
+                  <a:ext cx="2454133" cy="338554"/>
+                </a:xfrm>
+                <a:prstGeom prst="rect">
+                  <a:avLst/>
+                </a:prstGeom>
+                <a:blipFill rotWithShape="0">
+                  <a:blip r:embed="rId4"/>
+                  <a:stretch>
+                    <a:fillRect l="-995" t="-5357" r="-746" b="-21429"/>
+                  </a:stretch>
+                </a:blipFill>
+              </p:spPr>
+              <p:txBody>
+                <a:bodyPr/>
+                <a:lstStyle/>
+                <a:p>
+                  <a:r>
+                    <a:rPr lang="en-US">
+                      <a:noFill/>
+                    </a:rPr>
+                    <a:t> </a:t>
+                  </a:r>
+                </a:p>
+              </p:txBody>
+            </p:sp>
+          </mc:Fallback>
+        </mc:AlternateContent>
+        <p:sp>
+          <p:nvSpPr>
+            <p:cNvPr id="13" name="TextBox 12"/>
+            <p:cNvSpPr txBox="1"/>
+            <p:nvPr/>
+          </p:nvSpPr>
+          <p:spPr>
+            <a:xfrm rot="16200000">
+              <a:off x="4011758" y="3046606"/>
+              <a:ext cx="3245633" cy="338554"/>
+            </a:xfrm>
+            <a:prstGeom prst="rect">
+              <a:avLst/>
+            </a:prstGeom>
+            <a:solidFill>
+              <a:schemeClr val="bg1"/>
+            </a:solidFill>
+          </p:spPr>
+          <p:txBody>
+            <a:bodyPr wrap="none" rtlCol="0">
+              <a:spAutoFit/>
+            </a:bodyPr>
+            <a:lstStyle/>
+            <a:p>
+              <a:pPr algn="ctr"/>
+              <a:r>
+                <a:rPr lang="en-US" sz="1600" dirty="0" smtClean="0">
+                  <a:latin typeface="Times New Roman" charset="0"/>
+                  <a:ea typeface="Times New Roman" charset="0"/>
+                  <a:cs typeface="Times New Roman" charset="0"/>
+                </a:rPr>
+                <a:t>Avg. Performance Over 100 Rollouts</a:t>
+              </a:r>
+              <a:endParaRPr lang="en-US" sz="1600" dirty="0">
+                <a:latin typeface="Times New Roman" charset="0"/>
+                <a:ea typeface="Times New Roman" charset="0"/>
+                <a:cs typeface="Times New Roman" charset="0"/>
+              </a:endParaRPr>
+            </a:p>
+          </p:txBody>
+        </p:sp>
+        <p:sp>
+          <p:nvSpPr>
+            <p:cNvPr id="14" name="TextBox 13"/>
+            <p:cNvSpPr txBox="1"/>
+            <p:nvPr/>
+          </p:nvSpPr>
+          <p:spPr>
+            <a:xfrm rot="16200000">
+              <a:off x="-1317828" y="3046606"/>
+              <a:ext cx="3245633" cy="338554"/>
+            </a:xfrm>
+            <a:prstGeom prst="rect">
+              <a:avLst/>
+            </a:prstGeom>
+            <a:solidFill>
+              <a:schemeClr val="bg1"/>
+            </a:solidFill>
+          </p:spPr>
+          <p:txBody>
+            <a:bodyPr wrap="none" rtlCol="0">
+              <a:spAutoFit/>
+            </a:bodyPr>
+            <a:lstStyle/>
+            <a:p>
+              <a:pPr algn="ctr"/>
+              <a:r>
+                <a:rPr lang="en-US" sz="1600" dirty="0" smtClean="0">
+                  <a:latin typeface="Times New Roman" charset="0"/>
+                  <a:ea typeface="Times New Roman" charset="0"/>
+                  <a:cs typeface="Times New Roman" charset="0"/>
+                </a:rPr>
+                <a:t>Avg. Performance Over 100 Rollouts</a:t>
+              </a:r>
+              <a:endParaRPr lang="en-US" sz="1600" dirty="0">
+                <a:latin typeface="Times New Roman" charset="0"/>
+                <a:ea typeface="Times New Roman" charset="0"/>
+                <a:cs typeface="Times New Roman" charset="0"/>
+              </a:endParaRPr>
+            </a:p>
+          </p:txBody>
+        </p:sp>
+        <p:sp>
+          <p:nvSpPr>
+            <p:cNvPr id="15" name="TextBox 14"/>
+            <p:cNvSpPr txBox="1"/>
+            <p:nvPr/>
+          </p:nvSpPr>
+          <p:spPr>
+            <a:xfrm>
+              <a:off x="842558" y="4118736"/>
+              <a:ext cx="413896" cy="338554"/>
+            </a:xfrm>
+            <a:prstGeom prst="rect">
+              <a:avLst/>
+            </a:prstGeom>
+            <a:noFill/>
+          </p:spPr>
+          <p:txBody>
+            <a:bodyPr wrap="none" rtlCol="0">
+              <a:spAutoFit/>
+            </a:bodyPr>
+            <a:lstStyle/>
+            <a:p>
+              <a:pPr algn="ctr"/>
+              <a:r>
+                <a:rPr lang="en-US" sz="1600" smtClean="0">
+                  <a:latin typeface="Times New Roman" charset="0"/>
+                  <a:ea typeface="Times New Roman" charset="0"/>
+                  <a:cs typeface="Times New Roman" charset="0"/>
+                </a:rPr>
+                <a:t>(a)</a:t>
+              </a:r>
+              <a:endParaRPr lang="en-US" sz="1600" dirty="0">
+                <a:latin typeface="Times New Roman" charset="0"/>
+                <a:ea typeface="Times New Roman" charset="0"/>
+                <a:cs typeface="Times New Roman" charset="0"/>
+              </a:endParaRPr>
+            </a:p>
+          </p:txBody>
+        </p:sp>
+        <p:sp>
+          <p:nvSpPr>
+            <p:cNvPr id="16" name="TextBox 15"/>
+            <p:cNvSpPr txBox="1"/>
+            <p:nvPr/>
+          </p:nvSpPr>
+          <p:spPr>
+            <a:xfrm>
+              <a:off x="6141489" y="4118736"/>
+              <a:ext cx="425117" cy="338554"/>
+            </a:xfrm>
+            <a:prstGeom prst="rect">
+              <a:avLst/>
+            </a:prstGeom>
+            <a:noFill/>
+          </p:spPr>
+          <p:txBody>
+            <a:bodyPr wrap="none" rtlCol="0">
+              <a:spAutoFit/>
+            </a:bodyPr>
+            <a:lstStyle/>
+            <a:p>
+              <a:pPr algn="ctr"/>
+              <a:r>
+                <a:rPr lang="en-US" sz="1600" smtClean="0">
+                  <a:latin typeface="Times New Roman" charset="0"/>
+                  <a:ea typeface="Times New Roman" charset="0"/>
+                  <a:cs typeface="Times New Roman" charset="0"/>
+                </a:rPr>
+                <a:t>(b)</a:t>
+              </a:r>
+              <a:endParaRPr lang="en-US" sz="1600" dirty="0">
+                <a:latin typeface="Times New Roman" charset="0"/>
+                <a:ea typeface="Times New Roman" charset="0"/>
+                <a:cs typeface="Times New Roman" charset="0"/>
+              </a:endParaRPr>
+            </a:p>
+          </p:txBody>
+        </p:sp>
+      </p:grpSp>
+    </p:spTree>
+    <p:extLst>
+      <p:ext uri="{BB962C8B-B14F-4D97-AF65-F5344CB8AC3E}">
+        <p14:creationId xmlns:p14="http://schemas.microsoft.com/office/powerpoint/2010/main" val="1233805520"/>
+      </p:ext>
+    </p:extLst>
+  </p:cSld>
+  <p:clrMapOvr>
+    <a:masterClrMapping/>
+  </p:clrMapOvr>
+  <p:timing>
+    <p:tnLst>
+      <p:par>
+        <p:cTn id="1" dur="indefinite" restart="never" nodeType="tmRoot"/>
+      </p:par>
+    </p:tnLst>
+  </p:timing>
+</p:sld>
+</file>
+
+<file path=ppt/slides/slide6.xml><?xml version="1.0" encoding="utf-8"?>
+<p:sld xmlns:a="http://schemas.openxmlformats.org/drawingml/2006/main" xmlns:r="http://schemas.openxmlformats.org/officeDocument/2006/relationships" xmlns:p="http://schemas.openxmlformats.org/presentationml/2006/main">
+  <p:cSld>
+    <p:spTree>
+      <p:nvGrpSpPr>
+        <p:cNvPr id="1" name=""/>
+        <p:cNvGrpSpPr/>
+        <p:nvPr/>
+      </p:nvGrpSpPr>
+      <p:grpSpPr>
+        <a:xfrm>
+          <a:off x="0" y="0"/>
+          <a:ext cx="0" cy="0"/>
+          <a:chOff x="0" y="0"/>
+          <a:chExt cx="0" cy="0"/>
+        </a:xfrm>
+      </p:grpSpPr>
+      <p:grpSp>
+        <p:nvGrpSpPr>
+          <p:cNvPr id="19" name="Group 18"/>
+          <p:cNvGrpSpPr/>
+          <p:nvPr/>
+        </p:nvGrpSpPr>
+        <p:grpSpPr>
+          <a:xfrm>
+            <a:off x="104309" y="1124262"/>
+            <a:ext cx="13387895" cy="3927423"/>
+            <a:chOff x="104309" y="1124262"/>
+            <a:chExt cx="13387895" cy="3927423"/>
+          </a:xfrm>
+        </p:grpSpPr>
+        <p:sp>
+          <p:nvSpPr>
+            <p:cNvPr id="10" name="Rectangle 9"/>
+            <p:cNvSpPr/>
+            <p:nvPr/>
+          </p:nvSpPr>
+          <p:spPr>
+            <a:xfrm>
+              <a:off x="104309" y="1124262"/>
+              <a:ext cx="13387895" cy="3927423"/>
+            </a:xfrm>
+            <a:prstGeom prst="rect">
+              <a:avLst/>
+            </a:prstGeom>
+            <a:solidFill>
+              <a:schemeClr val="bg1"/>
+            </a:solidFill>
+            <a:ln>
+              <a:noFill/>
+            </a:ln>
+          </p:spPr>
+          <p:style>
+            <a:lnRef idx="2">
+              <a:schemeClr val="accent1">
+                <a:shade val="50000"/>
+              </a:schemeClr>
+            </a:lnRef>
+            <a:fillRef idx="1">
+              <a:schemeClr val="accent1"/>
+            </a:fillRef>
+            <a:effectRef idx="0">
+              <a:schemeClr val="accent1"/>
+            </a:effectRef>
+            <a:fontRef idx="minor">
+              <a:schemeClr val="lt1"/>
+            </a:fontRef>
+          </p:style>
+          <p:txBody>
+            <a:bodyPr rtlCol="0" anchor="ctr"/>
+            <a:lstStyle/>
+            <a:p>
+              <a:pPr algn="ctr"/>
+              <a:endParaRPr lang="en-US"/>
+            </a:p>
+          </p:txBody>
+        </p:sp>
+        <p:pic>
+          <p:nvPicPr>
+            <p:cNvPr id="3" name="Picture 2"/>
+            <p:cNvPicPr>
+              <a:picLocks noChangeAspect="1"/>
+            </p:cNvPicPr>
+            <p:nvPr/>
+          </p:nvPicPr>
+          <p:blipFill rotWithShape="1">
+            <a:blip r:embed="rId2">
+              <a:extLst>
+                <a:ext uri="{28A0092B-C50C-407E-A947-70E740481C1C}">
+                  <a14:useLocalDpi xmlns:a14="http://schemas.microsoft.com/office/drawing/2010/main" val="0"/>
+                </a:ext>
+              </a:extLst>
+            </a:blip>
+            <a:srcRect t="10518" b="20428"/>
+            <a:stretch/>
+          </p:blipFill>
+          <p:spPr>
+            <a:xfrm>
+              <a:off x="104309" y="1693565"/>
+              <a:ext cx="5852160" cy="3030836"/>
+            </a:xfrm>
+            <a:prstGeom prst="rect">
+              <a:avLst/>
+            </a:prstGeom>
+          </p:spPr>
+        </p:pic>
+        <p:pic>
+          <p:nvPicPr>
+            <p:cNvPr id="2" name="Picture 1"/>
+            <p:cNvPicPr>
+              <a:picLocks noChangeAspect="1"/>
+            </p:cNvPicPr>
+            <p:nvPr/>
+          </p:nvPicPr>
+          <p:blipFill rotWithShape="1">
+            <a:blip r:embed="rId3">
+              <a:extLst>
+                <a:ext uri="{28A0092B-C50C-407E-A947-70E740481C1C}">
+                  <a14:useLocalDpi xmlns:a14="http://schemas.microsoft.com/office/drawing/2010/main" val="0"/>
+                </a:ext>
+              </a:extLst>
+            </a:blip>
+            <a:srcRect t="10518" b="20428"/>
+            <a:stretch/>
+          </p:blipFill>
+          <p:spPr>
+            <a:xfrm>
+              <a:off x="5491183" y="1693565"/>
+              <a:ext cx="5852160" cy="3030836"/>
+            </a:xfrm>
+            <a:prstGeom prst="rect">
+              <a:avLst/>
+            </a:prstGeom>
+          </p:spPr>
+        </p:pic>
+        <p:pic>
+          <p:nvPicPr>
+            <p:cNvPr id="4" name="Picture 3"/>
+            <p:cNvPicPr>
+              <a:picLocks noChangeAspect="1"/>
+            </p:cNvPicPr>
+            <p:nvPr/>
+          </p:nvPicPr>
+          <p:blipFill rotWithShape="1">
+            <a:blip r:embed="rId2">
+              <a:extLst>
+                <a:ext uri="{28A0092B-C50C-407E-A947-70E740481C1C}">
+                  <a14:useLocalDpi xmlns:a14="http://schemas.microsoft.com/office/drawing/2010/main" val="0"/>
+                </a:ext>
+              </a:extLst>
+            </a:blip>
+            <a:srcRect l="14923" t="83770" r="51185" b="887"/>
+            <a:stretch/>
+          </p:blipFill>
+          <p:spPr>
+            <a:xfrm>
+              <a:off x="10751060" y="2070360"/>
+              <a:ext cx="2639820" cy="896360"/>
+            </a:xfrm>
+            <a:prstGeom prst="rect">
+              <a:avLst/>
+            </a:prstGeom>
+          </p:spPr>
+        </p:pic>
+        <p:pic>
+          <p:nvPicPr>
+            <p:cNvPr id="5" name="Picture 4"/>
+            <p:cNvPicPr>
+              <a:picLocks noChangeAspect="1"/>
+            </p:cNvPicPr>
+            <p:nvPr/>
+          </p:nvPicPr>
+          <p:blipFill rotWithShape="1">
+            <a:blip r:embed="rId2">
+              <a:extLst>
+                <a:ext uri="{28A0092B-C50C-407E-A947-70E740481C1C}">
+                  <a14:useLocalDpi xmlns:a14="http://schemas.microsoft.com/office/drawing/2010/main" val="0"/>
+                </a:ext>
+              </a:extLst>
+            </a:blip>
+            <a:srcRect l="52321" t="83770" r="13250" b="-33"/>
+            <a:stretch/>
+          </p:blipFill>
+          <p:spPr>
+            <a:xfrm>
+              <a:off x="10770110" y="2870096"/>
+              <a:ext cx="2681730" cy="950063"/>
+            </a:xfrm>
+            <a:prstGeom prst="rect">
+              <a:avLst/>
+            </a:prstGeom>
+          </p:spPr>
+        </p:pic>
+        <mc:AlternateContent xmlns:mc="http://schemas.openxmlformats.org/markup-compatibility/2006">
+          <mc:Choice xmlns:a14="http://schemas.microsoft.com/office/drawing/2010/main" Requires="a14">
+            <p:sp>
+              <p:nvSpPr>
+                <p:cNvPr id="11" name="TextBox 10"/>
+                <p:cNvSpPr txBox="1"/>
+                <p:nvPr/>
+              </p:nvSpPr>
+              <p:spPr>
+                <a:xfrm>
+                  <a:off x="7106950" y="4634985"/>
+                  <a:ext cx="2454133" cy="338554"/>
+                </a:xfrm>
+                <a:prstGeom prst="rect">
+                  <a:avLst/>
+                </a:prstGeom>
+                <a:noFill/>
+              </p:spPr>
+              <p:txBody>
+                <a:bodyPr wrap="none" rtlCol="0">
+                  <a:spAutoFit/>
+                </a:bodyPr>
+                <a:lstStyle/>
+                <a:p>
+                  <a:pPr algn="ctr"/>
+                  <a:r>
+                    <a:rPr lang="en-US" sz="1600" dirty="0" smtClean="0">
+                      <a:latin typeface="Times New Roman" charset="0"/>
+                      <a:ea typeface="Times New Roman" charset="0"/>
+                      <a:cs typeface="Times New Roman" charset="0"/>
+                    </a:rPr>
+                    <a:t>Perturbation Frequency (</a:t>
+                  </a:r>
+                  <a14:m>
+                    <m:oMath xmlns:m="http://schemas.openxmlformats.org/officeDocument/2006/math">
+                      <m:r>
+                        <a:rPr lang="en-US" sz="1600" b="0" i="1" smtClean="0">
+                          <a:latin typeface="Cambria Math" charset="0"/>
+                          <a:ea typeface="Times New Roman" charset="0"/>
+                          <a:cs typeface="Times New Roman" charset="0"/>
+                        </a:rPr>
+                        <m:t>𝜙</m:t>
+                      </m:r>
+                    </m:oMath>
+                  </a14:m>
+                  <a:r>
+                    <a:rPr lang="en-US" sz="1600" dirty="0" smtClean="0">
+                      <a:latin typeface="Times New Roman" charset="0"/>
+                      <a:ea typeface="Times New Roman" charset="0"/>
+                      <a:cs typeface="Times New Roman" charset="0"/>
+                    </a:rPr>
+                    <a:t>)</a:t>
+                  </a:r>
+                  <a:endParaRPr lang="en-US" sz="1600" dirty="0">
+                    <a:latin typeface="Times New Roman" charset="0"/>
+                    <a:ea typeface="Times New Roman" charset="0"/>
+                    <a:cs typeface="Times New Roman" charset="0"/>
+                  </a:endParaRPr>
+                </a:p>
+              </p:txBody>
+            </p:sp>
+          </mc:Choice>
+          <mc:Fallback>
+            <p:sp>
+              <p:nvSpPr>
+                <p:cNvPr id="11" name="TextBox 10"/>
+                <p:cNvSpPr txBox="1">
+                  <a:spLocks noRot="1" noChangeAspect="1" noMove="1" noResize="1" noEditPoints="1" noAdjustHandles="1" noChangeArrowheads="1" noChangeShapeType="1" noTextEdit="1"/>
+                </p:cNvSpPr>
+                <p:nvPr/>
+              </p:nvSpPr>
+              <p:spPr>
+                <a:xfrm>
+                  <a:off x="7106950" y="4634985"/>
+                  <a:ext cx="2454133" cy="338554"/>
+                </a:xfrm>
+                <a:prstGeom prst="rect">
+                  <a:avLst/>
+                </a:prstGeom>
+                <a:blipFill rotWithShape="0">
+                  <a:blip r:embed="rId4"/>
+                  <a:stretch>
+                    <a:fillRect l="-995" t="-5357" r="-746" b="-21429"/>
+                  </a:stretch>
+                </a:blipFill>
+              </p:spPr>
+              <p:txBody>
+                <a:bodyPr/>
+                <a:lstStyle/>
+                <a:p>
+                  <a:r>
+                    <a:rPr lang="en-US">
+                      <a:noFill/>
+                    </a:rPr>
+                    <a:t> </a:t>
+                  </a:r>
+                </a:p>
+              </p:txBody>
+            </p:sp>
+          </mc:Fallback>
+        </mc:AlternateContent>
+        <mc:AlternateContent xmlns:mc="http://schemas.openxmlformats.org/markup-compatibility/2006">
+          <mc:Choice xmlns:a14="http://schemas.microsoft.com/office/drawing/2010/main" Requires="a14">
+            <p:sp>
+              <p:nvSpPr>
+                <p:cNvPr id="12" name="TextBox 11"/>
+                <p:cNvSpPr txBox="1"/>
+                <p:nvPr/>
+              </p:nvSpPr>
+              <p:spPr>
+                <a:xfrm>
+                  <a:off x="1803323" y="4634985"/>
+                  <a:ext cx="2454133" cy="338554"/>
+                </a:xfrm>
+                <a:prstGeom prst="rect">
+                  <a:avLst/>
+                </a:prstGeom>
+                <a:noFill/>
+              </p:spPr>
+              <p:txBody>
+                <a:bodyPr wrap="none" rtlCol="0">
+                  <a:spAutoFit/>
+                </a:bodyPr>
+                <a:lstStyle/>
+                <a:p>
+                  <a:pPr algn="ctr"/>
+                  <a:r>
+                    <a:rPr lang="en-US" sz="1600" dirty="0" smtClean="0">
+                      <a:latin typeface="Times New Roman" charset="0"/>
+                      <a:ea typeface="Times New Roman" charset="0"/>
+                      <a:cs typeface="Times New Roman" charset="0"/>
+                    </a:rPr>
+                    <a:t>Perturbation Frequency (</a:t>
+                  </a:r>
+                  <a14:m>
+                    <m:oMath xmlns:m="http://schemas.openxmlformats.org/officeDocument/2006/math">
+                      <m:r>
+                        <a:rPr lang="en-US" sz="1600" b="0" i="1" smtClean="0">
+                          <a:latin typeface="Cambria Math" charset="0"/>
+                          <a:ea typeface="Times New Roman" charset="0"/>
+                          <a:cs typeface="Times New Roman" charset="0"/>
+                        </a:rPr>
+                        <m:t>𝜙</m:t>
+                      </m:r>
+                    </m:oMath>
+                  </a14:m>
+                  <a:r>
+                    <a:rPr lang="en-US" sz="1600" dirty="0" smtClean="0">
+                      <a:latin typeface="Times New Roman" charset="0"/>
+                      <a:ea typeface="Times New Roman" charset="0"/>
+                      <a:cs typeface="Times New Roman" charset="0"/>
+                    </a:rPr>
+                    <a:t>)</a:t>
+                  </a:r>
+                  <a:endParaRPr lang="en-US" sz="1600" dirty="0">
+                    <a:latin typeface="Times New Roman" charset="0"/>
+                    <a:ea typeface="Times New Roman" charset="0"/>
+                    <a:cs typeface="Times New Roman" charset="0"/>
+                  </a:endParaRPr>
+                </a:p>
+              </p:txBody>
+            </p:sp>
+          </mc:Choice>
+          <mc:Fallback>
+            <p:sp>
+              <p:nvSpPr>
+                <p:cNvPr id="12" name="TextBox 11"/>
+                <p:cNvSpPr txBox="1">
+                  <a:spLocks noRot="1" noChangeAspect="1" noMove="1" noResize="1" noEditPoints="1" noAdjustHandles="1" noChangeArrowheads="1" noChangeShapeType="1" noTextEdit="1"/>
+                </p:cNvSpPr>
+                <p:nvPr/>
+              </p:nvSpPr>
+              <p:spPr>
+                <a:xfrm>
+                  <a:off x="1803323" y="4634985"/>
+                  <a:ext cx="2454133" cy="338554"/>
+                </a:xfrm>
+                <a:prstGeom prst="rect">
+                  <a:avLst/>
+                </a:prstGeom>
+                <a:blipFill rotWithShape="0">
+                  <a:blip r:embed="rId4"/>
+                  <a:stretch>
+                    <a:fillRect l="-995" t="-5357" r="-746" b="-21429"/>
+                  </a:stretch>
+                </a:blipFill>
+              </p:spPr>
+              <p:txBody>
+                <a:bodyPr/>
+                <a:lstStyle/>
+                <a:p>
+                  <a:r>
+                    <a:rPr lang="en-US">
+                      <a:noFill/>
+                    </a:rPr>
+                    <a:t> </a:t>
+                  </a:r>
+                </a:p>
+              </p:txBody>
+            </p:sp>
+          </mc:Fallback>
+        </mc:AlternateContent>
+        <p:sp>
+          <p:nvSpPr>
+            <p:cNvPr id="13" name="TextBox 12"/>
+            <p:cNvSpPr txBox="1"/>
+            <p:nvPr/>
+          </p:nvSpPr>
+          <p:spPr>
+            <a:xfrm rot="16200000">
+              <a:off x="4011758" y="3046606"/>
+              <a:ext cx="3245633" cy="338554"/>
+            </a:xfrm>
+            <a:prstGeom prst="rect">
+              <a:avLst/>
+            </a:prstGeom>
+            <a:solidFill>
+              <a:schemeClr val="bg1"/>
+            </a:solidFill>
+          </p:spPr>
+          <p:txBody>
+            <a:bodyPr wrap="none" rtlCol="0">
+              <a:spAutoFit/>
+            </a:bodyPr>
+            <a:lstStyle/>
+            <a:p>
+              <a:pPr algn="ctr"/>
+              <a:r>
+                <a:rPr lang="en-US" sz="1600" dirty="0" smtClean="0">
+                  <a:latin typeface="Times New Roman" charset="0"/>
+                  <a:ea typeface="Times New Roman" charset="0"/>
+                  <a:cs typeface="Times New Roman" charset="0"/>
+                </a:rPr>
+                <a:t>Avg. Performance Over 100 Rollouts</a:t>
+              </a:r>
+              <a:endParaRPr lang="en-US" sz="1600" dirty="0">
+                <a:latin typeface="Times New Roman" charset="0"/>
+                <a:ea typeface="Times New Roman" charset="0"/>
+                <a:cs typeface="Times New Roman" charset="0"/>
+              </a:endParaRPr>
+            </a:p>
+          </p:txBody>
+        </p:sp>
+        <p:sp>
+          <p:nvSpPr>
+            <p:cNvPr id="14" name="TextBox 13"/>
+            <p:cNvSpPr txBox="1"/>
+            <p:nvPr/>
+          </p:nvSpPr>
+          <p:spPr>
+            <a:xfrm rot="16200000">
+              <a:off x="-1317828" y="3046606"/>
+              <a:ext cx="3245633" cy="338554"/>
+            </a:xfrm>
+            <a:prstGeom prst="rect">
+              <a:avLst/>
+            </a:prstGeom>
+            <a:solidFill>
+              <a:schemeClr val="bg1"/>
+            </a:solidFill>
+          </p:spPr>
+          <p:txBody>
+            <a:bodyPr wrap="none" rtlCol="0">
+              <a:spAutoFit/>
+            </a:bodyPr>
+            <a:lstStyle/>
+            <a:p>
+              <a:pPr algn="ctr"/>
+              <a:r>
+                <a:rPr lang="en-US" sz="1600" dirty="0" smtClean="0">
+                  <a:latin typeface="Times New Roman" charset="0"/>
+                  <a:ea typeface="Times New Roman" charset="0"/>
+                  <a:cs typeface="Times New Roman" charset="0"/>
+                </a:rPr>
+                <a:t>Avg. Performance Over 100 Rollouts</a:t>
+              </a:r>
+              <a:endParaRPr lang="en-US" sz="1600" dirty="0">
+                <a:latin typeface="Times New Roman" charset="0"/>
+                <a:ea typeface="Times New Roman" charset="0"/>
+                <a:cs typeface="Times New Roman" charset="0"/>
+              </a:endParaRPr>
+            </a:p>
+          </p:txBody>
+        </p:sp>
+        <p:sp>
+          <p:nvSpPr>
+            <p:cNvPr id="15" name="TextBox 14"/>
+            <p:cNvSpPr txBox="1"/>
+            <p:nvPr/>
+          </p:nvSpPr>
+          <p:spPr>
+            <a:xfrm>
+              <a:off x="842558" y="4118736"/>
+              <a:ext cx="413896" cy="338554"/>
+            </a:xfrm>
+            <a:prstGeom prst="rect">
+              <a:avLst/>
+            </a:prstGeom>
+            <a:noFill/>
+          </p:spPr>
+          <p:txBody>
+            <a:bodyPr wrap="none" rtlCol="0">
+              <a:spAutoFit/>
+            </a:bodyPr>
+            <a:lstStyle/>
+            <a:p>
+              <a:pPr algn="ctr"/>
+              <a:r>
+                <a:rPr lang="en-US" sz="1600" smtClean="0">
+                  <a:latin typeface="Times New Roman" charset="0"/>
+                  <a:ea typeface="Times New Roman" charset="0"/>
+                  <a:cs typeface="Times New Roman" charset="0"/>
+                </a:rPr>
+                <a:t>(a)</a:t>
+              </a:r>
+              <a:endParaRPr lang="en-US" sz="1600" dirty="0">
+                <a:latin typeface="Times New Roman" charset="0"/>
+                <a:ea typeface="Times New Roman" charset="0"/>
+                <a:cs typeface="Times New Roman" charset="0"/>
+              </a:endParaRPr>
+            </a:p>
+          </p:txBody>
+        </p:sp>
+        <p:sp>
+          <p:nvSpPr>
+            <p:cNvPr id="16" name="TextBox 15"/>
+            <p:cNvSpPr txBox="1"/>
+            <p:nvPr/>
+          </p:nvSpPr>
+          <p:spPr>
+            <a:xfrm>
+              <a:off x="6141489" y="4118736"/>
+              <a:ext cx="425117" cy="338554"/>
+            </a:xfrm>
+            <a:prstGeom prst="rect">
+              <a:avLst/>
+            </a:prstGeom>
+            <a:noFill/>
+          </p:spPr>
+          <p:txBody>
+            <a:bodyPr wrap="none" rtlCol="0">
+              <a:spAutoFit/>
+            </a:bodyPr>
+            <a:lstStyle/>
+            <a:p>
+              <a:pPr algn="ctr"/>
+              <a:r>
+                <a:rPr lang="en-US" sz="1600" smtClean="0">
+                  <a:latin typeface="Times New Roman" charset="0"/>
+                  <a:ea typeface="Times New Roman" charset="0"/>
+                  <a:cs typeface="Times New Roman" charset="0"/>
+                </a:rPr>
+                <a:t>(b)</a:t>
+              </a:r>
+              <a:endParaRPr lang="en-US" sz="1600" dirty="0">
+                <a:latin typeface="Times New Roman" charset="0"/>
+                <a:ea typeface="Times New Roman" charset="0"/>
+                <a:cs typeface="Times New Roman" charset="0"/>
+              </a:endParaRPr>
+            </a:p>
+          </p:txBody>
+        </p:sp>
+        <p:sp>
+          <p:nvSpPr>
+            <p:cNvPr id="17" name="Rectangle 16"/>
+            <p:cNvSpPr/>
+            <p:nvPr/>
+          </p:nvSpPr>
+          <p:spPr>
+            <a:xfrm>
+              <a:off x="3382686" y="1501722"/>
+              <a:ext cx="860611" cy="228423"/>
+            </a:xfrm>
+            <a:prstGeom prst="rect">
+              <a:avLst/>
+            </a:prstGeom>
+            <a:solidFill>
+              <a:schemeClr val="bg1"/>
+            </a:solidFill>
+            <a:ln>
+              <a:noFill/>
+            </a:ln>
+          </p:spPr>
+          <p:style>
+            <a:lnRef idx="2">
+              <a:schemeClr val="accent1">
+                <a:shade val="50000"/>
+              </a:schemeClr>
+            </a:lnRef>
+            <a:fillRef idx="1">
+              <a:schemeClr val="accent1"/>
+            </a:fillRef>
+            <a:effectRef idx="0">
+              <a:schemeClr val="accent1"/>
+            </a:effectRef>
+            <a:fontRef idx="minor">
+              <a:schemeClr val="lt1"/>
+            </a:fontRef>
+          </p:style>
+          <p:txBody>
+            <a:bodyPr rtlCol="0" anchor="ctr"/>
+            <a:lstStyle/>
+            <a:p>
+              <a:pPr algn="ctr"/>
+              <a:endParaRPr lang="en-US"/>
+            </a:p>
+          </p:txBody>
+        </p:sp>
+        <p:sp>
+          <p:nvSpPr>
+            <p:cNvPr id="18" name="Rectangle 17"/>
+            <p:cNvSpPr/>
+            <p:nvPr/>
+          </p:nvSpPr>
+          <p:spPr>
+            <a:xfrm>
+              <a:off x="8787416" y="1493594"/>
+              <a:ext cx="860611" cy="228423"/>
+            </a:xfrm>
+            <a:prstGeom prst="rect">
+              <a:avLst/>
+            </a:prstGeom>
+            <a:solidFill>
+              <a:schemeClr val="bg1"/>
+            </a:solidFill>
+            <a:ln>
+              <a:noFill/>
+            </a:ln>
+          </p:spPr>
+          <p:style>
+            <a:lnRef idx="2">
+              <a:schemeClr val="accent1">
+                <a:shade val="50000"/>
+              </a:schemeClr>
+            </a:lnRef>
+            <a:fillRef idx="1">
+              <a:schemeClr val="accent1"/>
+            </a:fillRef>
+            <a:effectRef idx="0">
+              <a:schemeClr val="accent1"/>
+            </a:effectRef>
+            <a:fontRef idx="minor">
+              <a:schemeClr val="lt1"/>
+            </a:fontRef>
+          </p:style>
+          <p:txBody>
+            <a:bodyPr rtlCol="0" anchor="ctr"/>
+            <a:lstStyle/>
+            <a:p>
+              <a:pPr algn="ctr"/>
+              <a:endParaRPr lang="en-US"/>
+            </a:p>
+          </p:txBody>
+        </p:sp>
+        <p:sp>
+          <p:nvSpPr>
+            <p:cNvPr id="6" name="TextBox 5"/>
+            <p:cNvSpPr txBox="1"/>
+            <p:nvPr/>
+          </p:nvSpPr>
+          <p:spPr>
+            <a:xfrm>
+              <a:off x="1720210" y="1355494"/>
+              <a:ext cx="2621230" cy="369332"/>
+            </a:xfrm>
+            <a:prstGeom prst="rect">
+              <a:avLst/>
+            </a:prstGeom>
+            <a:noFill/>
+          </p:spPr>
+          <p:txBody>
+            <a:bodyPr wrap="none" rtlCol="0">
+              <a:spAutoFit/>
+            </a:bodyPr>
+            <a:lstStyle/>
+            <a:p>
+              <a:pPr algn="ctr"/>
+              <a:r>
+                <a:rPr lang="en-US" dirty="0" smtClean="0">
+                  <a:latin typeface="Times New Roman" charset="0"/>
+                  <a:ea typeface="Times New Roman" charset="0"/>
+                  <a:cs typeface="Times New Roman" charset="0"/>
+                </a:rPr>
+                <a:t>Adversarial Process Noise</a:t>
+              </a:r>
+              <a:endParaRPr lang="en-US" dirty="0">
+                <a:latin typeface="Times New Roman" charset="0"/>
+                <a:ea typeface="Times New Roman" charset="0"/>
+                <a:cs typeface="Times New Roman" charset="0"/>
+              </a:endParaRPr>
+            </a:p>
+          </p:txBody>
+        </p:sp>
+        <p:sp>
+          <p:nvSpPr>
+            <p:cNvPr id="7" name="TextBox 6"/>
+            <p:cNvSpPr txBox="1"/>
+            <p:nvPr/>
+          </p:nvSpPr>
+          <p:spPr>
+            <a:xfrm>
+              <a:off x="7259991" y="1367706"/>
+              <a:ext cx="2314544" cy="369332"/>
+            </a:xfrm>
+            <a:prstGeom prst="rect">
+              <a:avLst/>
+            </a:prstGeom>
+            <a:noFill/>
+          </p:spPr>
+          <p:txBody>
+            <a:bodyPr wrap="none" rtlCol="0">
+              <a:spAutoFit/>
+            </a:bodyPr>
+            <a:lstStyle/>
+            <a:p>
+              <a:pPr algn="ctr"/>
+              <a:r>
+                <a:rPr lang="en-US" dirty="0" smtClean="0">
+                  <a:latin typeface="Times New Roman" charset="0"/>
+                  <a:ea typeface="Times New Roman" charset="0"/>
+                  <a:cs typeface="Times New Roman" charset="0"/>
+                </a:rPr>
+                <a:t>Random Process Noise</a:t>
+              </a:r>
+              <a:endParaRPr lang="en-US" dirty="0">
+                <a:latin typeface="Times New Roman" charset="0"/>
+                <a:ea typeface="Times New Roman" charset="0"/>
+                <a:cs typeface="Times New Roman" charset="0"/>
+              </a:endParaRPr>
+            </a:p>
+          </p:txBody>
+        </p:sp>
+      </p:grpSp>
+    </p:spTree>
+    <p:extLst>
+      <p:ext uri="{BB962C8B-B14F-4D97-AF65-F5344CB8AC3E}">
+        <p14:creationId xmlns:p14="http://schemas.microsoft.com/office/powerpoint/2010/main" val="625349041"/>
+      </p:ext>
+    </p:extLst>
+  </p:cSld>
+  <p:clrMapOvr>
+    <a:masterClrMapping/>
+  </p:clrMapOvr>
+  <p:timing>
+    <p:tnLst>
+      <p:par>
+        <p:cTn id="1" dur="indefinite" restart="never" nodeType="tmRoot"/>
+      </p:par>
+    </p:tnLst>
+  </p:timing>
+</p:sld>
+</file>
+
+<file path=ppt/slides/slide7.xml><?xml version="1.0" encoding="utf-8"?>
 <p:sld xmlns:a="http://schemas.openxmlformats.org/drawingml/2006/main" xmlns:r="http://schemas.openxmlformats.org/officeDocument/2006/relationships" xmlns:p="http://schemas.openxmlformats.org/presentationml/2006/main">
   <p:cSld>
     <p:spTree>
@@ -4932,38 +7049,229 @@
           </a:p>
         </p:txBody>
       </p:sp>
-      <p:pic>
-        <p:nvPicPr>
-          <p:cNvPr id="3" name="Picture 2"/>
-          <p:cNvPicPr>
-            <a:picLocks noChangeAspect="1"/>
-          </p:cNvPicPr>
+      <p:sp>
+        <p:nvSpPr>
+          <p:cNvPr id="6" name="TextBox 5"/>
+          <p:cNvSpPr txBox="1"/>
           <p:nvPr/>
-        </p:nvPicPr>
-        <p:blipFill rotWithShape="1">
-          <a:blip r:embed="rId2">
-            <a:extLst>
-              <a:ext uri="{28A0092B-C50C-407E-A947-70E740481C1C}">
-                <a14:useLocalDpi xmlns:a14="http://schemas.microsoft.com/office/drawing/2010/main" val="0"/>
-              </a:ext>
-            </a:extLst>
-          </a:blip>
-          <a:srcRect t="10518" b="20428"/>
-          <a:stretch/>
-        </p:blipFill>
+        </p:nvSpPr>
         <p:spPr>
           <a:xfrm>
-            <a:off x="104309" y="1693565"/>
-            <a:ext cx="5852160" cy="3030836"/>
+            <a:off x="1604359" y="1393482"/>
+            <a:ext cx="2852064" cy="369332"/>
           </a:xfrm>
           <a:prstGeom prst="rect">
             <a:avLst/>
           </a:prstGeom>
+          <a:noFill/>
         </p:spPr>
-      </p:pic>
+        <p:txBody>
+          <a:bodyPr wrap="none" rtlCol="0">
+            <a:spAutoFit/>
+          </a:bodyPr>
+          <a:lstStyle/>
+          <a:p>
+            <a:pPr algn="ctr"/>
+            <a:r>
+              <a:rPr lang="en-US" dirty="0" smtClean="0">
+                <a:latin typeface="Times New Roman" charset="0"/>
+                <a:ea typeface="Times New Roman" charset="0"/>
+                <a:cs typeface="Times New Roman" charset="0"/>
+              </a:rPr>
+              <a:t>Adversarial Dynamics Noise</a:t>
+            </a:r>
+            <a:endParaRPr lang="en-US" dirty="0">
+              <a:latin typeface="Times New Roman" charset="0"/>
+              <a:ea typeface="Times New Roman" charset="0"/>
+              <a:cs typeface="Times New Roman" charset="0"/>
+            </a:endParaRPr>
+          </a:p>
+        </p:txBody>
+      </p:sp>
+      <p:sp>
+        <p:nvSpPr>
+          <p:cNvPr id="8" name="TextBox 7"/>
+          <p:cNvSpPr txBox="1"/>
+          <p:nvPr/>
+        </p:nvSpPr>
+        <p:spPr>
+          <a:xfrm>
+            <a:off x="4507084" y="1130597"/>
+            <a:ext cx="2340705" cy="430887"/>
+          </a:xfrm>
+          <a:prstGeom prst="rect">
+            <a:avLst/>
+          </a:prstGeom>
+          <a:noFill/>
+        </p:spPr>
+        <p:txBody>
+          <a:bodyPr wrap="none" rtlCol="0">
+            <a:spAutoFit/>
+          </a:bodyPr>
+          <a:lstStyle/>
+          <a:p>
+            <a:pPr algn="ctr"/>
+            <a:r>
+              <a:rPr lang="en-US" sz="2200" dirty="0" smtClean="0">
+                <a:latin typeface="Times New Roman" charset="0"/>
+                <a:ea typeface="Times New Roman" charset="0"/>
+                <a:cs typeface="Times New Roman" charset="0"/>
+              </a:rPr>
+              <a:t>Inverted Pendulum</a:t>
+            </a:r>
+            <a:endParaRPr lang="en-US" sz="2200" dirty="0">
+              <a:latin typeface="Times New Roman" charset="0"/>
+              <a:ea typeface="Times New Roman" charset="0"/>
+              <a:cs typeface="Times New Roman" charset="0"/>
+            </a:endParaRPr>
+          </a:p>
+        </p:txBody>
+      </p:sp>
+      <mc:AlternateContent xmlns:mc="http://schemas.openxmlformats.org/markup-compatibility/2006" xmlns:a14="http://schemas.microsoft.com/office/drawing/2010/main">
+        <mc:Choice Requires="a14">
+          <p:sp>
+            <p:nvSpPr>
+              <p:cNvPr id="12" name="TextBox 11"/>
+              <p:cNvSpPr txBox="1"/>
+              <p:nvPr/>
+            </p:nvSpPr>
+            <p:spPr>
+              <a:xfrm>
+                <a:off x="1803323" y="4634985"/>
+                <a:ext cx="2454133" cy="338554"/>
+              </a:xfrm>
+              <a:prstGeom prst="rect">
+                <a:avLst/>
+              </a:prstGeom>
+              <a:noFill/>
+            </p:spPr>
+            <p:txBody>
+              <a:bodyPr wrap="none" rtlCol="0">
+                <a:spAutoFit/>
+              </a:bodyPr>
+              <a:lstStyle/>
+              <a:p>
+                <a:pPr algn="ctr"/>
+                <a:r>
+                  <a:rPr lang="en-US" sz="1600" dirty="0" smtClean="0">
+                    <a:latin typeface="Times New Roman" charset="0"/>
+                    <a:ea typeface="Times New Roman" charset="0"/>
+                    <a:cs typeface="Times New Roman" charset="0"/>
+                  </a:rPr>
+                  <a:t>Perturbation Frequency (</a:t>
+                </a:r>
+                <a14:m>
+                  <m:oMath xmlns:m="http://schemas.openxmlformats.org/officeDocument/2006/math">
+                    <m:r>
+                      <a:rPr lang="en-US" sz="1600" b="0" i="1" smtClean="0">
+                        <a:latin typeface="Cambria Math" charset="0"/>
+                        <a:ea typeface="Times New Roman" charset="0"/>
+                        <a:cs typeface="Times New Roman" charset="0"/>
+                      </a:rPr>
+                      <m:t>𝜙</m:t>
+                    </m:r>
+                  </m:oMath>
+                </a14:m>
+                <a:r>
+                  <a:rPr lang="en-US" sz="1600" dirty="0" smtClean="0">
+                    <a:latin typeface="Times New Roman" charset="0"/>
+                    <a:ea typeface="Times New Roman" charset="0"/>
+                    <a:cs typeface="Times New Roman" charset="0"/>
+                  </a:rPr>
+                  <a:t>)</a:t>
+                </a:r>
+                <a:endParaRPr lang="en-US" sz="1600" dirty="0">
+                  <a:latin typeface="Times New Roman" charset="0"/>
+                  <a:ea typeface="Times New Roman" charset="0"/>
+                  <a:cs typeface="Times New Roman" charset="0"/>
+                </a:endParaRPr>
+              </a:p>
+            </p:txBody>
+          </p:sp>
+        </mc:Choice>
+        <mc:Fallback xmlns="">
+          <p:sp>
+            <p:nvSpPr>
+              <p:cNvPr id="12" name="TextBox 11"/>
+              <p:cNvSpPr txBox="1">
+                <a:spLocks noRot="1" noChangeAspect="1" noMove="1" noResize="1" noEditPoints="1" noAdjustHandles="1" noChangeArrowheads="1" noChangeShapeType="1" noTextEdit="1"/>
+              </p:cNvSpPr>
+              <p:nvPr/>
+            </p:nvSpPr>
+            <p:spPr>
+              <a:xfrm>
+                <a:off x="1803323" y="4634985"/>
+                <a:ext cx="2454133" cy="338554"/>
+              </a:xfrm>
+              <a:prstGeom prst="rect">
+                <a:avLst/>
+              </a:prstGeom>
+              <a:blipFill rotWithShape="0">
+                <a:blip r:embed="rId2"/>
+                <a:stretch>
+                  <a:fillRect l="-995" t="-5357" r="-746" b="-21429"/>
+                </a:stretch>
+              </a:blipFill>
+            </p:spPr>
+            <p:txBody>
+              <a:bodyPr/>
+              <a:lstStyle/>
+              <a:p>
+                <a:r>
+                  <a:rPr lang="en-US">
+                    <a:noFill/>
+                  </a:rPr>
+                  <a:t> </a:t>
+                </a:r>
+              </a:p>
+            </p:txBody>
+          </p:sp>
+        </mc:Fallback>
+      </mc:AlternateContent>
+      <p:sp>
+        <p:nvSpPr>
+          <p:cNvPr id="13" name="TextBox 12"/>
+          <p:cNvSpPr txBox="1"/>
+          <p:nvPr/>
+        </p:nvSpPr>
+        <p:spPr>
+          <a:xfrm rot="16200000">
+            <a:off x="4011758" y="3046606"/>
+            <a:ext cx="3245633" cy="338554"/>
+          </a:xfrm>
+          <a:prstGeom prst="rect">
+            <a:avLst/>
+          </a:prstGeom>
+          <a:solidFill>
+            <a:schemeClr val="bg1"/>
+          </a:solidFill>
+        </p:spPr>
+        <p:txBody>
+          <a:bodyPr wrap="none" rtlCol="0">
+            <a:spAutoFit/>
+          </a:bodyPr>
+          <a:lstStyle/>
+          <a:p>
+            <a:pPr algn="ctr"/>
+            <a:r>
+              <a:rPr lang="en-US" sz="1600" dirty="0" smtClean="0">
+                <a:latin typeface="Times New Roman" charset="0"/>
+                <a:ea typeface="Times New Roman" charset="0"/>
+                <a:cs typeface="Times New Roman" charset="0"/>
+              </a:rPr>
+              <a:t>Avg. Performance Over 100 Rollouts</a:t>
+            </a:r>
+            <a:endParaRPr lang="en-US" sz="1600" dirty="0">
+              <a:latin typeface="Times New Roman" charset="0"/>
+              <a:ea typeface="Times New Roman" charset="0"/>
+              <a:cs typeface="Times New Roman" charset="0"/>
+            </a:endParaRPr>
+          </a:p>
+        </p:txBody>
+      </p:sp>
       <p:pic>
         <p:nvPicPr>
-          <p:cNvPr id="2" name="Picture 1"/>
+          <p:cNvPr id="15" name="Picture 14"/>
           <p:cNvPicPr>
             <a:picLocks noChangeAspect="1"/>
           </p:cNvPicPr>
@@ -4977,19 +7285,128 @@
               </a:ext>
             </a:extLst>
           </a:blip>
-          <a:srcRect t="10518" b="20428"/>
+          <a:srcRect t="10822" r="8380" b="19734"/>
           <a:stretch/>
         </p:blipFill>
         <p:spPr>
           <a:xfrm>
-            <a:off x="5407937" y="1693564"/>
-            <a:ext cx="5852160" cy="3030836"/>
+            <a:off x="180425" y="1674899"/>
+            <a:ext cx="5361760" cy="3048001"/>
           </a:xfrm>
           <a:prstGeom prst="rect">
             <a:avLst/>
           </a:prstGeom>
         </p:spPr>
       </p:pic>
+      <p:sp>
+        <p:nvSpPr>
+          <p:cNvPr id="14" name="TextBox 13"/>
+          <p:cNvSpPr txBox="1"/>
+          <p:nvPr/>
+        </p:nvSpPr>
+        <p:spPr>
+          <a:xfrm rot="16200000">
+            <a:off x="-1317828" y="3046606"/>
+            <a:ext cx="3245633" cy="338554"/>
+          </a:xfrm>
+          <a:prstGeom prst="rect">
+            <a:avLst/>
+          </a:prstGeom>
+          <a:solidFill>
+            <a:schemeClr val="bg1"/>
+          </a:solidFill>
+        </p:spPr>
+        <p:txBody>
+          <a:bodyPr wrap="none" rtlCol="0">
+            <a:spAutoFit/>
+          </a:bodyPr>
+          <a:lstStyle/>
+          <a:p>
+            <a:pPr algn="ctr"/>
+            <a:r>
+              <a:rPr lang="en-US" sz="1600" dirty="0" smtClean="0">
+                <a:latin typeface="Times New Roman" charset="0"/>
+                <a:ea typeface="Times New Roman" charset="0"/>
+                <a:cs typeface="Times New Roman" charset="0"/>
+              </a:rPr>
+              <a:t>Avg. Performance Over 100 Rollouts</a:t>
+            </a:r>
+            <a:endParaRPr lang="en-US" sz="1600" dirty="0">
+              <a:latin typeface="Times New Roman" charset="0"/>
+              <a:ea typeface="Times New Roman" charset="0"/>
+              <a:cs typeface="Times New Roman" charset="0"/>
+            </a:endParaRPr>
+          </a:p>
+        </p:txBody>
+      </p:sp>
+      <p:pic>
+        <p:nvPicPr>
+          <p:cNvPr id="9" name="Picture 8"/>
+          <p:cNvPicPr>
+            <a:picLocks noChangeAspect="1"/>
+          </p:cNvPicPr>
+          <p:nvPr/>
+        </p:nvPicPr>
+        <p:blipFill rotWithShape="1">
+          <a:blip r:embed="rId4">
+            <a:extLst>
+              <a:ext uri="{28A0092B-C50C-407E-A947-70E740481C1C}">
+                <a14:useLocalDpi xmlns:a14="http://schemas.microsoft.com/office/drawing/2010/main" val="0"/>
+              </a:ext>
+            </a:extLst>
+          </a:blip>
+          <a:srcRect l="6160" t="10127" r="6600" b="19160"/>
+          <a:stretch/>
+        </p:blipFill>
+        <p:spPr>
+          <a:xfrm>
+            <a:off x="5784802" y="1647076"/>
+            <a:ext cx="5105400" cy="3103646"/>
+          </a:xfrm>
+          <a:prstGeom prst="rect">
+            <a:avLst/>
+          </a:prstGeom>
+        </p:spPr>
+      </p:pic>
+      <p:sp>
+        <p:nvSpPr>
+          <p:cNvPr id="7" name="TextBox 6"/>
+          <p:cNvSpPr txBox="1"/>
+          <p:nvPr/>
+        </p:nvSpPr>
+        <p:spPr>
+          <a:xfrm>
+            <a:off x="7055465" y="1393482"/>
+            <a:ext cx="2557110" cy="369332"/>
+          </a:xfrm>
+          <a:prstGeom prst="rect">
+            <a:avLst/>
+          </a:prstGeom>
+          <a:noFill/>
+        </p:spPr>
+        <p:txBody>
+          <a:bodyPr wrap="none" rtlCol="0">
+            <a:spAutoFit/>
+          </a:bodyPr>
+          <a:lstStyle/>
+          <a:p>
+            <a:pPr algn="ctr"/>
+            <a:r>
+              <a:rPr lang="en-US" dirty="0" smtClean="0">
+                <a:latin typeface="Times New Roman" charset="0"/>
+                <a:ea typeface="Times New Roman" charset="0"/>
+                <a:cs typeface="Times New Roman" charset="0"/>
+              </a:rPr>
+              <a:t>Random Dynamics Noise</a:t>
+            </a:r>
+            <a:endParaRPr lang="en-US" dirty="0">
+              <a:latin typeface="Times New Roman" charset="0"/>
+              <a:ea typeface="Times New Roman" charset="0"/>
+              <a:cs typeface="Times New Roman" charset="0"/>
+            </a:endParaRPr>
+          </a:p>
+        </p:txBody>
+      </p:sp>
       <p:pic>
         <p:nvPicPr>
           <p:cNvPr id="4" name="Picture 3"/>
@@ -4999,7 +7416,7 @@
           <p:nvPr/>
         </p:nvPicPr>
         <p:blipFill rotWithShape="1">
-          <a:blip r:embed="rId2">
+          <a:blip r:embed="rId5">
             <a:extLst>
               <a:ext uri="{28A0092B-C50C-407E-A947-70E740481C1C}">
                 <a14:useLocalDpi xmlns:a14="http://schemas.microsoft.com/office/drawing/2010/main" val="0"/>
@@ -5011,7 +7428,7 @@
         </p:blipFill>
         <p:spPr>
           <a:xfrm>
-            <a:off x="10670850" y="2070360"/>
+            <a:off x="10711490" y="2070360"/>
             <a:ext cx="2802304" cy="948130"/>
           </a:xfrm>
           <a:prstGeom prst="rect">
@@ -5028,7 +7445,7 @@
           <p:nvPr/>
         </p:nvPicPr>
         <p:blipFill rotWithShape="1">
-          <a:blip r:embed="rId2">
+          <a:blip r:embed="rId5">
             <a:extLst>
               <a:ext uri="{28A0092B-C50C-407E-A947-70E740481C1C}">
                 <a14:useLocalDpi xmlns:a14="http://schemas.microsoft.com/office/drawing/2010/main" val="0"/>
@@ -5040,7 +7457,7 @@
         </p:blipFill>
         <p:spPr>
           <a:xfrm>
-            <a:off x="10689900" y="2870097"/>
+            <a:off x="10730540" y="2870097"/>
             <a:ext cx="2802304" cy="948130"/>
           </a:xfrm>
           <a:prstGeom prst="rect">
@@ -5048,125 +7465,8 @@
           </a:prstGeom>
         </p:spPr>
       </p:pic>
-      <p:sp>
-        <p:nvSpPr>
-          <p:cNvPr id="6" name="TextBox 5"/>
-          <p:cNvSpPr txBox="1"/>
-          <p:nvPr/>
-        </p:nvSpPr>
-        <p:spPr>
-          <a:xfrm>
-            <a:off x="1719774" y="1393482"/>
-            <a:ext cx="2621230" cy="369332"/>
-          </a:xfrm>
-          <a:prstGeom prst="rect">
-            <a:avLst/>
-          </a:prstGeom>
-          <a:noFill/>
-        </p:spPr>
-        <p:txBody>
-          <a:bodyPr wrap="none" rtlCol="0">
-            <a:spAutoFit/>
-          </a:bodyPr>
-          <a:lstStyle/>
-          <a:p>
-            <a:pPr algn="ctr"/>
-            <a:r>
-              <a:rPr lang="en-US" dirty="0" smtClean="0">
-                <a:latin typeface="Times New Roman" charset="0"/>
-                <a:ea typeface="Times New Roman" charset="0"/>
-                <a:cs typeface="Times New Roman" charset="0"/>
-              </a:rPr>
-              <a:t>Adversarial Process Noise</a:t>
-            </a:r>
-            <a:endParaRPr lang="en-US" dirty="0">
-              <a:latin typeface="Times New Roman" charset="0"/>
-              <a:ea typeface="Times New Roman" charset="0"/>
-              <a:cs typeface="Times New Roman" charset="0"/>
-            </a:endParaRPr>
-          </a:p>
-        </p:txBody>
-      </p:sp>
-      <p:sp>
-        <p:nvSpPr>
-          <p:cNvPr id="7" name="TextBox 6"/>
-          <p:cNvSpPr txBox="1"/>
-          <p:nvPr/>
-        </p:nvSpPr>
-        <p:spPr>
-          <a:xfrm>
-            <a:off x="7176745" y="1393482"/>
-            <a:ext cx="2314544" cy="369332"/>
-          </a:xfrm>
-          <a:prstGeom prst="rect">
-            <a:avLst/>
-          </a:prstGeom>
-          <a:noFill/>
-        </p:spPr>
-        <p:txBody>
-          <a:bodyPr wrap="none" rtlCol="0">
-            <a:spAutoFit/>
-          </a:bodyPr>
-          <a:lstStyle/>
-          <a:p>
-            <a:pPr algn="ctr"/>
-            <a:r>
-              <a:rPr lang="en-US" dirty="0" smtClean="0">
-                <a:latin typeface="Times New Roman" charset="0"/>
-                <a:ea typeface="Times New Roman" charset="0"/>
-                <a:cs typeface="Times New Roman" charset="0"/>
-              </a:rPr>
-              <a:t>Random Process Noise</a:t>
-            </a:r>
-            <a:endParaRPr lang="en-US" dirty="0">
-              <a:latin typeface="Times New Roman" charset="0"/>
-              <a:ea typeface="Times New Roman" charset="0"/>
-              <a:cs typeface="Times New Roman" charset="0"/>
-            </a:endParaRPr>
-          </a:p>
-        </p:txBody>
-      </p:sp>
-      <p:sp>
-        <p:nvSpPr>
-          <p:cNvPr id="8" name="TextBox 7"/>
-          <p:cNvSpPr txBox="1"/>
-          <p:nvPr/>
-        </p:nvSpPr>
-        <p:spPr>
-          <a:xfrm>
-            <a:off x="4507084" y="1130597"/>
-            <a:ext cx="2340705" cy="430887"/>
-          </a:xfrm>
-          <a:prstGeom prst="rect">
-            <a:avLst/>
-          </a:prstGeom>
-          <a:noFill/>
-        </p:spPr>
-        <p:txBody>
-          <a:bodyPr wrap="none" rtlCol="0">
-            <a:spAutoFit/>
-          </a:bodyPr>
-          <a:lstStyle/>
-          <a:p>
-            <a:pPr algn="ctr"/>
-            <a:r>
-              <a:rPr lang="en-US" sz="2200" dirty="0" smtClean="0">
-                <a:latin typeface="Times New Roman" charset="0"/>
-                <a:ea typeface="Times New Roman" charset="0"/>
-                <a:cs typeface="Times New Roman" charset="0"/>
-              </a:rPr>
-              <a:t>Inverted Pendulum</a:t>
-            </a:r>
-            <a:endParaRPr lang="en-US" sz="2200" dirty="0">
-              <a:latin typeface="Times New Roman" charset="0"/>
-              <a:ea typeface="Times New Roman" charset="0"/>
-              <a:cs typeface="Times New Roman" charset="0"/>
-            </a:endParaRPr>
-          </a:p>
-        </p:txBody>
-      </p:sp>
-      <mc:AlternateContent xmlns:mc="http://schemas.openxmlformats.org/markup-compatibility/2006">
-        <mc:Choice xmlns:a14="http://schemas.microsoft.com/office/drawing/2010/main" Requires="a14">
+      <mc:AlternateContent xmlns:mc="http://schemas.openxmlformats.org/markup-compatibility/2006" xmlns:a14="http://schemas.microsoft.com/office/drawing/2010/main">
+        <mc:Choice Requires="a14">
           <p:sp>
             <p:nvSpPr>
               <p:cNvPr id="11" name="TextBox 10"/>
@@ -5227,7 +7527,7 @@
             </p:txBody>
           </p:sp>
         </mc:Choice>
-        <mc:Fallback>
+        <mc:Fallback xmlns="">
           <p:sp>
             <p:nvSpPr>
               <p:cNvPr id="11" name="TextBox 10"/>
@@ -5245,7 +7545,7 @@
                 <a:avLst/>
               </a:prstGeom>
               <a:blipFill rotWithShape="0">
-                <a:blip r:embed="rId4"/>
+                <a:blip r:embed="rId2"/>
                 <a:stretch>
                   <a:fillRect l="-995" t="-5357" r="-746" b="-21429"/>
                 </a:stretch>
@@ -5266,8 +7566,1221 @@
           </p:sp>
         </mc:Fallback>
       </mc:AlternateContent>
-      <mc:AlternateContent xmlns:mc="http://schemas.openxmlformats.org/markup-compatibility/2006">
-        <mc:Choice xmlns:a14="http://schemas.microsoft.com/office/drawing/2010/main" Requires="a14">
+      <p:sp>
+        <p:nvSpPr>
+          <p:cNvPr id="16" name="TextBox 15"/>
+          <p:cNvSpPr txBox="1"/>
+          <p:nvPr/>
+        </p:nvSpPr>
+        <p:spPr>
+          <a:xfrm>
+            <a:off x="842558" y="4118736"/>
+            <a:ext cx="413896" cy="338554"/>
+          </a:xfrm>
+          <a:prstGeom prst="rect">
+            <a:avLst/>
+          </a:prstGeom>
+          <a:noFill/>
+        </p:spPr>
+        <p:txBody>
+          <a:bodyPr wrap="none" rtlCol="0">
+            <a:spAutoFit/>
+          </a:bodyPr>
+          <a:lstStyle/>
+          <a:p>
+            <a:pPr algn="ctr"/>
+            <a:r>
+              <a:rPr lang="en-US" sz="1600" smtClean="0">
+                <a:latin typeface="Times New Roman" charset="0"/>
+                <a:ea typeface="Times New Roman" charset="0"/>
+                <a:cs typeface="Times New Roman" charset="0"/>
+              </a:rPr>
+              <a:t>(a)</a:t>
+            </a:r>
+            <a:endParaRPr lang="en-US" sz="1600" dirty="0">
+              <a:latin typeface="Times New Roman" charset="0"/>
+              <a:ea typeface="Times New Roman" charset="0"/>
+              <a:cs typeface="Times New Roman" charset="0"/>
+            </a:endParaRPr>
+          </a:p>
+        </p:txBody>
+      </p:sp>
+      <p:sp>
+        <p:nvSpPr>
+          <p:cNvPr id="17" name="TextBox 16"/>
+          <p:cNvSpPr txBox="1"/>
+          <p:nvPr/>
+        </p:nvSpPr>
+        <p:spPr>
+          <a:xfrm>
+            <a:off x="6141489" y="4118736"/>
+            <a:ext cx="425117" cy="338554"/>
+          </a:xfrm>
+          <a:prstGeom prst="rect">
+            <a:avLst/>
+          </a:prstGeom>
+          <a:noFill/>
+        </p:spPr>
+        <p:txBody>
+          <a:bodyPr wrap="none" rtlCol="0">
+            <a:spAutoFit/>
+          </a:bodyPr>
+          <a:lstStyle/>
+          <a:p>
+            <a:pPr algn="ctr"/>
+            <a:r>
+              <a:rPr lang="en-US" sz="1600" smtClean="0">
+                <a:latin typeface="Times New Roman" charset="0"/>
+                <a:ea typeface="Times New Roman" charset="0"/>
+                <a:cs typeface="Times New Roman" charset="0"/>
+              </a:rPr>
+              <a:t>(b)</a:t>
+            </a:r>
+            <a:endParaRPr lang="en-US" sz="1600" dirty="0">
+              <a:latin typeface="Times New Roman" charset="0"/>
+              <a:ea typeface="Times New Roman" charset="0"/>
+              <a:cs typeface="Times New Roman" charset="0"/>
+            </a:endParaRPr>
+          </a:p>
+        </p:txBody>
+      </p:sp>
+    </p:spTree>
+    <p:extLst>
+      <p:ext uri="{BB962C8B-B14F-4D97-AF65-F5344CB8AC3E}">
+        <p14:creationId xmlns:p14="http://schemas.microsoft.com/office/powerpoint/2010/main" val="1212354482"/>
+      </p:ext>
+    </p:extLst>
+  </p:cSld>
+  <p:clrMapOvr>
+    <a:masterClrMapping/>
+  </p:clrMapOvr>
+  <p:timing>
+    <p:tnLst>
+      <p:par>
+        <p:cTn id="1" dur="indefinite" restart="never" nodeType="tmRoot"/>
+      </p:par>
+    </p:tnLst>
+  </p:timing>
+</p:sld>
+</file>
+
+<file path=ppt/slides/slide8.xml><?xml version="1.0" encoding="utf-8"?>
+<p:sld xmlns:a="http://schemas.openxmlformats.org/drawingml/2006/main" xmlns:r="http://schemas.openxmlformats.org/officeDocument/2006/relationships" xmlns:p="http://schemas.openxmlformats.org/presentationml/2006/main">
+  <p:cSld>
+    <p:spTree>
+      <p:nvGrpSpPr>
+        <p:cNvPr id="1" name=""/>
+        <p:cNvGrpSpPr/>
+        <p:nvPr/>
+      </p:nvGrpSpPr>
+      <p:grpSpPr>
+        <a:xfrm>
+          <a:off x="0" y="0"/>
+          <a:ext cx="0" cy="0"/>
+          <a:chOff x="0" y="0"/>
+          <a:chExt cx="0" cy="0"/>
+        </a:xfrm>
+      </p:grpSpPr>
+      <p:grpSp>
+        <p:nvGrpSpPr>
+          <p:cNvPr id="3" name="Group 2"/>
+          <p:cNvGrpSpPr/>
+          <p:nvPr/>
+        </p:nvGrpSpPr>
+        <p:grpSpPr>
+          <a:xfrm>
+            <a:off x="104309" y="1124262"/>
+            <a:ext cx="13428535" cy="3927423"/>
+            <a:chOff x="104309" y="1124262"/>
+            <a:chExt cx="13428535" cy="3927423"/>
+          </a:xfrm>
+        </p:grpSpPr>
+        <p:sp>
+          <p:nvSpPr>
+            <p:cNvPr id="10" name="Rectangle 9"/>
+            <p:cNvSpPr/>
+            <p:nvPr/>
+          </p:nvSpPr>
+          <p:spPr>
+            <a:xfrm>
+              <a:off x="104309" y="1124262"/>
+              <a:ext cx="13387895" cy="3927423"/>
+            </a:xfrm>
+            <a:prstGeom prst="rect">
+              <a:avLst/>
+            </a:prstGeom>
+            <a:solidFill>
+              <a:schemeClr val="bg1"/>
+            </a:solidFill>
+            <a:ln>
+              <a:noFill/>
+            </a:ln>
+          </p:spPr>
+          <p:style>
+            <a:lnRef idx="2">
+              <a:schemeClr val="accent1">
+                <a:shade val="50000"/>
+              </a:schemeClr>
+            </a:lnRef>
+            <a:fillRef idx="1">
+              <a:schemeClr val="accent1"/>
+            </a:fillRef>
+            <a:effectRef idx="0">
+              <a:schemeClr val="accent1"/>
+            </a:effectRef>
+            <a:fontRef idx="minor">
+              <a:schemeClr val="lt1"/>
+            </a:fontRef>
+          </p:style>
+          <p:txBody>
+            <a:bodyPr rtlCol="0" anchor="ctr"/>
+            <a:lstStyle/>
+            <a:p>
+              <a:pPr algn="ctr"/>
+              <a:endParaRPr lang="en-US"/>
+            </a:p>
+          </p:txBody>
+        </p:sp>
+        <p:sp>
+          <p:nvSpPr>
+            <p:cNvPr id="6" name="TextBox 5"/>
+            <p:cNvSpPr txBox="1"/>
+            <p:nvPr/>
+          </p:nvSpPr>
+          <p:spPr>
+            <a:xfrm>
+              <a:off x="1604359" y="1332522"/>
+              <a:ext cx="2852064" cy="369332"/>
+            </a:xfrm>
+            <a:prstGeom prst="rect">
+              <a:avLst/>
+            </a:prstGeom>
+            <a:noFill/>
+          </p:spPr>
+          <p:txBody>
+            <a:bodyPr wrap="none" rtlCol="0">
+              <a:spAutoFit/>
+            </a:bodyPr>
+            <a:lstStyle/>
+            <a:p>
+              <a:pPr algn="ctr"/>
+              <a:r>
+                <a:rPr lang="en-US" dirty="0" smtClean="0">
+                  <a:latin typeface="Times New Roman" charset="0"/>
+                  <a:ea typeface="Times New Roman" charset="0"/>
+                  <a:cs typeface="Times New Roman" charset="0"/>
+                </a:rPr>
+                <a:t>Adversarial Dynamics Noise</a:t>
+              </a:r>
+              <a:endParaRPr lang="en-US" dirty="0">
+                <a:latin typeface="Times New Roman" charset="0"/>
+                <a:ea typeface="Times New Roman" charset="0"/>
+                <a:cs typeface="Times New Roman" charset="0"/>
+              </a:endParaRPr>
+            </a:p>
+          </p:txBody>
+        </p:sp>
+        <mc:AlternateContent xmlns:mc="http://schemas.openxmlformats.org/markup-compatibility/2006">
+          <mc:Choice xmlns:a14="http://schemas.microsoft.com/office/drawing/2010/main" Requires="a14">
+            <p:sp>
+              <p:nvSpPr>
+                <p:cNvPr id="12" name="TextBox 11"/>
+                <p:cNvSpPr txBox="1"/>
+                <p:nvPr/>
+              </p:nvSpPr>
+              <p:spPr>
+                <a:xfrm>
+                  <a:off x="1803323" y="4634985"/>
+                  <a:ext cx="2454133" cy="338554"/>
+                </a:xfrm>
+                <a:prstGeom prst="rect">
+                  <a:avLst/>
+                </a:prstGeom>
+                <a:noFill/>
+              </p:spPr>
+              <p:txBody>
+                <a:bodyPr wrap="none" rtlCol="0">
+                  <a:spAutoFit/>
+                </a:bodyPr>
+                <a:lstStyle/>
+                <a:p>
+                  <a:pPr algn="ctr"/>
+                  <a:r>
+                    <a:rPr lang="en-US" sz="1600" dirty="0" smtClean="0">
+                      <a:latin typeface="Times New Roman" charset="0"/>
+                      <a:ea typeface="Times New Roman" charset="0"/>
+                      <a:cs typeface="Times New Roman" charset="0"/>
+                    </a:rPr>
+                    <a:t>Perturbation Frequency (</a:t>
+                  </a:r>
+                  <a14:m>
+                    <m:oMath xmlns:m="http://schemas.openxmlformats.org/officeDocument/2006/math">
+                      <m:r>
+                        <a:rPr lang="en-US" sz="1600" b="0" i="1" smtClean="0">
+                          <a:latin typeface="Cambria Math" charset="0"/>
+                          <a:ea typeface="Times New Roman" charset="0"/>
+                          <a:cs typeface="Times New Roman" charset="0"/>
+                        </a:rPr>
+                        <m:t>𝜙</m:t>
+                      </m:r>
+                    </m:oMath>
+                  </a14:m>
+                  <a:r>
+                    <a:rPr lang="en-US" sz="1600" dirty="0" smtClean="0">
+                      <a:latin typeface="Times New Roman" charset="0"/>
+                      <a:ea typeface="Times New Roman" charset="0"/>
+                      <a:cs typeface="Times New Roman" charset="0"/>
+                    </a:rPr>
+                    <a:t>)</a:t>
+                  </a:r>
+                  <a:endParaRPr lang="en-US" sz="1600" dirty="0">
+                    <a:latin typeface="Times New Roman" charset="0"/>
+                    <a:ea typeface="Times New Roman" charset="0"/>
+                    <a:cs typeface="Times New Roman" charset="0"/>
+                  </a:endParaRPr>
+                </a:p>
+              </p:txBody>
+            </p:sp>
+          </mc:Choice>
+          <mc:Fallback>
+            <p:sp>
+              <p:nvSpPr>
+                <p:cNvPr id="12" name="TextBox 11"/>
+                <p:cNvSpPr txBox="1">
+                  <a:spLocks noRot="1" noChangeAspect="1" noMove="1" noResize="1" noEditPoints="1" noAdjustHandles="1" noChangeArrowheads="1" noChangeShapeType="1" noTextEdit="1"/>
+                </p:cNvSpPr>
+                <p:nvPr/>
+              </p:nvSpPr>
+              <p:spPr>
+                <a:xfrm>
+                  <a:off x="1803323" y="4634985"/>
+                  <a:ext cx="2454133" cy="338554"/>
+                </a:xfrm>
+                <a:prstGeom prst="rect">
+                  <a:avLst/>
+                </a:prstGeom>
+                <a:blipFill rotWithShape="0">
+                  <a:blip r:embed="rId2"/>
+                  <a:stretch>
+                    <a:fillRect l="-995" t="-5357" r="-746" b="-21429"/>
+                  </a:stretch>
+                </a:blipFill>
+              </p:spPr>
+              <p:txBody>
+                <a:bodyPr/>
+                <a:lstStyle/>
+                <a:p>
+                  <a:r>
+                    <a:rPr lang="en-US">
+                      <a:noFill/>
+                    </a:rPr>
+                    <a:t> </a:t>
+                  </a:r>
+                </a:p>
+              </p:txBody>
+            </p:sp>
+          </mc:Fallback>
+        </mc:AlternateContent>
+        <p:sp>
+          <p:nvSpPr>
+            <p:cNvPr id="13" name="TextBox 12"/>
+            <p:cNvSpPr txBox="1"/>
+            <p:nvPr/>
+          </p:nvSpPr>
+          <p:spPr>
+            <a:xfrm rot="16200000">
+              <a:off x="4011758" y="3046606"/>
+              <a:ext cx="3245633" cy="338554"/>
+            </a:xfrm>
+            <a:prstGeom prst="rect">
+              <a:avLst/>
+            </a:prstGeom>
+            <a:solidFill>
+              <a:schemeClr val="bg1"/>
+            </a:solidFill>
+          </p:spPr>
+          <p:txBody>
+            <a:bodyPr wrap="none" rtlCol="0">
+              <a:spAutoFit/>
+            </a:bodyPr>
+            <a:lstStyle/>
+            <a:p>
+              <a:pPr algn="ctr"/>
+              <a:r>
+                <a:rPr lang="en-US" sz="1600" dirty="0" smtClean="0">
+                  <a:latin typeface="Times New Roman" charset="0"/>
+                  <a:ea typeface="Times New Roman" charset="0"/>
+                  <a:cs typeface="Times New Roman" charset="0"/>
+                </a:rPr>
+                <a:t>Avg. Performance Over 100 Rollouts</a:t>
+              </a:r>
+              <a:endParaRPr lang="en-US" sz="1600" dirty="0">
+                <a:latin typeface="Times New Roman" charset="0"/>
+                <a:ea typeface="Times New Roman" charset="0"/>
+                <a:cs typeface="Times New Roman" charset="0"/>
+              </a:endParaRPr>
+            </a:p>
+          </p:txBody>
+        </p:sp>
+        <p:pic>
+          <p:nvPicPr>
+            <p:cNvPr id="15" name="Picture 14"/>
+            <p:cNvPicPr>
+              <a:picLocks noChangeAspect="1"/>
+            </p:cNvPicPr>
+            <p:nvPr/>
+          </p:nvPicPr>
+          <p:blipFill rotWithShape="1">
+            <a:blip r:embed="rId3">
+              <a:extLst>
+                <a:ext uri="{28A0092B-C50C-407E-A947-70E740481C1C}">
+                  <a14:useLocalDpi xmlns:a14="http://schemas.microsoft.com/office/drawing/2010/main" val="0"/>
+                </a:ext>
+              </a:extLst>
+            </a:blip>
+            <a:srcRect t="10822" r="8380" b="19734"/>
+            <a:stretch/>
+          </p:blipFill>
+          <p:spPr>
+            <a:xfrm>
+              <a:off x="180425" y="1674899"/>
+              <a:ext cx="5361760" cy="3048001"/>
+            </a:xfrm>
+            <a:prstGeom prst="rect">
+              <a:avLst/>
+            </a:prstGeom>
+          </p:spPr>
+        </p:pic>
+        <p:sp>
+          <p:nvSpPr>
+            <p:cNvPr id="14" name="TextBox 13"/>
+            <p:cNvSpPr txBox="1"/>
+            <p:nvPr/>
+          </p:nvSpPr>
+          <p:spPr>
+            <a:xfrm rot="16200000">
+              <a:off x="-1317828" y="3046606"/>
+              <a:ext cx="3245633" cy="338554"/>
+            </a:xfrm>
+            <a:prstGeom prst="rect">
+              <a:avLst/>
+            </a:prstGeom>
+            <a:solidFill>
+              <a:schemeClr val="bg1"/>
+            </a:solidFill>
+          </p:spPr>
+          <p:txBody>
+            <a:bodyPr wrap="none" rtlCol="0">
+              <a:spAutoFit/>
+            </a:bodyPr>
+            <a:lstStyle/>
+            <a:p>
+              <a:pPr algn="ctr"/>
+              <a:r>
+                <a:rPr lang="en-US" sz="1600" dirty="0" smtClean="0">
+                  <a:latin typeface="Times New Roman" charset="0"/>
+                  <a:ea typeface="Times New Roman" charset="0"/>
+                  <a:cs typeface="Times New Roman" charset="0"/>
+                </a:rPr>
+                <a:t>Avg. Performance Over 100 Rollouts</a:t>
+              </a:r>
+              <a:endParaRPr lang="en-US" sz="1600" dirty="0">
+                <a:latin typeface="Times New Roman" charset="0"/>
+                <a:ea typeface="Times New Roman" charset="0"/>
+                <a:cs typeface="Times New Roman" charset="0"/>
+              </a:endParaRPr>
+            </a:p>
+          </p:txBody>
+        </p:sp>
+        <p:pic>
+          <p:nvPicPr>
+            <p:cNvPr id="9" name="Picture 8"/>
+            <p:cNvPicPr>
+              <a:picLocks noChangeAspect="1"/>
+            </p:cNvPicPr>
+            <p:nvPr/>
+          </p:nvPicPr>
+          <p:blipFill rotWithShape="1">
+            <a:blip r:embed="rId4">
+              <a:extLst>
+                <a:ext uri="{28A0092B-C50C-407E-A947-70E740481C1C}">
+                  <a14:useLocalDpi xmlns:a14="http://schemas.microsoft.com/office/drawing/2010/main" val="0"/>
+                </a:ext>
+              </a:extLst>
+            </a:blip>
+            <a:srcRect l="6160" t="10127" r="6600" b="19160"/>
+            <a:stretch/>
+          </p:blipFill>
+          <p:spPr>
+            <a:xfrm>
+              <a:off x="5784802" y="1647076"/>
+              <a:ext cx="5105400" cy="3103646"/>
+            </a:xfrm>
+            <a:prstGeom prst="rect">
+              <a:avLst/>
+            </a:prstGeom>
+          </p:spPr>
+        </p:pic>
+        <p:pic>
+          <p:nvPicPr>
+            <p:cNvPr id="4" name="Picture 3"/>
+            <p:cNvPicPr>
+              <a:picLocks noChangeAspect="1"/>
+            </p:cNvPicPr>
+            <p:nvPr/>
+          </p:nvPicPr>
+          <p:blipFill rotWithShape="1">
+            <a:blip r:embed="rId5">
+              <a:extLst>
+                <a:ext uri="{28A0092B-C50C-407E-A947-70E740481C1C}">
+                  <a14:useLocalDpi xmlns:a14="http://schemas.microsoft.com/office/drawing/2010/main" val="0"/>
+                </a:ext>
+              </a:extLst>
+            </a:blip>
+            <a:srcRect l="14923" t="83770" r="49099"/>
+            <a:stretch/>
+          </p:blipFill>
+          <p:spPr>
+            <a:xfrm>
+              <a:off x="10711490" y="2070360"/>
+              <a:ext cx="2802304" cy="948130"/>
+            </a:xfrm>
+            <a:prstGeom prst="rect">
+              <a:avLst/>
+            </a:prstGeom>
+          </p:spPr>
+        </p:pic>
+        <p:pic>
+          <p:nvPicPr>
+            <p:cNvPr id="5" name="Picture 4"/>
+            <p:cNvPicPr>
+              <a:picLocks noChangeAspect="1"/>
+            </p:cNvPicPr>
+            <p:nvPr/>
+          </p:nvPicPr>
+          <p:blipFill rotWithShape="1">
+            <a:blip r:embed="rId5">
+              <a:extLst>
+                <a:ext uri="{28A0092B-C50C-407E-A947-70E740481C1C}">
+                  <a14:useLocalDpi xmlns:a14="http://schemas.microsoft.com/office/drawing/2010/main" val="0"/>
+                </a:ext>
+              </a:extLst>
+            </a:blip>
+            <a:srcRect l="52322" t="83770" r="11702"/>
+            <a:stretch/>
+          </p:blipFill>
+          <p:spPr>
+            <a:xfrm>
+              <a:off x="10730540" y="2870097"/>
+              <a:ext cx="2802304" cy="948130"/>
+            </a:xfrm>
+            <a:prstGeom prst="rect">
+              <a:avLst/>
+            </a:prstGeom>
+          </p:spPr>
+        </p:pic>
+        <mc:AlternateContent xmlns:mc="http://schemas.openxmlformats.org/markup-compatibility/2006">
+          <mc:Choice xmlns:a14="http://schemas.microsoft.com/office/drawing/2010/main" Requires="a14">
+            <p:sp>
+              <p:nvSpPr>
+                <p:cNvPr id="11" name="TextBox 10"/>
+                <p:cNvSpPr txBox="1"/>
+                <p:nvPr/>
+              </p:nvSpPr>
+              <p:spPr>
+                <a:xfrm>
+                  <a:off x="7106950" y="4634985"/>
+                  <a:ext cx="2454133" cy="338554"/>
+                </a:xfrm>
+                <a:prstGeom prst="rect">
+                  <a:avLst/>
+                </a:prstGeom>
+                <a:noFill/>
+              </p:spPr>
+              <p:txBody>
+                <a:bodyPr wrap="none" rtlCol="0">
+                  <a:spAutoFit/>
+                </a:bodyPr>
+                <a:lstStyle/>
+                <a:p>
+                  <a:pPr algn="ctr"/>
+                  <a:r>
+                    <a:rPr lang="en-US" sz="1600" dirty="0" smtClean="0">
+                      <a:latin typeface="Times New Roman" charset="0"/>
+                      <a:ea typeface="Times New Roman" charset="0"/>
+                      <a:cs typeface="Times New Roman" charset="0"/>
+                    </a:rPr>
+                    <a:t>Perturbation Frequency (</a:t>
+                  </a:r>
+                  <a14:m>
+                    <m:oMath xmlns:m="http://schemas.openxmlformats.org/officeDocument/2006/math">
+                      <m:r>
+                        <a:rPr lang="en-US" sz="1600" b="0" i="1" smtClean="0">
+                          <a:latin typeface="Cambria Math" charset="0"/>
+                          <a:ea typeface="Times New Roman" charset="0"/>
+                          <a:cs typeface="Times New Roman" charset="0"/>
+                        </a:rPr>
+                        <m:t>𝜙</m:t>
+                      </m:r>
+                    </m:oMath>
+                  </a14:m>
+                  <a:r>
+                    <a:rPr lang="en-US" sz="1600" dirty="0" smtClean="0">
+                      <a:latin typeface="Times New Roman" charset="0"/>
+                      <a:ea typeface="Times New Roman" charset="0"/>
+                      <a:cs typeface="Times New Roman" charset="0"/>
+                    </a:rPr>
+                    <a:t>)</a:t>
+                  </a:r>
+                  <a:endParaRPr lang="en-US" sz="1600" dirty="0">
+                    <a:latin typeface="Times New Roman" charset="0"/>
+                    <a:ea typeface="Times New Roman" charset="0"/>
+                    <a:cs typeface="Times New Roman" charset="0"/>
+                  </a:endParaRPr>
+                </a:p>
+              </p:txBody>
+            </p:sp>
+          </mc:Choice>
+          <mc:Fallback>
+            <p:sp>
+              <p:nvSpPr>
+                <p:cNvPr id="11" name="TextBox 10"/>
+                <p:cNvSpPr txBox="1">
+                  <a:spLocks noRot="1" noChangeAspect="1" noMove="1" noResize="1" noEditPoints="1" noAdjustHandles="1" noChangeArrowheads="1" noChangeShapeType="1" noTextEdit="1"/>
+                </p:cNvSpPr>
+                <p:nvPr/>
+              </p:nvSpPr>
+              <p:spPr>
+                <a:xfrm>
+                  <a:off x="7106950" y="4634985"/>
+                  <a:ext cx="2454133" cy="338554"/>
+                </a:xfrm>
+                <a:prstGeom prst="rect">
+                  <a:avLst/>
+                </a:prstGeom>
+                <a:blipFill rotWithShape="0">
+                  <a:blip r:embed="rId2"/>
+                  <a:stretch>
+                    <a:fillRect l="-995" t="-5357" r="-746" b="-21429"/>
+                  </a:stretch>
+                </a:blipFill>
+              </p:spPr>
+              <p:txBody>
+                <a:bodyPr/>
+                <a:lstStyle/>
+                <a:p>
+                  <a:r>
+                    <a:rPr lang="en-US">
+                      <a:noFill/>
+                    </a:rPr>
+                    <a:t> </a:t>
+                  </a:r>
+                </a:p>
+              </p:txBody>
+            </p:sp>
+          </mc:Fallback>
+        </mc:AlternateContent>
+        <p:sp>
+          <p:nvSpPr>
+            <p:cNvPr id="16" name="TextBox 15"/>
+            <p:cNvSpPr txBox="1"/>
+            <p:nvPr/>
+          </p:nvSpPr>
+          <p:spPr>
+            <a:xfrm>
+              <a:off x="842558" y="4118736"/>
+              <a:ext cx="413896" cy="338554"/>
+            </a:xfrm>
+            <a:prstGeom prst="rect">
+              <a:avLst/>
+            </a:prstGeom>
+            <a:noFill/>
+          </p:spPr>
+          <p:txBody>
+            <a:bodyPr wrap="none" rtlCol="0">
+              <a:spAutoFit/>
+            </a:bodyPr>
+            <a:lstStyle/>
+            <a:p>
+              <a:pPr algn="ctr"/>
+              <a:r>
+                <a:rPr lang="en-US" sz="1600" smtClean="0">
+                  <a:latin typeface="Times New Roman" charset="0"/>
+                  <a:ea typeface="Times New Roman" charset="0"/>
+                  <a:cs typeface="Times New Roman" charset="0"/>
+                </a:rPr>
+                <a:t>(a)</a:t>
+              </a:r>
+              <a:endParaRPr lang="en-US" sz="1600" dirty="0">
+                <a:latin typeface="Times New Roman" charset="0"/>
+                <a:ea typeface="Times New Roman" charset="0"/>
+                <a:cs typeface="Times New Roman" charset="0"/>
+              </a:endParaRPr>
+            </a:p>
+          </p:txBody>
+        </p:sp>
+        <p:sp>
+          <p:nvSpPr>
+            <p:cNvPr id="17" name="TextBox 16"/>
+            <p:cNvSpPr txBox="1"/>
+            <p:nvPr/>
+          </p:nvSpPr>
+          <p:spPr>
+            <a:xfrm>
+              <a:off x="6141489" y="4118736"/>
+              <a:ext cx="425117" cy="338554"/>
+            </a:xfrm>
+            <a:prstGeom prst="rect">
+              <a:avLst/>
+            </a:prstGeom>
+            <a:noFill/>
+          </p:spPr>
+          <p:txBody>
+            <a:bodyPr wrap="none" rtlCol="0">
+              <a:spAutoFit/>
+            </a:bodyPr>
+            <a:lstStyle/>
+            <a:p>
+              <a:pPr algn="ctr"/>
+              <a:r>
+                <a:rPr lang="en-US" sz="1600" smtClean="0">
+                  <a:latin typeface="Times New Roman" charset="0"/>
+                  <a:ea typeface="Times New Roman" charset="0"/>
+                  <a:cs typeface="Times New Roman" charset="0"/>
+                </a:rPr>
+                <a:t>(b)</a:t>
+              </a:r>
+              <a:endParaRPr lang="en-US" sz="1600" dirty="0">
+                <a:latin typeface="Times New Roman" charset="0"/>
+                <a:ea typeface="Times New Roman" charset="0"/>
+                <a:cs typeface="Times New Roman" charset="0"/>
+              </a:endParaRPr>
+            </a:p>
+          </p:txBody>
+        </p:sp>
+        <p:sp>
+          <p:nvSpPr>
+            <p:cNvPr id="2" name="Rectangle 1"/>
+            <p:cNvSpPr/>
+            <p:nvPr/>
+          </p:nvSpPr>
+          <p:spPr>
+            <a:xfrm>
+              <a:off x="7188787" y="1507252"/>
+              <a:ext cx="2316480" cy="214922"/>
+            </a:xfrm>
+            <a:prstGeom prst="rect">
+              <a:avLst/>
+            </a:prstGeom>
+            <a:solidFill>
+              <a:schemeClr val="bg1"/>
+            </a:solidFill>
+            <a:ln>
+              <a:noFill/>
+            </a:ln>
+          </p:spPr>
+          <p:style>
+            <a:lnRef idx="2">
+              <a:schemeClr val="accent1">
+                <a:shade val="50000"/>
+              </a:schemeClr>
+            </a:lnRef>
+            <a:fillRef idx="1">
+              <a:schemeClr val="accent1"/>
+            </a:fillRef>
+            <a:effectRef idx="0">
+              <a:schemeClr val="accent1"/>
+            </a:effectRef>
+            <a:fontRef idx="minor">
+              <a:schemeClr val="lt1"/>
+            </a:fontRef>
+          </p:style>
+          <p:txBody>
+            <a:bodyPr rtlCol="0" anchor="ctr"/>
+            <a:lstStyle/>
+            <a:p>
+              <a:pPr algn="ctr"/>
+              <a:endParaRPr lang="en-US" b="1">
+                <a:ln w="10160">
+                  <a:solidFill>
+                    <a:schemeClr val="accent5"/>
+                  </a:solidFill>
+                  <a:prstDash val="solid"/>
+                </a:ln>
+                <a:solidFill>
+                  <a:srgbClr val="FFFFFF"/>
+                </a:solidFill>
+                <a:effectLst>
+                  <a:outerShdw blurRad="38100" dist="22860" dir="5400000" algn="tl" rotWithShape="0">
+                    <a:srgbClr val="000000">
+                      <a:alpha val="30000"/>
+                    </a:srgbClr>
+                  </a:outerShdw>
+                </a:effectLst>
+              </a:endParaRPr>
+            </a:p>
+          </p:txBody>
+        </p:sp>
+        <p:sp>
+          <p:nvSpPr>
+            <p:cNvPr id="7" name="TextBox 6"/>
+            <p:cNvSpPr txBox="1"/>
+            <p:nvPr/>
+          </p:nvSpPr>
+          <p:spPr>
+            <a:xfrm>
+              <a:off x="7055465" y="1332522"/>
+              <a:ext cx="2557110" cy="369332"/>
+            </a:xfrm>
+            <a:prstGeom prst="rect">
+              <a:avLst/>
+            </a:prstGeom>
+            <a:noFill/>
+          </p:spPr>
+          <p:txBody>
+            <a:bodyPr wrap="none" rtlCol="0">
+              <a:spAutoFit/>
+            </a:bodyPr>
+            <a:lstStyle/>
+            <a:p>
+              <a:pPr algn="ctr"/>
+              <a:r>
+                <a:rPr lang="en-US" dirty="0" smtClean="0">
+                  <a:latin typeface="Times New Roman" charset="0"/>
+                  <a:ea typeface="Times New Roman" charset="0"/>
+                  <a:cs typeface="Times New Roman" charset="0"/>
+                </a:rPr>
+                <a:t>Random Dynamics Noise</a:t>
+              </a:r>
+              <a:endParaRPr lang="en-US" dirty="0">
+                <a:latin typeface="Times New Roman" charset="0"/>
+                <a:ea typeface="Times New Roman" charset="0"/>
+                <a:cs typeface="Times New Roman" charset="0"/>
+              </a:endParaRPr>
+            </a:p>
+          </p:txBody>
+        </p:sp>
+      </p:grpSp>
+    </p:spTree>
+    <p:extLst>
+      <p:ext uri="{BB962C8B-B14F-4D97-AF65-F5344CB8AC3E}">
+        <p14:creationId xmlns:p14="http://schemas.microsoft.com/office/powerpoint/2010/main" val="123969781"/>
+      </p:ext>
+    </p:extLst>
+  </p:cSld>
+  <p:clrMapOvr>
+    <a:masterClrMapping/>
+  </p:clrMapOvr>
+  <p:timing>
+    <p:tnLst>
+      <p:par>
+        <p:cTn id="1" dur="indefinite" restart="never" nodeType="tmRoot"/>
+      </p:par>
+    </p:tnLst>
+  </p:timing>
+</p:sld>
+</file>
+
+<file path=ppt/slides/slide9.xml><?xml version="1.0" encoding="utf-8"?>
+<p:sld xmlns:a="http://schemas.openxmlformats.org/drawingml/2006/main" xmlns:r="http://schemas.openxmlformats.org/officeDocument/2006/relationships" xmlns:p="http://schemas.openxmlformats.org/presentationml/2006/main">
+  <p:cSld>
+    <p:spTree>
+      <p:nvGrpSpPr>
+        <p:cNvPr id="1" name=""/>
+        <p:cNvGrpSpPr/>
+        <p:nvPr/>
+      </p:nvGrpSpPr>
+      <p:grpSpPr>
+        <a:xfrm>
+          <a:off x="0" y="0"/>
+          <a:ext cx="0" cy="0"/>
+          <a:chOff x="0" y="0"/>
+          <a:chExt cx="0" cy="0"/>
+        </a:xfrm>
+      </p:grpSpPr>
+      <p:sp>
+        <p:nvSpPr>
+          <p:cNvPr id="10" name="Rectangle 9"/>
+          <p:cNvSpPr/>
+          <p:nvPr/>
+        </p:nvSpPr>
+        <p:spPr>
+          <a:xfrm>
+            <a:off x="104309" y="1124262"/>
+            <a:ext cx="13433013" cy="3927423"/>
+          </a:xfrm>
+          <a:prstGeom prst="rect">
+            <a:avLst/>
+          </a:prstGeom>
+          <a:solidFill>
+            <a:schemeClr val="bg1"/>
+          </a:solidFill>
+          <a:ln>
+            <a:noFill/>
+          </a:ln>
+        </p:spPr>
+        <p:style>
+          <a:lnRef idx="2">
+            <a:schemeClr val="accent1">
+              <a:shade val="50000"/>
+            </a:schemeClr>
+          </a:lnRef>
+          <a:fillRef idx="1">
+            <a:schemeClr val="accent1"/>
+          </a:fillRef>
+          <a:effectRef idx="0">
+            <a:schemeClr val="accent1"/>
+          </a:effectRef>
+          <a:fontRef idx="minor">
+            <a:schemeClr val="lt1"/>
+          </a:fontRef>
+        </p:style>
+        <p:txBody>
+          <a:bodyPr rtlCol="0" anchor="ctr"/>
+          <a:lstStyle/>
+          <a:p>
+            <a:pPr algn="ctr"/>
+            <a:endParaRPr lang="en-US"/>
+          </a:p>
+        </p:txBody>
+      </p:sp>
+      <p:sp>
+        <p:nvSpPr>
+          <p:cNvPr id="6" name="TextBox 5"/>
+          <p:cNvSpPr txBox="1"/>
+          <p:nvPr/>
+        </p:nvSpPr>
+        <p:spPr>
+          <a:xfrm>
+            <a:off x="1604359" y="1393482"/>
+            <a:ext cx="2852064" cy="369332"/>
+          </a:xfrm>
+          <a:prstGeom prst="rect">
+            <a:avLst/>
+          </a:prstGeom>
+          <a:noFill/>
+        </p:spPr>
+        <p:txBody>
+          <a:bodyPr wrap="none" rtlCol="0">
+            <a:spAutoFit/>
+          </a:bodyPr>
+          <a:lstStyle/>
+          <a:p>
+            <a:pPr algn="ctr"/>
+            <a:r>
+              <a:rPr lang="en-US" dirty="0" smtClean="0">
+                <a:latin typeface="Times New Roman" charset="0"/>
+                <a:ea typeface="Times New Roman" charset="0"/>
+                <a:cs typeface="Times New Roman" charset="0"/>
+              </a:rPr>
+              <a:t>Adversarial Dynamics Noise</a:t>
+            </a:r>
+            <a:endParaRPr lang="en-US" dirty="0">
+              <a:latin typeface="Times New Roman" charset="0"/>
+              <a:ea typeface="Times New Roman" charset="0"/>
+              <a:cs typeface="Times New Roman" charset="0"/>
+            </a:endParaRPr>
+          </a:p>
+        </p:txBody>
+      </p:sp>
+      <p:sp>
+        <p:nvSpPr>
+          <p:cNvPr id="7" name="TextBox 6"/>
+          <p:cNvSpPr txBox="1"/>
+          <p:nvPr/>
+        </p:nvSpPr>
+        <p:spPr>
+          <a:xfrm>
+            <a:off x="7055464" y="1393482"/>
+            <a:ext cx="2557110" cy="369332"/>
+          </a:xfrm>
+          <a:prstGeom prst="rect">
+            <a:avLst/>
+          </a:prstGeom>
+          <a:noFill/>
+        </p:spPr>
+        <p:txBody>
+          <a:bodyPr wrap="none" rtlCol="0">
+            <a:spAutoFit/>
+          </a:bodyPr>
+          <a:lstStyle/>
+          <a:p>
+            <a:pPr algn="ctr"/>
+            <a:r>
+              <a:rPr lang="en-US" dirty="0" smtClean="0">
+                <a:latin typeface="Times New Roman" charset="0"/>
+                <a:ea typeface="Times New Roman" charset="0"/>
+                <a:cs typeface="Times New Roman" charset="0"/>
+              </a:rPr>
+              <a:t>Random Dynamics Noise</a:t>
+            </a:r>
+            <a:endParaRPr lang="en-US" dirty="0">
+              <a:latin typeface="Times New Roman" charset="0"/>
+              <a:ea typeface="Times New Roman" charset="0"/>
+              <a:cs typeface="Times New Roman" charset="0"/>
+            </a:endParaRPr>
+          </a:p>
+        </p:txBody>
+      </p:sp>
+      <p:sp>
+        <p:nvSpPr>
+          <p:cNvPr id="8" name="TextBox 7"/>
+          <p:cNvSpPr txBox="1"/>
+          <p:nvPr/>
+        </p:nvSpPr>
+        <p:spPr>
+          <a:xfrm>
+            <a:off x="5181211" y="1130597"/>
+            <a:ext cx="992451" cy="430887"/>
+          </a:xfrm>
+          <a:prstGeom prst="rect">
+            <a:avLst/>
+          </a:prstGeom>
+          <a:noFill/>
+        </p:spPr>
+        <p:txBody>
+          <a:bodyPr wrap="none" rtlCol="0">
+            <a:spAutoFit/>
+          </a:bodyPr>
+          <a:lstStyle/>
+          <a:p>
+            <a:pPr algn="ctr"/>
+            <a:r>
+              <a:rPr lang="en-US" sz="2200" dirty="0" smtClean="0">
+                <a:latin typeface="Times New Roman" charset="0"/>
+                <a:ea typeface="Times New Roman" charset="0"/>
+                <a:cs typeface="Times New Roman" charset="0"/>
+              </a:rPr>
+              <a:t>Walker</a:t>
+            </a:r>
+            <a:endParaRPr lang="en-US" sz="2200" dirty="0">
+              <a:latin typeface="Times New Roman" charset="0"/>
+              <a:ea typeface="Times New Roman" charset="0"/>
+              <a:cs typeface="Times New Roman" charset="0"/>
+            </a:endParaRPr>
+          </a:p>
+        </p:txBody>
+      </p:sp>
+      <p:pic>
+        <p:nvPicPr>
+          <p:cNvPr id="17" name="Picture 16"/>
+          <p:cNvPicPr>
+            <a:picLocks noChangeAspect="1"/>
+          </p:cNvPicPr>
+          <p:nvPr/>
+        </p:nvPicPr>
+        <p:blipFill rotWithShape="1">
+          <a:blip r:embed="rId2">
+            <a:extLst>
+              <a:ext uri="{28A0092B-C50C-407E-A947-70E740481C1C}">
+                <a14:useLocalDpi xmlns:a14="http://schemas.microsoft.com/office/drawing/2010/main" val="0"/>
+              </a:ext>
+            </a:extLst>
+          </a:blip>
+          <a:srcRect l="6139" t="10788" r="5364" b="20276"/>
+          <a:stretch/>
+        </p:blipFill>
+        <p:spPr>
+          <a:xfrm>
+            <a:off x="435570" y="1703029"/>
+            <a:ext cx="5178963" cy="3025708"/>
+          </a:xfrm>
+          <a:prstGeom prst="rect">
+            <a:avLst/>
+          </a:prstGeom>
+        </p:spPr>
+      </p:pic>
+      <p:pic>
+        <p:nvPicPr>
+          <p:cNvPr id="9" name="Picture 8"/>
+          <p:cNvPicPr>
+            <a:picLocks noChangeAspect="1"/>
+          </p:cNvPicPr>
+          <p:nvPr/>
+        </p:nvPicPr>
+        <p:blipFill rotWithShape="1">
+          <a:blip r:embed="rId3">
+            <a:extLst>
+              <a:ext uri="{28A0092B-C50C-407E-A947-70E740481C1C}">
+                <a14:useLocalDpi xmlns:a14="http://schemas.microsoft.com/office/drawing/2010/main" val="0"/>
+              </a:ext>
+            </a:extLst>
+          </a:blip>
+          <a:srcRect l="4568" t="10788" r="6342" b="20276"/>
+          <a:stretch/>
+        </p:blipFill>
+        <p:spPr>
+          <a:xfrm>
+            <a:off x="5727173" y="1703029"/>
+            <a:ext cx="5213685" cy="3025708"/>
+          </a:xfrm>
+          <a:prstGeom prst="rect">
+            <a:avLst/>
+          </a:prstGeom>
+        </p:spPr>
+      </p:pic>
+      <p:sp>
+        <p:nvSpPr>
+          <p:cNvPr id="16" name="TextBox 15"/>
+          <p:cNvSpPr txBox="1"/>
+          <p:nvPr/>
+        </p:nvSpPr>
+        <p:spPr>
+          <a:xfrm>
+            <a:off x="6141489" y="4118736"/>
+            <a:ext cx="425117" cy="338554"/>
+          </a:xfrm>
+          <a:prstGeom prst="rect">
+            <a:avLst/>
+          </a:prstGeom>
+          <a:noFill/>
+        </p:spPr>
+        <p:txBody>
+          <a:bodyPr wrap="none" rtlCol="0">
+            <a:spAutoFit/>
+          </a:bodyPr>
+          <a:lstStyle/>
+          <a:p>
+            <a:pPr algn="ctr"/>
+            <a:r>
+              <a:rPr lang="en-US" sz="1600" smtClean="0">
+                <a:latin typeface="Times New Roman" charset="0"/>
+                <a:ea typeface="Times New Roman" charset="0"/>
+                <a:cs typeface="Times New Roman" charset="0"/>
+              </a:rPr>
+              <a:t>(b)</a:t>
+            </a:r>
+            <a:endParaRPr lang="en-US" sz="1600" dirty="0">
+              <a:latin typeface="Times New Roman" charset="0"/>
+              <a:ea typeface="Times New Roman" charset="0"/>
+              <a:cs typeface="Times New Roman" charset="0"/>
+            </a:endParaRPr>
+          </a:p>
+        </p:txBody>
+      </p:sp>
+      <p:sp>
+        <p:nvSpPr>
+          <p:cNvPr id="15" name="TextBox 14"/>
+          <p:cNvSpPr txBox="1"/>
+          <p:nvPr/>
+        </p:nvSpPr>
+        <p:spPr>
+          <a:xfrm>
+            <a:off x="842558" y="4118736"/>
+            <a:ext cx="413896" cy="338554"/>
+          </a:xfrm>
+          <a:prstGeom prst="rect">
+            <a:avLst/>
+          </a:prstGeom>
+          <a:noFill/>
+        </p:spPr>
+        <p:txBody>
+          <a:bodyPr wrap="none" rtlCol="0">
+            <a:spAutoFit/>
+          </a:bodyPr>
+          <a:lstStyle/>
+          <a:p>
+            <a:pPr algn="ctr"/>
+            <a:r>
+              <a:rPr lang="en-US" sz="1600" smtClean="0">
+                <a:latin typeface="Times New Roman" charset="0"/>
+                <a:ea typeface="Times New Roman" charset="0"/>
+                <a:cs typeface="Times New Roman" charset="0"/>
+              </a:rPr>
+              <a:t>(a)</a:t>
+            </a:r>
+            <a:endParaRPr lang="en-US" sz="1600" dirty="0">
+              <a:latin typeface="Times New Roman" charset="0"/>
+              <a:ea typeface="Times New Roman" charset="0"/>
+              <a:cs typeface="Times New Roman" charset="0"/>
+            </a:endParaRPr>
+          </a:p>
+        </p:txBody>
+      </p:sp>
+      <p:sp>
+        <p:nvSpPr>
+          <p:cNvPr id="13" name="TextBox 12"/>
+          <p:cNvSpPr txBox="1"/>
+          <p:nvPr/>
+        </p:nvSpPr>
+        <p:spPr>
+          <a:xfrm rot="16200000">
+            <a:off x="4011758" y="3046606"/>
+            <a:ext cx="3245633" cy="338554"/>
+          </a:xfrm>
+          <a:prstGeom prst="rect">
+            <a:avLst/>
+          </a:prstGeom>
+          <a:solidFill>
+            <a:schemeClr val="bg1"/>
+          </a:solidFill>
+        </p:spPr>
+        <p:txBody>
+          <a:bodyPr wrap="none" rtlCol="0">
+            <a:spAutoFit/>
+          </a:bodyPr>
+          <a:lstStyle/>
+          <a:p>
+            <a:pPr algn="ctr"/>
+            <a:r>
+              <a:rPr lang="en-US" sz="1600" dirty="0" smtClean="0">
+                <a:latin typeface="Times New Roman" charset="0"/>
+                <a:ea typeface="Times New Roman" charset="0"/>
+                <a:cs typeface="Times New Roman" charset="0"/>
+              </a:rPr>
+              <a:t>Avg. Performance Over 100 Rollouts</a:t>
+            </a:r>
+            <a:endParaRPr lang="en-US" sz="1600" dirty="0">
+              <a:latin typeface="Times New Roman" charset="0"/>
+              <a:ea typeface="Times New Roman" charset="0"/>
+              <a:cs typeface="Times New Roman" charset="0"/>
+            </a:endParaRPr>
+          </a:p>
+        </p:txBody>
+      </p:sp>
+      <p:sp>
+        <p:nvSpPr>
+          <p:cNvPr id="14" name="TextBox 13"/>
+          <p:cNvSpPr txBox="1"/>
+          <p:nvPr/>
+        </p:nvSpPr>
+        <p:spPr>
+          <a:xfrm rot="16200000">
+            <a:off x="-1317828" y="3046606"/>
+            <a:ext cx="3245633" cy="338554"/>
+          </a:xfrm>
+          <a:prstGeom prst="rect">
+            <a:avLst/>
+          </a:prstGeom>
+          <a:solidFill>
+            <a:schemeClr val="bg1"/>
+          </a:solidFill>
+        </p:spPr>
+        <p:txBody>
+          <a:bodyPr wrap="none" rtlCol="0">
+            <a:spAutoFit/>
+          </a:bodyPr>
+          <a:lstStyle/>
+          <a:p>
+            <a:pPr algn="ctr"/>
+            <a:r>
+              <a:rPr lang="en-US" sz="1600" dirty="0" smtClean="0">
+                <a:latin typeface="Times New Roman" charset="0"/>
+                <a:ea typeface="Times New Roman" charset="0"/>
+                <a:cs typeface="Times New Roman" charset="0"/>
+              </a:rPr>
+              <a:t>Avg. Performance Over 100 Rollouts</a:t>
+            </a:r>
+            <a:endParaRPr lang="en-US" sz="1600" dirty="0">
+              <a:latin typeface="Times New Roman" charset="0"/>
+              <a:ea typeface="Times New Roman" charset="0"/>
+              <a:cs typeface="Times New Roman" charset="0"/>
+            </a:endParaRPr>
+          </a:p>
+        </p:txBody>
+      </p:sp>
+      <mc:AlternateContent xmlns:mc="http://schemas.openxmlformats.org/markup-compatibility/2006" xmlns:a14="http://schemas.microsoft.com/office/drawing/2010/main">
+        <mc:Choice Requires="a14">
           <p:sp>
             <p:nvSpPr>
               <p:cNvPr id="12" name="TextBox 11"/>
@@ -5328,7 +8841,7 @@
             </p:txBody>
           </p:sp>
         </mc:Choice>
-        <mc:Fallback>
+        <mc:Fallback xmlns="">
           <p:sp>
             <p:nvSpPr>
               <p:cNvPr id="12" name="TextBox 11"/>
@@ -5367,660 +8880,8 @@
           </p:sp>
         </mc:Fallback>
       </mc:AlternateContent>
-      <p:sp>
-        <p:nvSpPr>
-          <p:cNvPr id="13" name="TextBox 12"/>
-          <p:cNvSpPr txBox="1"/>
-          <p:nvPr/>
-        </p:nvSpPr>
-        <p:spPr>
-          <a:xfrm rot="16200000">
-            <a:off x="4011758" y="3046606"/>
-            <a:ext cx="3245633" cy="338554"/>
-          </a:xfrm>
-          <a:prstGeom prst="rect">
-            <a:avLst/>
-          </a:prstGeom>
-          <a:solidFill>
-            <a:schemeClr val="bg1"/>
-          </a:solidFill>
-        </p:spPr>
-        <p:txBody>
-          <a:bodyPr wrap="none" rtlCol="0">
-            <a:spAutoFit/>
-          </a:bodyPr>
-          <a:lstStyle/>
-          <a:p>
-            <a:pPr algn="ctr"/>
-            <a:r>
-              <a:rPr lang="en-US" sz="1600" dirty="0" smtClean="0">
-                <a:latin typeface="Times New Roman" charset="0"/>
-                <a:ea typeface="Times New Roman" charset="0"/>
-                <a:cs typeface="Times New Roman" charset="0"/>
-              </a:rPr>
-              <a:t>Avg. Performance Over 100 Rollouts</a:t>
-            </a:r>
-            <a:endParaRPr lang="en-US" sz="1600" dirty="0">
-              <a:latin typeface="Times New Roman" charset="0"/>
-              <a:ea typeface="Times New Roman" charset="0"/>
-              <a:cs typeface="Times New Roman" charset="0"/>
-            </a:endParaRPr>
-          </a:p>
-        </p:txBody>
-      </p:sp>
-      <p:sp>
-        <p:nvSpPr>
-          <p:cNvPr id="14" name="TextBox 13"/>
-          <p:cNvSpPr txBox="1"/>
-          <p:nvPr/>
-        </p:nvSpPr>
-        <p:spPr>
-          <a:xfrm rot="16200000">
-            <a:off x="-1317828" y="3046606"/>
-            <a:ext cx="3245633" cy="338554"/>
-          </a:xfrm>
-          <a:prstGeom prst="rect">
-            <a:avLst/>
-          </a:prstGeom>
-          <a:solidFill>
-            <a:schemeClr val="bg1"/>
-          </a:solidFill>
-        </p:spPr>
-        <p:txBody>
-          <a:bodyPr wrap="none" rtlCol="0">
-            <a:spAutoFit/>
-          </a:bodyPr>
-          <a:lstStyle/>
-          <a:p>
-            <a:pPr algn="ctr"/>
-            <a:r>
-              <a:rPr lang="en-US" sz="1600" dirty="0" smtClean="0">
-                <a:latin typeface="Times New Roman" charset="0"/>
-                <a:ea typeface="Times New Roman" charset="0"/>
-                <a:cs typeface="Times New Roman" charset="0"/>
-              </a:rPr>
-              <a:t>Avg. Performance Over 100 Rollouts</a:t>
-            </a:r>
-            <a:endParaRPr lang="en-US" sz="1600" dirty="0">
-              <a:latin typeface="Times New Roman" charset="0"/>
-              <a:ea typeface="Times New Roman" charset="0"/>
-              <a:cs typeface="Times New Roman" charset="0"/>
-            </a:endParaRPr>
-          </a:p>
-        </p:txBody>
-      </p:sp>
-      <p:sp>
-        <p:nvSpPr>
-          <p:cNvPr id="15" name="TextBox 14"/>
-          <p:cNvSpPr txBox="1"/>
-          <p:nvPr/>
-        </p:nvSpPr>
-        <p:spPr>
-          <a:xfrm>
-            <a:off x="842558" y="4118736"/>
-            <a:ext cx="413896" cy="338554"/>
-          </a:xfrm>
-          <a:prstGeom prst="rect">
-            <a:avLst/>
-          </a:prstGeom>
-          <a:noFill/>
-        </p:spPr>
-        <p:txBody>
-          <a:bodyPr wrap="none" rtlCol="0">
-            <a:spAutoFit/>
-          </a:bodyPr>
-          <a:lstStyle/>
-          <a:p>
-            <a:pPr algn="ctr"/>
-            <a:r>
-              <a:rPr lang="en-US" sz="1600" smtClean="0">
-                <a:latin typeface="Times New Roman" charset="0"/>
-                <a:ea typeface="Times New Roman" charset="0"/>
-                <a:cs typeface="Times New Roman" charset="0"/>
-              </a:rPr>
-              <a:t>(a)</a:t>
-            </a:r>
-            <a:endParaRPr lang="en-US" sz="1600" dirty="0">
-              <a:latin typeface="Times New Roman" charset="0"/>
-              <a:ea typeface="Times New Roman" charset="0"/>
-              <a:cs typeface="Times New Roman" charset="0"/>
-            </a:endParaRPr>
-          </a:p>
-        </p:txBody>
-      </p:sp>
-      <p:sp>
-        <p:nvSpPr>
-          <p:cNvPr id="16" name="TextBox 15"/>
-          <p:cNvSpPr txBox="1"/>
-          <p:nvPr/>
-        </p:nvSpPr>
-        <p:spPr>
-          <a:xfrm>
-            <a:off x="6141489" y="4118736"/>
-            <a:ext cx="425117" cy="338554"/>
-          </a:xfrm>
-          <a:prstGeom prst="rect">
-            <a:avLst/>
-          </a:prstGeom>
-          <a:noFill/>
-        </p:spPr>
-        <p:txBody>
-          <a:bodyPr wrap="none" rtlCol="0">
-            <a:spAutoFit/>
-          </a:bodyPr>
-          <a:lstStyle/>
-          <a:p>
-            <a:pPr algn="ctr"/>
-            <a:r>
-              <a:rPr lang="en-US" sz="1600" smtClean="0">
-                <a:latin typeface="Times New Roman" charset="0"/>
-                <a:ea typeface="Times New Roman" charset="0"/>
-                <a:cs typeface="Times New Roman" charset="0"/>
-              </a:rPr>
-              <a:t>(b)</a:t>
-            </a:r>
-            <a:endParaRPr lang="en-US" sz="1600" dirty="0">
-              <a:latin typeface="Times New Roman" charset="0"/>
-              <a:ea typeface="Times New Roman" charset="0"/>
-              <a:cs typeface="Times New Roman" charset="0"/>
-            </a:endParaRPr>
-          </a:p>
-        </p:txBody>
-      </p:sp>
-    </p:spTree>
-    <p:extLst>
-      <p:ext uri="{BB962C8B-B14F-4D97-AF65-F5344CB8AC3E}">
-        <p14:creationId xmlns:p14="http://schemas.microsoft.com/office/powerpoint/2010/main" val="1233805520"/>
-      </p:ext>
-    </p:extLst>
-  </p:cSld>
-  <p:clrMapOvr>
-    <a:masterClrMapping/>
-  </p:clrMapOvr>
-</p:sld>
-</file>
-
-<file path=ppt/slides/slide6.xml><?xml version="1.0" encoding="utf-8"?>
-<p:sld xmlns:a="http://schemas.openxmlformats.org/drawingml/2006/main" xmlns:r="http://schemas.openxmlformats.org/officeDocument/2006/relationships" xmlns:p="http://schemas.openxmlformats.org/presentationml/2006/main">
-  <p:cSld>
-    <p:spTree>
-      <p:nvGrpSpPr>
-        <p:cNvPr id="1" name=""/>
-        <p:cNvGrpSpPr/>
-        <p:nvPr/>
-      </p:nvGrpSpPr>
-      <p:grpSpPr>
-        <a:xfrm>
-          <a:off x="0" y="0"/>
-          <a:ext cx="0" cy="0"/>
-          <a:chOff x="0" y="0"/>
-          <a:chExt cx="0" cy="0"/>
-        </a:xfrm>
-      </p:grpSpPr>
-      <p:sp>
-        <p:nvSpPr>
-          <p:cNvPr id="10" name="Rectangle 9"/>
-          <p:cNvSpPr/>
-          <p:nvPr/>
-        </p:nvSpPr>
-        <p:spPr>
-          <a:xfrm>
-            <a:off x="104309" y="1124262"/>
-            <a:ext cx="13387895" cy="3927423"/>
-          </a:xfrm>
-          <a:prstGeom prst="rect">
-            <a:avLst/>
-          </a:prstGeom>
-          <a:solidFill>
-            <a:schemeClr val="bg1"/>
-          </a:solidFill>
-          <a:ln>
-            <a:noFill/>
-          </a:ln>
-        </p:spPr>
-        <p:style>
-          <a:lnRef idx="2">
-            <a:schemeClr val="accent1">
-              <a:shade val="50000"/>
-            </a:schemeClr>
-          </a:lnRef>
-          <a:fillRef idx="1">
-            <a:schemeClr val="accent1"/>
-          </a:fillRef>
-          <a:effectRef idx="0">
-            <a:schemeClr val="accent1"/>
-          </a:effectRef>
-          <a:fontRef idx="minor">
-            <a:schemeClr val="lt1"/>
-          </a:fontRef>
-        </p:style>
-        <p:txBody>
-          <a:bodyPr rtlCol="0" anchor="ctr"/>
-          <a:lstStyle/>
-          <a:p>
-            <a:pPr algn="ctr"/>
-            <a:endParaRPr lang="en-US"/>
-          </a:p>
-        </p:txBody>
-      </p:sp>
-      <p:sp>
-        <p:nvSpPr>
-          <p:cNvPr id="6" name="TextBox 5"/>
-          <p:cNvSpPr txBox="1"/>
-          <p:nvPr/>
-        </p:nvSpPr>
-        <p:spPr>
-          <a:xfrm>
-            <a:off x="1604359" y="1393482"/>
-            <a:ext cx="2852064" cy="369332"/>
-          </a:xfrm>
-          <a:prstGeom prst="rect">
-            <a:avLst/>
-          </a:prstGeom>
-          <a:noFill/>
-        </p:spPr>
-        <p:txBody>
-          <a:bodyPr wrap="none" rtlCol="0">
-            <a:spAutoFit/>
-          </a:bodyPr>
-          <a:lstStyle/>
-          <a:p>
-            <a:pPr algn="ctr"/>
-            <a:r>
-              <a:rPr lang="en-US" dirty="0" smtClean="0">
-                <a:latin typeface="Times New Roman" charset="0"/>
-                <a:ea typeface="Times New Roman" charset="0"/>
-                <a:cs typeface="Times New Roman" charset="0"/>
-              </a:rPr>
-              <a:t>Adversarial Dynamics Noise</a:t>
-            </a:r>
-            <a:endParaRPr lang="en-US" dirty="0">
-              <a:latin typeface="Times New Roman" charset="0"/>
-              <a:ea typeface="Times New Roman" charset="0"/>
-              <a:cs typeface="Times New Roman" charset="0"/>
-            </a:endParaRPr>
-          </a:p>
-        </p:txBody>
-      </p:sp>
-      <p:sp>
-        <p:nvSpPr>
-          <p:cNvPr id="8" name="TextBox 7"/>
-          <p:cNvSpPr txBox="1"/>
-          <p:nvPr/>
-        </p:nvSpPr>
-        <p:spPr>
-          <a:xfrm>
-            <a:off x="4507084" y="1130597"/>
-            <a:ext cx="2340705" cy="430887"/>
-          </a:xfrm>
-          <a:prstGeom prst="rect">
-            <a:avLst/>
-          </a:prstGeom>
-          <a:noFill/>
-        </p:spPr>
-        <p:txBody>
-          <a:bodyPr wrap="none" rtlCol="0">
-            <a:spAutoFit/>
-          </a:bodyPr>
-          <a:lstStyle/>
-          <a:p>
-            <a:pPr algn="ctr"/>
-            <a:r>
-              <a:rPr lang="en-US" sz="2200" dirty="0" smtClean="0">
-                <a:latin typeface="Times New Roman" charset="0"/>
-                <a:ea typeface="Times New Roman" charset="0"/>
-                <a:cs typeface="Times New Roman" charset="0"/>
-              </a:rPr>
-              <a:t>Inverted Pendulum</a:t>
-            </a:r>
-            <a:endParaRPr lang="en-US" sz="2200" dirty="0">
-              <a:latin typeface="Times New Roman" charset="0"/>
-              <a:ea typeface="Times New Roman" charset="0"/>
-              <a:cs typeface="Times New Roman" charset="0"/>
-            </a:endParaRPr>
-          </a:p>
-        </p:txBody>
-      </p:sp>
-      <mc:AlternateContent xmlns:mc="http://schemas.openxmlformats.org/markup-compatibility/2006">
-        <mc:Choice xmlns:a14="http://schemas.microsoft.com/office/drawing/2010/main" Requires="a14">
-          <p:sp>
-            <p:nvSpPr>
-              <p:cNvPr id="12" name="TextBox 11"/>
-              <p:cNvSpPr txBox="1"/>
-              <p:nvPr/>
-            </p:nvSpPr>
-            <p:spPr>
-              <a:xfrm>
-                <a:off x="1803323" y="4634985"/>
-                <a:ext cx="2454133" cy="338554"/>
-              </a:xfrm>
-              <a:prstGeom prst="rect">
-                <a:avLst/>
-              </a:prstGeom>
-              <a:noFill/>
-            </p:spPr>
-            <p:txBody>
-              <a:bodyPr wrap="none" rtlCol="0">
-                <a:spAutoFit/>
-              </a:bodyPr>
-              <a:lstStyle/>
-              <a:p>
-                <a:pPr algn="ctr"/>
-                <a:r>
-                  <a:rPr lang="en-US" sz="1600" dirty="0" smtClean="0">
-                    <a:latin typeface="Times New Roman" charset="0"/>
-                    <a:ea typeface="Times New Roman" charset="0"/>
-                    <a:cs typeface="Times New Roman" charset="0"/>
-                  </a:rPr>
-                  <a:t>Perturbation Frequency (</a:t>
-                </a:r>
-                <a14:m>
-                  <m:oMath xmlns:m="http://schemas.openxmlformats.org/officeDocument/2006/math">
-                    <m:r>
-                      <a:rPr lang="en-US" sz="1600" b="0" i="1" smtClean="0">
-                        <a:latin typeface="Cambria Math" charset="0"/>
-                        <a:ea typeface="Times New Roman" charset="0"/>
-                        <a:cs typeface="Times New Roman" charset="0"/>
-                      </a:rPr>
-                      <m:t>𝜙</m:t>
-                    </m:r>
-                  </m:oMath>
-                </a14:m>
-                <a:r>
-                  <a:rPr lang="en-US" sz="1600" dirty="0" smtClean="0">
-                    <a:latin typeface="Times New Roman" charset="0"/>
-                    <a:ea typeface="Times New Roman" charset="0"/>
-                    <a:cs typeface="Times New Roman" charset="0"/>
-                  </a:rPr>
-                  <a:t>)</a:t>
-                </a:r>
-                <a:endParaRPr lang="en-US" sz="1600" dirty="0">
-                  <a:latin typeface="Times New Roman" charset="0"/>
-                  <a:ea typeface="Times New Roman" charset="0"/>
-                  <a:cs typeface="Times New Roman" charset="0"/>
-                </a:endParaRPr>
-              </a:p>
-            </p:txBody>
-          </p:sp>
-        </mc:Choice>
-        <mc:Fallback>
-          <p:sp>
-            <p:nvSpPr>
-              <p:cNvPr id="12" name="TextBox 11"/>
-              <p:cNvSpPr txBox="1">
-                <a:spLocks noRot="1" noChangeAspect="1" noMove="1" noResize="1" noEditPoints="1" noAdjustHandles="1" noChangeArrowheads="1" noChangeShapeType="1" noTextEdit="1"/>
-              </p:cNvSpPr>
-              <p:nvPr/>
-            </p:nvSpPr>
-            <p:spPr>
-              <a:xfrm>
-                <a:off x="1803323" y="4634985"/>
-                <a:ext cx="2454133" cy="338554"/>
-              </a:xfrm>
-              <a:prstGeom prst="rect">
-                <a:avLst/>
-              </a:prstGeom>
-              <a:blipFill rotWithShape="0">
-                <a:blip r:embed="rId2"/>
-                <a:stretch>
-                  <a:fillRect l="-995" t="-5357" r="-746" b="-21429"/>
-                </a:stretch>
-              </a:blipFill>
-            </p:spPr>
-            <p:txBody>
-              <a:bodyPr/>
-              <a:lstStyle/>
-              <a:p>
-                <a:r>
-                  <a:rPr lang="en-US">
-                    <a:noFill/>
-                  </a:rPr>
-                  <a:t> </a:t>
-                </a:r>
-              </a:p>
-            </p:txBody>
-          </p:sp>
-        </mc:Fallback>
-      </mc:AlternateContent>
-      <p:sp>
-        <p:nvSpPr>
-          <p:cNvPr id="13" name="TextBox 12"/>
-          <p:cNvSpPr txBox="1"/>
-          <p:nvPr/>
-        </p:nvSpPr>
-        <p:spPr>
-          <a:xfrm rot="16200000">
-            <a:off x="4011758" y="3046606"/>
-            <a:ext cx="3245633" cy="338554"/>
-          </a:xfrm>
-          <a:prstGeom prst="rect">
-            <a:avLst/>
-          </a:prstGeom>
-          <a:solidFill>
-            <a:schemeClr val="bg1"/>
-          </a:solidFill>
-        </p:spPr>
-        <p:txBody>
-          <a:bodyPr wrap="none" rtlCol="0">
-            <a:spAutoFit/>
-          </a:bodyPr>
-          <a:lstStyle/>
-          <a:p>
-            <a:pPr algn="ctr"/>
-            <a:r>
-              <a:rPr lang="en-US" sz="1600" dirty="0" smtClean="0">
-                <a:latin typeface="Times New Roman" charset="0"/>
-                <a:ea typeface="Times New Roman" charset="0"/>
-                <a:cs typeface="Times New Roman" charset="0"/>
-              </a:rPr>
-              <a:t>Avg. Performance Over 100 Rollouts</a:t>
-            </a:r>
-            <a:endParaRPr lang="en-US" sz="1600" dirty="0">
-              <a:latin typeface="Times New Roman" charset="0"/>
-              <a:ea typeface="Times New Roman" charset="0"/>
-              <a:cs typeface="Times New Roman" charset="0"/>
-            </a:endParaRPr>
-          </a:p>
-        </p:txBody>
-      </p:sp>
-      <p:pic>
-        <p:nvPicPr>
-          <p:cNvPr id="15" name="Picture 14"/>
-          <p:cNvPicPr>
-            <a:picLocks noChangeAspect="1"/>
-          </p:cNvPicPr>
-          <p:nvPr/>
-        </p:nvPicPr>
-        <p:blipFill rotWithShape="1">
-          <a:blip r:embed="rId3">
-            <a:extLst>
-              <a:ext uri="{28A0092B-C50C-407E-A947-70E740481C1C}">
-                <a14:useLocalDpi xmlns:a14="http://schemas.microsoft.com/office/drawing/2010/main" val="0"/>
-              </a:ext>
-            </a:extLst>
-          </a:blip>
-          <a:srcRect t="10822" r="8380" b="19734"/>
-          <a:stretch/>
-        </p:blipFill>
-        <p:spPr>
-          <a:xfrm>
-            <a:off x="180425" y="1674899"/>
-            <a:ext cx="5361760" cy="3048001"/>
-          </a:xfrm>
-          <a:prstGeom prst="rect">
-            <a:avLst/>
-          </a:prstGeom>
-        </p:spPr>
-      </p:pic>
-      <p:sp>
-        <p:nvSpPr>
-          <p:cNvPr id="14" name="TextBox 13"/>
-          <p:cNvSpPr txBox="1"/>
-          <p:nvPr/>
-        </p:nvSpPr>
-        <p:spPr>
-          <a:xfrm rot="16200000">
-            <a:off x="-1317828" y="3046606"/>
-            <a:ext cx="3245633" cy="338554"/>
-          </a:xfrm>
-          <a:prstGeom prst="rect">
-            <a:avLst/>
-          </a:prstGeom>
-          <a:solidFill>
-            <a:schemeClr val="bg1"/>
-          </a:solidFill>
-        </p:spPr>
-        <p:txBody>
-          <a:bodyPr wrap="none" rtlCol="0">
-            <a:spAutoFit/>
-          </a:bodyPr>
-          <a:lstStyle/>
-          <a:p>
-            <a:pPr algn="ctr"/>
-            <a:r>
-              <a:rPr lang="en-US" sz="1600" dirty="0" smtClean="0">
-                <a:latin typeface="Times New Roman" charset="0"/>
-                <a:ea typeface="Times New Roman" charset="0"/>
-                <a:cs typeface="Times New Roman" charset="0"/>
-              </a:rPr>
-              <a:t>Avg. Performance Over 100 Rollouts</a:t>
-            </a:r>
-            <a:endParaRPr lang="en-US" sz="1600" dirty="0">
-              <a:latin typeface="Times New Roman" charset="0"/>
-              <a:ea typeface="Times New Roman" charset="0"/>
-              <a:cs typeface="Times New Roman" charset="0"/>
-            </a:endParaRPr>
-          </a:p>
-        </p:txBody>
-      </p:sp>
-      <p:pic>
-        <p:nvPicPr>
-          <p:cNvPr id="9" name="Picture 8"/>
-          <p:cNvPicPr>
-            <a:picLocks noChangeAspect="1"/>
-          </p:cNvPicPr>
-          <p:nvPr/>
-        </p:nvPicPr>
-        <p:blipFill rotWithShape="1">
-          <a:blip r:embed="rId4">
-            <a:extLst>
-              <a:ext uri="{28A0092B-C50C-407E-A947-70E740481C1C}">
-                <a14:useLocalDpi xmlns:a14="http://schemas.microsoft.com/office/drawing/2010/main" val="0"/>
-              </a:ext>
-            </a:extLst>
-          </a:blip>
-          <a:srcRect l="6160" t="10127" r="6600" b="19160"/>
-          <a:stretch/>
-        </p:blipFill>
-        <p:spPr>
-          <a:xfrm>
-            <a:off x="5784802" y="1647076"/>
-            <a:ext cx="5105400" cy="3103646"/>
-          </a:xfrm>
-          <a:prstGeom prst="rect">
-            <a:avLst/>
-          </a:prstGeom>
-        </p:spPr>
-      </p:pic>
-      <p:sp>
-        <p:nvSpPr>
-          <p:cNvPr id="7" name="TextBox 6"/>
-          <p:cNvSpPr txBox="1"/>
-          <p:nvPr/>
-        </p:nvSpPr>
-        <p:spPr>
-          <a:xfrm>
-            <a:off x="7055465" y="1393482"/>
-            <a:ext cx="2557110" cy="369332"/>
-          </a:xfrm>
-          <a:prstGeom prst="rect">
-            <a:avLst/>
-          </a:prstGeom>
-          <a:noFill/>
-        </p:spPr>
-        <p:txBody>
-          <a:bodyPr wrap="none" rtlCol="0">
-            <a:spAutoFit/>
-          </a:bodyPr>
-          <a:lstStyle/>
-          <a:p>
-            <a:pPr algn="ctr"/>
-            <a:r>
-              <a:rPr lang="en-US" dirty="0" smtClean="0">
-                <a:latin typeface="Times New Roman" charset="0"/>
-                <a:ea typeface="Times New Roman" charset="0"/>
-                <a:cs typeface="Times New Roman" charset="0"/>
-              </a:rPr>
-              <a:t>Random Dynamics Noise</a:t>
-            </a:r>
-            <a:endParaRPr lang="en-US" dirty="0">
-              <a:latin typeface="Times New Roman" charset="0"/>
-              <a:ea typeface="Times New Roman" charset="0"/>
-              <a:cs typeface="Times New Roman" charset="0"/>
-            </a:endParaRPr>
-          </a:p>
-        </p:txBody>
-      </p:sp>
-      <p:pic>
-        <p:nvPicPr>
-          <p:cNvPr id="5" name="Picture 4"/>
-          <p:cNvPicPr>
-            <a:picLocks noChangeAspect="1"/>
-          </p:cNvPicPr>
-          <p:nvPr/>
-        </p:nvPicPr>
-        <p:blipFill rotWithShape="1">
-          <a:blip r:embed="rId5">
-            <a:extLst>
-              <a:ext uri="{28A0092B-C50C-407E-A947-70E740481C1C}">
-                <a14:useLocalDpi xmlns:a14="http://schemas.microsoft.com/office/drawing/2010/main" val="0"/>
-              </a:ext>
-            </a:extLst>
-          </a:blip>
-          <a:srcRect l="52322" t="83770" r="11702"/>
-          <a:stretch/>
-        </p:blipFill>
-        <p:spPr>
-          <a:xfrm>
-            <a:off x="10689900" y="2870097"/>
-            <a:ext cx="2802304" cy="948130"/>
-          </a:xfrm>
-          <a:prstGeom prst="rect">
-            <a:avLst/>
-          </a:prstGeom>
-        </p:spPr>
-      </p:pic>
-      <p:pic>
-        <p:nvPicPr>
-          <p:cNvPr id="4" name="Picture 3"/>
-          <p:cNvPicPr>
-            <a:picLocks noChangeAspect="1"/>
-          </p:cNvPicPr>
-          <p:nvPr/>
-        </p:nvPicPr>
-        <p:blipFill rotWithShape="1">
-          <a:blip r:embed="rId5">
-            <a:extLst>
-              <a:ext uri="{28A0092B-C50C-407E-A947-70E740481C1C}">
-                <a14:useLocalDpi xmlns:a14="http://schemas.microsoft.com/office/drawing/2010/main" val="0"/>
-              </a:ext>
-            </a:extLst>
-          </a:blip>
-          <a:srcRect l="14923" t="83770" r="49099"/>
-          <a:stretch/>
-        </p:blipFill>
-        <p:spPr>
-          <a:xfrm>
-            <a:off x="10670850" y="2070360"/>
-            <a:ext cx="2802304" cy="948130"/>
-          </a:xfrm>
-          <a:prstGeom prst="rect">
-            <a:avLst/>
-          </a:prstGeom>
-        </p:spPr>
-      </p:pic>
-      <mc:AlternateContent xmlns:mc="http://schemas.openxmlformats.org/markup-compatibility/2006">
-        <mc:Choice xmlns:a14="http://schemas.microsoft.com/office/drawing/2010/main" Requires="a14">
+      <mc:AlternateContent xmlns:mc="http://schemas.openxmlformats.org/markup-compatibility/2006" xmlns:a14="http://schemas.microsoft.com/office/drawing/2010/main">
+        <mc:Choice Requires="a14">
           <p:sp>
             <p:nvSpPr>
               <p:cNvPr id="11" name="TextBox 10"/>
@@ -6081,698 +8942,7 @@
             </p:txBody>
           </p:sp>
         </mc:Choice>
-        <mc:Fallback>
-          <p:sp>
-            <p:nvSpPr>
-              <p:cNvPr id="11" name="TextBox 10"/>
-              <p:cNvSpPr txBox="1">
-                <a:spLocks noRot="1" noChangeAspect="1" noMove="1" noResize="1" noEditPoints="1" noAdjustHandles="1" noChangeArrowheads="1" noChangeShapeType="1" noTextEdit="1"/>
-              </p:cNvSpPr>
-              <p:nvPr/>
-            </p:nvSpPr>
-            <p:spPr>
-              <a:xfrm>
-                <a:off x="7106950" y="4634985"/>
-                <a:ext cx="2454133" cy="338554"/>
-              </a:xfrm>
-              <a:prstGeom prst="rect">
-                <a:avLst/>
-              </a:prstGeom>
-              <a:blipFill rotWithShape="0">
-                <a:blip r:embed="rId2"/>
-                <a:stretch>
-                  <a:fillRect l="-995" t="-5357" r="-746" b="-21429"/>
-                </a:stretch>
-              </a:blipFill>
-            </p:spPr>
-            <p:txBody>
-              <a:bodyPr/>
-              <a:lstStyle/>
-              <a:p>
-                <a:r>
-                  <a:rPr lang="en-US">
-                    <a:noFill/>
-                  </a:rPr>
-                  <a:t> </a:t>
-                </a:r>
-              </a:p>
-            </p:txBody>
-          </p:sp>
-        </mc:Fallback>
-      </mc:AlternateContent>
-      <p:sp>
-        <p:nvSpPr>
-          <p:cNvPr id="16" name="TextBox 15"/>
-          <p:cNvSpPr txBox="1"/>
-          <p:nvPr/>
-        </p:nvSpPr>
-        <p:spPr>
-          <a:xfrm>
-            <a:off x="842558" y="4118736"/>
-            <a:ext cx="413896" cy="338554"/>
-          </a:xfrm>
-          <a:prstGeom prst="rect">
-            <a:avLst/>
-          </a:prstGeom>
-          <a:noFill/>
-        </p:spPr>
-        <p:txBody>
-          <a:bodyPr wrap="none" rtlCol="0">
-            <a:spAutoFit/>
-          </a:bodyPr>
-          <a:lstStyle/>
-          <a:p>
-            <a:pPr algn="ctr"/>
-            <a:r>
-              <a:rPr lang="en-US" sz="1600" smtClean="0">
-                <a:latin typeface="Times New Roman" charset="0"/>
-                <a:ea typeface="Times New Roman" charset="0"/>
-                <a:cs typeface="Times New Roman" charset="0"/>
-              </a:rPr>
-              <a:t>(a)</a:t>
-            </a:r>
-            <a:endParaRPr lang="en-US" sz="1600" dirty="0">
-              <a:latin typeface="Times New Roman" charset="0"/>
-              <a:ea typeface="Times New Roman" charset="0"/>
-              <a:cs typeface="Times New Roman" charset="0"/>
-            </a:endParaRPr>
-          </a:p>
-        </p:txBody>
-      </p:sp>
-      <p:sp>
-        <p:nvSpPr>
-          <p:cNvPr id="17" name="TextBox 16"/>
-          <p:cNvSpPr txBox="1"/>
-          <p:nvPr/>
-        </p:nvSpPr>
-        <p:spPr>
-          <a:xfrm>
-            <a:off x="6141489" y="4118736"/>
-            <a:ext cx="425117" cy="338554"/>
-          </a:xfrm>
-          <a:prstGeom prst="rect">
-            <a:avLst/>
-          </a:prstGeom>
-          <a:noFill/>
-        </p:spPr>
-        <p:txBody>
-          <a:bodyPr wrap="none" rtlCol="0">
-            <a:spAutoFit/>
-          </a:bodyPr>
-          <a:lstStyle/>
-          <a:p>
-            <a:pPr algn="ctr"/>
-            <a:r>
-              <a:rPr lang="en-US" sz="1600" smtClean="0">
-                <a:latin typeface="Times New Roman" charset="0"/>
-                <a:ea typeface="Times New Roman" charset="0"/>
-                <a:cs typeface="Times New Roman" charset="0"/>
-              </a:rPr>
-              <a:t>(b)</a:t>
-            </a:r>
-            <a:endParaRPr lang="en-US" sz="1600" dirty="0">
-              <a:latin typeface="Times New Roman" charset="0"/>
-              <a:ea typeface="Times New Roman" charset="0"/>
-              <a:cs typeface="Times New Roman" charset="0"/>
-            </a:endParaRPr>
-          </a:p>
-        </p:txBody>
-      </p:sp>
-    </p:spTree>
-    <p:extLst>
-      <p:ext uri="{BB962C8B-B14F-4D97-AF65-F5344CB8AC3E}">
-        <p14:creationId xmlns:p14="http://schemas.microsoft.com/office/powerpoint/2010/main" val="1212354482"/>
-      </p:ext>
-    </p:extLst>
-  </p:cSld>
-  <p:clrMapOvr>
-    <a:masterClrMapping/>
-  </p:clrMapOvr>
-</p:sld>
-</file>
-
-<file path=ppt/slides/slide7.xml><?xml version="1.0" encoding="utf-8"?>
-<p:sld xmlns:a="http://schemas.openxmlformats.org/drawingml/2006/main" xmlns:r="http://schemas.openxmlformats.org/officeDocument/2006/relationships" xmlns:p="http://schemas.openxmlformats.org/presentationml/2006/main">
-  <p:cSld>
-    <p:spTree>
-      <p:nvGrpSpPr>
-        <p:cNvPr id="1" name=""/>
-        <p:cNvGrpSpPr/>
-        <p:nvPr/>
-      </p:nvGrpSpPr>
-      <p:grpSpPr>
-        <a:xfrm>
-          <a:off x="0" y="0"/>
-          <a:ext cx="0" cy="0"/>
-          <a:chOff x="0" y="0"/>
-          <a:chExt cx="0" cy="0"/>
-        </a:xfrm>
-      </p:grpSpPr>
-      <p:sp>
-        <p:nvSpPr>
-          <p:cNvPr id="10" name="Rectangle 9"/>
-          <p:cNvSpPr/>
-          <p:nvPr/>
-        </p:nvSpPr>
-        <p:spPr>
-          <a:xfrm>
-            <a:off x="104309" y="1124262"/>
-            <a:ext cx="13433013" cy="3927423"/>
-          </a:xfrm>
-          <a:prstGeom prst="rect">
-            <a:avLst/>
-          </a:prstGeom>
-          <a:solidFill>
-            <a:schemeClr val="bg1"/>
-          </a:solidFill>
-          <a:ln>
-            <a:noFill/>
-          </a:ln>
-        </p:spPr>
-        <p:style>
-          <a:lnRef idx="2">
-            <a:schemeClr val="accent1">
-              <a:shade val="50000"/>
-            </a:schemeClr>
-          </a:lnRef>
-          <a:fillRef idx="1">
-            <a:schemeClr val="accent1"/>
-          </a:fillRef>
-          <a:effectRef idx="0">
-            <a:schemeClr val="accent1"/>
-          </a:effectRef>
-          <a:fontRef idx="minor">
-            <a:schemeClr val="lt1"/>
-          </a:fontRef>
-        </p:style>
-        <p:txBody>
-          <a:bodyPr rtlCol="0" anchor="ctr"/>
-          <a:lstStyle/>
-          <a:p>
-            <a:pPr algn="ctr"/>
-            <a:endParaRPr lang="en-US"/>
-          </a:p>
-        </p:txBody>
-      </p:sp>
-      <p:sp>
-        <p:nvSpPr>
-          <p:cNvPr id="6" name="TextBox 5"/>
-          <p:cNvSpPr txBox="1"/>
-          <p:nvPr/>
-        </p:nvSpPr>
-        <p:spPr>
-          <a:xfrm>
-            <a:off x="1604359" y="1393482"/>
-            <a:ext cx="2852064" cy="369332"/>
-          </a:xfrm>
-          <a:prstGeom prst="rect">
-            <a:avLst/>
-          </a:prstGeom>
-          <a:noFill/>
-        </p:spPr>
-        <p:txBody>
-          <a:bodyPr wrap="none" rtlCol="0">
-            <a:spAutoFit/>
-          </a:bodyPr>
-          <a:lstStyle/>
-          <a:p>
-            <a:pPr algn="ctr"/>
-            <a:r>
-              <a:rPr lang="en-US" dirty="0" smtClean="0">
-                <a:latin typeface="Times New Roman" charset="0"/>
-                <a:ea typeface="Times New Roman" charset="0"/>
-                <a:cs typeface="Times New Roman" charset="0"/>
-              </a:rPr>
-              <a:t>Adversarial Dynamics Noise</a:t>
-            </a:r>
-            <a:endParaRPr lang="en-US" dirty="0">
-              <a:latin typeface="Times New Roman" charset="0"/>
-              <a:ea typeface="Times New Roman" charset="0"/>
-              <a:cs typeface="Times New Roman" charset="0"/>
-            </a:endParaRPr>
-          </a:p>
-        </p:txBody>
-      </p:sp>
-      <p:sp>
-        <p:nvSpPr>
-          <p:cNvPr id="7" name="TextBox 6"/>
-          <p:cNvSpPr txBox="1"/>
-          <p:nvPr/>
-        </p:nvSpPr>
-        <p:spPr>
-          <a:xfrm>
-            <a:off x="7055464" y="1393482"/>
-            <a:ext cx="2557110" cy="369332"/>
-          </a:xfrm>
-          <a:prstGeom prst="rect">
-            <a:avLst/>
-          </a:prstGeom>
-          <a:noFill/>
-        </p:spPr>
-        <p:txBody>
-          <a:bodyPr wrap="none" rtlCol="0">
-            <a:spAutoFit/>
-          </a:bodyPr>
-          <a:lstStyle/>
-          <a:p>
-            <a:pPr algn="ctr"/>
-            <a:r>
-              <a:rPr lang="en-US" dirty="0" smtClean="0">
-                <a:latin typeface="Times New Roman" charset="0"/>
-                <a:ea typeface="Times New Roman" charset="0"/>
-                <a:cs typeface="Times New Roman" charset="0"/>
-              </a:rPr>
-              <a:t>Random Dynamics Noise</a:t>
-            </a:r>
-            <a:endParaRPr lang="en-US" dirty="0">
-              <a:latin typeface="Times New Roman" charset="0"/>
-              <a:ea typeface="Times New Roman" charset="0"/>
-              <a:cs typeface="Times New Roman" charset="0"/>
-            </a:endParaRPr>
-          </a:p>
-        </p:txBody>
-      </p:sp>
-      <p:sp>
-        <p:nvSpPr>
-          <p:cNvPr id="8" name="TextBox 7"/>
-          <p:cNvSpPr txBox="1"/>
-          <p:nvPr/>
-        </p:nvSpPr>
-        <p:spPr>
-          <a:xfrm>
-            <a:off x="5181211" y="1130597"/>
-            <a:ext cx="992451" cy="430887"/>
-          </a:xfrm>
-          <a:prstGeom prst="rect">
-            <a:avLst/>
-          </a:prstGeom>
-          <a:noFill/>
-        </p:spPr>
-        <p:txBody>
-          <a:bodyPr wrap="none" rtlCol="0">
-            <a:spAutoFit/>
-          </a:bodyPr>
-          <a:lstStyle/>
-          <a:p>
-            <a:pPr algn="ctr"/>
-            <a:r>
-              <a:rPr lang="en-US" sz="2200" dirty="0" smtClean="0">
-                <a:latin typeface="Times New Roman" charset="0"/>
-                <a:ea typeface="Times New Roman" charset="0"/>
-                <a:cs typeface="Times New Roman" charset="0"/>
-              </a:rPr>
-              <a:t>Walker</a:t>
-            </a:r>
-            <a:endParaRPr lang="en-US" sz="2200" dirty="0">
-              <a:latin typeface="Times New Roman" charset="0"/>
-              <a:ea typeface="Times New Roman" charset="0"/>
-              <a:cs typeface="Times New Roman" charset="0"/>
-            </a:endParaRPr>
-          </a:p>
-        </p:txBody>
-      </p:sp>
-      <p:pic>
-        <p:nvPicPr>
-          <p:cNvPr id="17" name="Picture 16"/>
-          <p:cNvPicPr>
-            <a:picLocks noChangeAspect="1"/>
-          </p:cNvPicPr>
-          <p:nvPr/>
-        </p:nvPicPr>
-        <p:blipFill rotWithShape="1">
-          <a:blip r:embed="rId2">
-            <a:extLst>
-              <a:ext uri="{28A0092B-C50C-407E-A947-70E740481C1C}">
-                <a14:useLocalDpi xmlns:a14="http://schemas.microsoft.com/office/drawing/2010/main" val="0"/>
-              </a:ext>
-            </a:extLst>
-          </a:blip>
-          <a:srcRect l="6139" t="10788" r="5364" b="20276"/>
-          <a:stretch/>
-        </p:blipFill>
-        <p:spPr>
-          <a:xfrm>
-            <a:off x="435570" y="1703029"/>
-            <a:ext cx="5178963" cy="3025708"/>
-          </a:xfrm>
-          <a:prstGeom prst="rect">
-            <a:avLst/>
-          </a:prstGeom>
-        </p:spPr>
-      </p:pic>
-      <p:pic>
-        <p:nvPicPr>
-          <p:cNvPr id="9" name="Picture 8"/>
-          <p:cNvPicPr>
-            <a:picLocks noChangeAspect="1"/>
-          </p:cNvPicPr>
-          <p:nvPr/>
-        </p:nvPicPr>
-        <p:blipFill rotWithShape="1">
-          <a:blip r:embed="rId3">
-            <a:extLst>
-              <a:ext uri="{28A0092B-C50C-407E-A947-70E740481C1C}">
-                <a14:useLocalDpi xmlns:a14="http://schemas.microsoft.com/office/drawing/2010/main" val="0"/>
-              </a:ext>
-            </a:extLst>
-          </a:blip>
-          <a:srcRect l="4568" t="10788" r="6342" b="20276"/>
-          <a:stretch/>
-        </p:blipFill>
-        <p:spPr>
-          <a:xfrm>
-            <a:off x="5727173" y="1703029"/>
-            <a:ext cx="5213685" cy="3025708"/>
-          </a:xfrm>
-          <a:prstGeom prst="rect">
-            <a:avLst/>
-          </a:prstGeom>
-        </p:spPr>
-      </p:pic>
-      <p:sp>
-        <p:nvSpPr>
-          <p:cNvPr id="16" name="TextBox 15"/>
-          <p:cNvSpPr txBox="1"/>
-          <p:nvPr/>
-        </p:nvSpPr>
-        <p:spPr>
-          <a:xfrm>
-            <a:off x="6141489" y="4118736"/>
-            <a:ext cx="425117" cy="338554"/>
-          </a:xfrm>
-          <a:prstGeom prst="rect">
-            <a:avLst/>
-          </a:prstGeom>
-          <a:noFill/>
-        </p:spPr>
-        <p:txBody>
-          <a:bodyPr wrap="none" rtlCol="0">
-            <a:spAutoFit/>
-          </a:bodyPr>
-          <a:lstStyle/>
-          <a:p>
-            <a:pPr algn="ctr"/>
-            <a:r>
-              <a:rPr lang="en-US" sz="1600" smtClean="0">
-                <a:latin typeface="Times New Roman" charset="0"/>
-                <a:ea typeface="Times New Roman" charset="0"/>
-                <a:cs typeface="Times New Roman" charset="0"/>
-              </a:rPr>
-              <a:t>(b)</a:t>
-            </a:r>
-            <a:endParaRPr lang="en-US" sz="1600" dirty="0">
-              <a:latin typeface="Times New Roman" charset="0"/>
-              <a:ea typeface="Times New Roman" charset="0"/>
-              <a:cs typeface="Times New Roman" charset="0"/>
-            </a:endParaRPr>
-          </a:p>
-        </p:txBody>
-      </p:sp>
-      <p:sp>
-        <p:nvSpPr>
-          <p:cNvPr id="15" name="TextBox 14"/>
-          <p:cNvSpPr txBox="1"/>
-          <p:nvPr/>
-        </p:nvSpPr>
-        <p:spPr>
-          <a:xfrm>
-            <a:off x="842558" y="4118736"/>
-            <a:ext cx="413896" cy="338554"/>
-          </a:xfrm>
-          <a:prstGeom prst="rect">
-            <a:avLst/>
-          </a:prstGeom>
-          <a:noFill/>
-        </p:spPr>
-        <p:txBody>
-          <a:bodyPr wrap="none" rtlCol="0">
-            <a:spAutoFit/>
-          </a:bodyPr>
-          <a:lstStyle/>
-          <a:p>
-            <a:pPr algn="ctr"/>
-            <a:r>
-              <a:rPr lang="en-US" sz="1600" smtClean="0">
-                <a:latin typeface="Times New Roman" charset="0"/>
-                <a:ea typeface="Times New Roman" charset="0"/>
-                <a:cs typeface="Times New Roman" charset="0"/>
-              </a:rPr>
-              <a:t>(a)</a:t>
-            </a:r>
-            <a:endParaRPr lang="en-US" sz="1600" dirty="0">
-              <a:latin typeface="Times New Roman" charset="0"/>
-              <a:ea typeface="Times New Roman" charset="0"/>
-              <a:cs typeface="Times New Roman" charset="0"/>
-            </a:endParaRPr>
-          </a:p>
-        </p:txBody>
-      </p:sp>
-      <p:sp>
-        <p:nvSpPr>
-          <p:cNvPr id="13" name="TextBox 12"/>
-          <p:cNvSpPr txBox="1"/>
-          <p:nvPr/>
-        </p:nvSpPr>
-        <p:spPr>
-          <a:xfrm rot="16200000">
-            <a:off x="4011758" y="3046606"/>
-            <a:ext cx="3245633" cy="338554"/>
-          </a:xfrm>
-          <a:prstGeom prst="rect">
-            <a:avLst/>
-          </a:prstGeom>
-          <a:solidFill>
-            <a:schemeClr val="bg1"/>
-          </a:solidFill>
-        </p:spPr>
-        <p:txBody>
-          <a:bodyPr wrap="none" rtlCol="0">
-            <a:spAutoFit/>
-          </a:bodyPr>
-          <a:lstStyle/>
-          <a:p>
-            <a:pPr algn="ctr"/>
-            <a:r>
-              <a:rPr lang="en-US" sz="1600" dirty="0" smtClean="0">
-                <a:latin typeface="Times New Roman" charset="0"/>
-                <a:ea typeface="Times New Roman" charset="0"/>
-                <a:cs typeface="Times New Roman" charset="0"/>
-              </a:rPr>
-              <a:t>Avg. Performance Over 100 Rollouts</a:t>
-            </a:r>
-            <a:endParaRPr lang="en-US" sz="1600" dirty="0">
-              <a:latin typeface="Times New Roman" charset="0"/>
-              <a:ea typeface="Times New Roman" charset="0"/>
-              <a:cs typeface="Times New Roman" charset="0"/>
-            </a:endParaRPr>
-          </a:p>
-        </p:txBody>
-      </p:sp>
-      <p:sp>
-        <p:nvSpPr>
-          <p:cNvPr id="14" name="TextBox 13"/>
-          <p:cNvSpPr txBox="1"/>
-          <p:nvPr/>
-        </p:nvSpPr>
-        <p:spPr>
-          <a:xfrm rot="16200000">
-            <a:off x="-1317828" y="3046606"/>
-            <a:ext cx="3245633" cy="338554"/>
-          </a:xfrm>
-          <a:prstGeom prst="rect">
-            <a:avLst/>
-          </a:prstGeom>
-          <a:solidFill>
-            <a:schemeClr val="bg1"/>
-          </a:solidFill>
-        </p:spPr>
-        <p:txBody>
-          <a:bodyPr wrap="none" rtlCol="0">
-            <a:spAutoFit/>
-          </a:bodyPr>
-          <a:lstStyle/>
-          <a:p>
-            <a:pPr algn="ctr"/>
-            <a:r>
-              <a:rPr lang="en-US" sz="1600" dirty="0" smtClean="0">
-                <a:latin typeface="Times New Roman" charset="0"/>
-                <a:ea typeface="Times New Roman" charset="0"/>
-                <a:cs typeface="Times New Roman" charset="0"/>
-              </a:rPr>
-              <a:t>Avg. Performance Over 100 Rollouts</a:t>
-            </a:r>
-            <a:endParaRPr lang="en-US" sz="1600" dirty="0">
-              <a:latin typeface="Times New Roman" charset="0"/>
-              <a:ea typeface="Times New Roman" charset="0"/>
-              <a:cs typeface="Times New Roman" charset="0"/>
-            </a:endParaRPr>
-          </a:p>
-        </p:txBody>
-      </p:sp>
-      <mc:AlternateContent xmlns:mc="http://schemas.openxmlformats.org/markup-compatibility/2006">
-        <mc:Choice xmlns:a14="http://schemas.microsoft.com/office/drawing/2010/main" Requires="a14">
-          <p:sp>
-            <p:nvSpPr>
-              <p:cNvPr id="12" name="TextBox 11"/>
-              <p:cNvSpPr txBox="1"/>
-              <p:nvPr/>
-            </p:nvSpPr>
-            <p:spPr>
-              <a:xfrm>
-                <a:off x="1803323" y="4634985"/>
-                <a:ext cx="2454133" cy="338554"/>
-              </a:xfrm>
-              <a:prstGeom prst="rect">
-                <a:avLst/>
-              </a:prstGeom>
-              <a:noFill/>
-            </p:spPr>
-            <p:txBody>
-              <a:bodyPr wrap="none" rtlCol="0">
-                <a:spAutoFit/>
-              </a:bodyPr>
-              <a:lstStyle/>
-              <a:p>
-                <a:pPr algn="ctr"/>
-                <a:r>
-                  <a:rPr lang="en-US" sz="1600" dirty="0" smtClean="0">
-                    <a:latin typeface="Times New Roman" charset="0"/>
-                    <a:ea typeface="Times New Roman" charset="0"/>
-                    <a:cs typeface="Times New Roman" charset="0"/>
-                  </a:rPr>
-                  <a:t>Perturbation Frequency (</a:t>
-                </a:r>
-                <a14:m>
-                  <m:oMath xmlns:m="http://schemas.openxmlformats.org/officeDocument/2006/math">
-                    <m:r>
-                      <a:rPr lang="en-US" sz="1600" b="0" i="1" smtClean="0">
-                        <a:latin typeface="Cambria Math" charset="0"/>
-                        <a:ea typeface="Times New Roman" charset="0"/>
-                        <a:cs typeface="Times New Roman" charset="0"/>
-                      </a:rPr>
-                      <m:t>𝜙</m:t>
-                    </m:r>
-                  </m:oMath>
-                </a14:m>
-                <a:r>
-                  <a:rPr lang="en-US" sz="1600" dirty="0" smtClean="0">
-                    <a:latin typeface="Times New Roman" charset="0"/>
-                    <a:ea typeface="Times New Roman" charset="0"/>
-                    <a:cs typeface="Times New Roman" charset="0"/>
-                  </a:rPr>
-                  <a:t>)</a:t>
-                </a:r>
-                <a:endParaRPr lang="en-US" sz="1600" dirty="0">
-                  <a:latin typeface="Times New Roman" charset="0"/>
-                  <a:ea typeface="Times New Roman" charset="0"/>
-                  <a:cs typeface="Times New Roman" charset="0"/>
-                </a:endParaRPr>
-              </a:p>
-            </p:txBody>
-          </p:sp>
-        </mc:Choice>
-        <mc:Fallback>
-          <p:sp>
-            <p:nvSpPr>
-              <p:cNvPr id="12" name="TextBox 11"/>
-              <p:cNvSpPr txBox="1">
-                <a:spLocks noRot="1" noChangeAspect="1" noMove="1" noResize="1" noEditPoints="1" noAdjustHandles="1" noChangeArrowheads="1" noChangeShapeType="1" noTextEdit="1"/>
-              </p:cNvSpPr>
-              <p:nvPr/>
-            </p:nvSpPr>
-            <p:spPr>
-              <a:xfrm>
-                <a:off x="1803323" y="4634985"/>
-                <a:ext cx="2454133" cy="338554"/>
-              </a:xfrm>
-              <a:prstGeom prst="rect">
-                <a:avLst/>
-              </a:prstGeom>
-              <a:blipFill rotWithShape="0">
-                <a:blip r:embed="rId4"/>
-                <a:stretch>
-                  <a:fillRect l="-995" t="-5357" r="-746" b="-21429"/>
-                </a:stretch>
-              </a:blipFill>
-            </p:spPr>
-            <p:txBody>
-              <a:bodyPr/>
-              <a:lstStyle/>
-              <a:p>
-                <a:r>
-                  <a:rPr lang="en-US">
-                    <a:noFill/>
-                  </a:rPr>
-                  <a:t> </a:t>
-                </a:r>
-              </a:p>
-            </p:txBody>
-          </p:sp>
-        </mc:Fallback>
-      </mc:AlternateContent>
-      <mc:AlternateContent xmlns:mc="http://schemas.openxmlformats.org/markup-compatibility/2006">
-        <mc:Choice xmlns:a14="http://schemas.microsoft.com/office/drawing/2010/main" Requires="a14">
-          <p:sp>
-            <p:nvSpPr>
-              <p:cNvPr id="11" name="TextBox 10"/>
-              <p:cNvSpPr txBox="1"/>
-              <p:nvPr/>
-            </p:nvSpPr>
-            <p:spPr>
-              <a:xfrm>
-                <a:off x="7106950" y="4634985"/>
-                <a:ext cx="2454133" cy="338554"/>
-              </a:xfrm>
-              <a:prstGeom prst="rect">
-                <a:avLst/>
-              </a:prstGeom>
-              <a:noFill/>
-            </p:spPr>
-            <p:txBody>
-              <a:bodyPr wrap="none" rtlCol="0">
-                <a:spAutoFit/>
-              </a:bodyPr>
-              <a:lstStyle/>
-              <a:p>
-                <a:pPr algn="ctr"/>
-                <a:r>
-                  <a:rPr lang="en-US" sz="1600" dirty="0" smtClean="0">
-                    <a:latin typeface="Times New Roman" charset="0"/>
-                    <a:ea typeface="Times New Roman" charset="0"/>
-                    <a:cs typeface="Times New Roman" charset="0"/>
-                  </a:rPr>
-                  <a:t>Perturbation Frequency (</a:t>
-                </a:r>
-                <a14:m>
-                  <m:oMath xmlns:m="http://schemas.openxmlformats.org/officeDocument/2006/math">
-                    <m:r>
-                      <a:rPr lang="en-US" sz="1600" b="0" i="1" smtClean="0">
-                        <a:latin typeface="Cambria Math" charset="0"/>
-                        <a:ea typeface="Times New Roman" charset="0"/>
-                        <a:cs typeface="Times New Roman" charset="0"/>
-                      </a:rPr>
-                      <m:t>𝜙</m:t>
-                    </m:r>
-                  </m:oMath>
-                </a14:m>
-                <a:r>
-                  <a:rPr lang="en-US" sz="1600" dirty="0" smtClean="0">
-                    <a:latin typeface="Times New Roman" charset="0"/>
-                    <a:ea typeface="Times New Roman" charset="0"/>
-                    <a:cs typeface="Times New Roman" charset="0"/>
-                  </a:rPr>
-                  <a:t>)</a:t>
-                </a:r>
-                <a:endParaRPr lang="en-US" sz="1600" dirty="0">
-                  <a:latin typeface="Times New Roman" charset="0"/>
-                  <a:ea typeface="Times New Roman" charset="0"/>
-                  <a:cs typeface="Times New Roman" charset="0"/>
-                </a:endParaRPr>
-              </a:p>
-            </p:txBody>
-          </p:sp>
-        </mc:Choice>
-        <mc:Fallback>
+        <mc:Fallback xmlns="">
           <p:sp>
             <p:nvSpPr>
               <p:cNvPr id="11" name="TextBox 10"/>
@@ -6879,6 +9049,13 @@
   <p:clrMapOvr>
     <a:masterClrMapping/>
   </p:clrMapOvr>
+  <p:timing>
+    <p:tnLst>
+      <p:par>
+        <p:cTn id="1" dur="indefinite" restart="never" nodeType="tmRoot"/>
+      </p:par>
+    </p:tnLst>
+  </p:timing>
 </p:sld>
 </file>
 
